--- a/Project Information/Proje Teslim Raporu.pptx
+++ b/Project Information/Proje Teslim Raporu.pptx
@@ -5,33 +5,38 @@
     <p:sldMasterId id="2147483648" r:id="rId1"/>
   </p:sldMasterIdLst>
   <p:notesMasterIdLst>
-    <p:notesMasterId r:id="rId23"/>
+    <p:notesMasterId r:id="rId28"/>
   </p:notesMasterIdLst>
   <p:handoutMasterIdLst>
-    <p:handoutMasterId r:id="rId24"/>
+    <p:handoutMasterId r:id="rId29"/>
   </p:handoutMasterIdLst>
   <p:sldIdLst>
     <p:sldId id="256" r:id="rId2"/>
     <p:sldId id="261" r:id="rId3"/>
     <p:sldId id="262" r:id="rId4"/>
-    <p:sldId id="257" r:id="rId5"/>
-    <p:sldId id="258" r:id="rId6"/>
-    <p:sldId id="259" r:id="rId7"/>
-    <p:sldId id="260" r:id="rId8"/>
-    <p:sldId id="263" r:id="rId9"/>
-    <p:sldId id="264" r:id="rId10"/>
-    <p:sldId id="268" r:id="rId11"/>
-    <p:sldId id="269" r:id="rId12"/>
-    <p:sldId id="265" r:id="rId13"/>
-    <p:sldId id="272" r:id="rId14"/>
-    <p:sldId id="270" r:id="rId15"/>
-    <p:sldId id="271" r:id="rId16"/>
-    <p:sldId id="273" r:id="rId17"/>
-    <p:sldId id="274" r:id="rId18"/>
-    <p:sldId id="275" r:id="rId19"/>
-    <p:sldId id="276" r:id="rId20"/>
-    <p:sldId id="266" r:id="rId21"/>
-    <p:sldId id="267" r:id="rId22"/>
+    <p:sldId id="281" r:id="rId5"/>
+    <p:sldId id="257" r:id="rId6"/>
+    <p:sldId id="258" r:id="rId7"/>
+    <p:sldId id="259" r:id="rId8"/>
+    <p:sldId id="260" r:id="rId9"/>
+    <p:sldId id="263" r:id="rId10"/>
+    <p:sldId id="264" r:id="rId11"/>
+    <p:sldId id="268" r:id="rId12"/>
+    <p:sldId id="269" r:id="rId13"/>
+    <p:sldId id="265" r:id="rId14"/>
+    <p:sldId id="272" r:id="rId15"/>
+    <p:sldId id="270" r:id="rId16"/>
+    <p:sldId id="271" r:id="rId17"/>
+    <p:sldId id="273" r:id="rId18"/>
+    <p:sldId id="274" r:id="rId19"/>
+    <p:sldId id="275" r:id="rId20"/>
+    <p:sldId id="276" r:id="rId21"/>
+    <p:sldId id="277" r:id="rId22"/>
+    <p:sldId id="278" r:id="rId23"/>
+    <p:sldId id="280" r:id="rId24"/>
+    <p:sldId id="279" r:id="rId25"/>
+    <p:sldId id="266" r:id="rId26"/>
+    <p:sldId id="267" r:id="rId27"/>
   </p:sldIdLst>
   <p:sldSz cx="12192000" cy="6858000"/>
   <p:notesSz cx="6858000" cy="9144000"/>
@@ -638,7 +643,6 @@
             <c:showLeaderLines val="0"/>
             <c:extLst>
               <c:ext xmlns:c15="http://schemas.microsoft.com/office/drawing/2012/chart" uri="{CE6537A1-D6FC-4f65-9D91-7224C49458BB}">
-                <c15:layout/>
                 <c15:showLeaderLines val="1"/>
                 <c15:leaderLines>
                   <c:spPr>
@@ -1564,7 +1568,7 @@
           <a:p>
             <a:fld id="{DB7517CA-1140-43F1-9C0D-31DCB6F65469}" type="datetimeFigureOut">
               <a:rPr lang="tr-TR" smtClean="0"/>
-              <a:t>23.12.2018</a:t>
+              <a:t>25.12.2018</a:t>
             </a:fld>
             <a:endParaRPr lang="tr-TR" dirty="0"/>
           </a:p>
@@ -1730,7 +1734,7 @@
           <a:p>
             <a:fld id="{4D93EB32-7880-4500-B258-109756CB3F9A}" type="datetimeFigureOut">
               <a:rPr lang="tr-TR" smtClean="0"/>
-              <a:t>23.12.2018</a:t>
+              <a:t>25.12.2018</a:t>
             </a:fld>
             <a:endParaRPr lang="tr-TR" dirty="0"/>
           </a:p>
@@ -2130,7 +2134,7 @@
           <a:p>
             <a:fld id="{126E7E9A-08EE-4350-B4A7-E84EC094901D}" type="datetime1">
               <a:rPr lang="tr-TR" smtClean="0"/>
-              <a:t>23.12.2018</a:t>
+              <a:t>25.12.2018</a:t>
             </a:fld>
             <a:endParaRPr lang="tr-TR" dirty="0"/>
           </a:p>
@@ -2300,7 +2304,7 @@
           <a:p>
             <a:fld id="{736DE7D7-E75B-4CEB-A997-A825CE5E697E}" type="datetime1">
               <a:rPr lang="tr-TR" smtClean="0"/>
-              <a:t>23.12.2018</a:t>
+              <a:t>25.12.2018</a:t>
             </a:fld>
             <a:endParaRPr lang="tr-TR" dirty="0"/>
           </a:p>
@@ -2480,7 +2484,7 @@
           <a:p>
             <a:fld id="{B8E8E36C-7704-4115-B6BC-6322BB209ED4}" type="datetime1">
               <a:rPr lang="tr-TR" smtClean="0"/>
-              <a:t>23.12.2018</a:t>
+              <a:t>25.12.2018</a:t>
             </a:fld>
             <a:endParaRPr lang="tr-TR" dirty="0"/>
           </a:p>
@@ -2650,7 +2654,7 @@
           <a:p>
             <a:fld id="{1CEF0046-3354-41DD-AE55-FEF18A874DEE}" type="datetime1">
               <a:rPr lang="tr-TR" smtClean="0"/>
-              <a:t>23.12.2018</a:t>
+              <a:t>25.12.2018</a:t>
             </a:fld>
             <a:endParaRPr lang="tr-TR" dirty="0"/>
           </a:p>
@@ -2896,7 +2900,7 @@
           <a:p>
             <a:fld id="{5A0E55F2-8C61-4538-98CA-32F4A238A9C7}" type="datetime1">
               <a:rPr lang="tr-TR" smtClean="0"/>
-              <a:t>23.12.2018</a:t>
+              <a:t>25.12.2018</a:t>
             </a:fld>
             <a:endParaRPr lang="tr-TR" dirty="0"/>
           </a:p>
@@ -3128,7 +3132,7 @@
           <a:p>
             <a:fld id="{0877CF0E-1EE9-4ED2-8B68-F169DD93CB7F}" type="datetime1">
               <a:rPr lang="tr-TR" smtClean="0"/>
-              <a:t>23.12.2018</a:t>
+              <a:t>25.12.2018</a:t>
             </a:fld>
             <a:endParaRPr lang="tr-TR" dirty="0"/>
           </a:p>
@@ -3495,7 +3499,7 @@
           <a:p>
             <a:fld id="{D9883DD8-5576-43F1-BCF0-DC9668566F0E}" type="datetime1">
               <a:rPr lang="tr-TR" smtClean="0"/>
-              <a:t>23.12.2018</a:t>
+              <a:t>25.12.2018</a:t>
             </a:fld>
             <a:endParaRPr lang="tr-TR" dirty="0"/>
           </a:p>
@@ -3613,7 +3617,7 @@
           <a:p>
             <a:fld id="{AA13ED7E-E474-430A-818E-779D20FC86CA}" type="datetime1">
               <a:rPr lang="tr-TR" smtClean="0"/>
-              <a:t>23.12.2018</a:t>
+              <a:t>25.12.2018</a:t>
             </a:fld>
             <a:endParaRPr lang="tr-TR" dirty="0"/>
           </a:p>
@@ -3708,7 +3712,7 @@
           <a:p>
             <a:fld id="{D039424D-EC23-4192-B37B-BAAC44CFB73B}" type="datetime1">
               <a:rPr lang="tr-TR" smtClean="0"/>
-              <a:t>23.12.2018</a:t>
+              <a:t>25.12.2018</a:t>
             </a:fld>
             <a:endParaRPr lang="tr-TR" dirty="0"/>
           </a:p>
@@ -3985,7 +3989,7 @@
           <a:p>
             <a:fld id="{E443655E-01D9-4DAD-9551-F413DE9CCA36}" type="datetime1">
               <a:rPr lang="tr-TR" smtClean="0"/>
-              <a:t>23.12.2018</a:t>
+              <a:t>25.12.2018</a:t>
             </a:fld>
             <a:endParaRPr lang="tr-TR" dirty="0"/>
           </a:p>
@@ -4238,7 +4242,7 @@
           <a:p>
             <a:fld id="{AA1C4713-CAB3-469A-AC7D-1959B3665477}" type="datetime1">
               <a:rPr lang="tr-TR" smtClean="0"/>
-              <a:t>23.12.2018</a:t>
+              <a:t>25.12.2018</a:t>
             </a:fld>
             <a:endParaRPr lang="tr-TR" dirty="0"/>
           </a:p>
@@ -4451,7 +4455,7 @@
           <a:p>
             <a:fld id="{E7E02004-4F3C-43CE-BE2E-0B59026F639A}" type="datetime1">
               <a:rPr lang="tr-TR" smtClean="0"/>
-              <a:t>23.12.2018</a:t>
+              <a:t>25.12.2018</a:t>
             </a:fld>
             <a:endParaRPr lang="tr-TR" dirty="0"/>
           </a:p>
@@ -5248,35 +5252,219 @@
           <a:chExt cx="0" cy="0"/>
         </a:xfrm>
       </p:grpSpPr>
-      <p:pic>
-        <p:nvPicPr>
-          <p:cNvPr id="7" name="İçerik Yer Tutucusu 6"/>
-          <p:cNvPicPr>
-            <a:picLocks noGrp="1" noChangeAspect="1"/>
-          </p:cNvPicPr>
+      <p:sp>
+        <p:nvSpPr>
+          <p:cNvPr id="3" name="İçerik Yer Tutucusu 2"/>
+          <p:cNvSpPr>
+            <a:spLocks noGrp="1"/>
+          </p:cNvSpPr>
           <p:nvPr>
             <p:ph idx="1"/>
           </p:nvPr>
-        </p:nvPicPr>
-        <p:blipFill>
-          <a:blip r:embed="rId2">
-            <a:extLst>
-              <a:ext uri="{28A0092B-C50C-407E-A947-70E740481C1C}">
-                <a14:useLocalDpi xmlns:a14="http://schemas.microsoft.com/office/drawing/2010/main" val="0"/>
-              </a:ext>
-            </a:extLst>
-          </a:blip>
-          <a:stretch>
-            <a:fillRect/>
-          </a:stretch>
-        </p:blipFill>
+        </p:nvSpPr>
         <p:spPr>
           <a:xfrm>
-            <a:off x="2857798" y="1706271"/>
-            <a:ext cx="6476404" cy="4624491"/>
+            <a:off x="838200" y="295836"/>
+            <a:ext cx="10515600" cy="5809130"/>
           </a:xfrm>
         </p:spPr>
-      </p:pic>
+        <p:txBody>
+          <a:bodyPr/>
+          <a:lstStyle/>
+          <a:p>
+            <a:pPr marL="342900" indent="-342900">
+              <a:buFont typeface="+mj-lt"/>
+              <a:buAutoNum type="arabicPeriod" startAt="3"/>
+            </a:pPr>
+            <a:r>
+              <a:rPr lang="tr-TR" sz="1700" dirty="0" smtClean="0">
+                <a:latin typeface="Times New Roman" panose="02020603050405020304" pitchFamily="18" charset="0"/>
+                <a:cs typeface="Times New Roman" panose="02020603050405020304" pitchFamily="18" charset="0"/>
+              </a:rPr>
+              <a:t>View Packages</a:t>
+            </a:r>
+          </a:p>
+          <a:p>
+            <a:pPr lvl="1"/>
+            <a:r>
+              <a:rPr lang="tr-TR" sz="1500" dirty="0" smtClean="0">
+                <a:latin typeface="Times New Roman" panose="02020603050405020304" pitchFamily="18" charset="0"/>
+                <a:cs typeface="Times New Roman" panose="02020603050405020304" pitchFamily="18" charset="0"/>
+              </a:rPr>
+              <a:t>AccessFXML: Tüm ekranlar arası geçişleri ve ekrana hatayı veya bir mesajı yazdırmak için kullanılan sınıf.</a:t>
+            </a:r>
+          </a:p>
+          <a:p>
+            <a:pPr lvl="1"/>
+            <a:r>
+              <a:rPr lang="tr-TR" sz="1500" dirty="0" smtClean="0">
+                <a:latin typeface="Times New Roman" panose="02020603050405020304" pitchFamily="18" charset="0"/>
+                <a:cs typeface="Times New Roman" panose="02020603050405020304" pitchFamily="18" charset="0"/>
+              </a:rPr>
+              <a:t>StockTruckingAutomation: İlk açılışı yöneten sınıf</a:t>
+            </a:r>
+          </a:p>
+          <a:p>
+            <a:pPr lvl="1"/>
+            <a:r>
+              <a:rPr lang="tr-TR" sz="1500" dirty="0" smtClean="0">
+                <a:latin typeface="Times New Roman" panose="02020603050405020304" pitchFamily="18" charset="0"/>
+                <a:cs typeface="Times New Roman" panose="02020603050405020304" pitchFamily="18" charset="0"/>
+              </a:rPr>
+              <a:t>AdminScreen.fxml: Yönetici ve Satış Sorumlusunun kullandığı ekranın fxml dosyası.</a:t>
+            </a:r>
+          </a:p>
+          <a:p>
+            <a:pPr lvl="1"/>
+            <a:r>
+              <a:rPr lang="tr-TR" sz="1500" dirty="0" smtClean="0">
+                <a:latin typeface="Times New Roman" panose="02020603050405020304" pitchFamily="18" charset="0"/>
+                <a:cs typeface="Times New Roman" panose="02020603050405020304" pitchFamily="18" charset="0"/>
+              </a:rPr>
+              <a:t>DepartmentManagerScreen.fxml:</a:t>
+            </a:r>
+            <a:r>
+              <a:rPr lang="tr-TR" sz="1500" dirty="0">
+                <a:latin typeface="Times New Roman" panose="02020603050405020304" pitchFamily="18" charset="0"/>
+                <a:cs typeface="Times New Roman" panose="02020603050405020304" pitchFamily="18" charset="0"/>
+              </a:rPr>
+              <a:t> </a:t>
+            </a:r>
+            <a:r>
+              <a:rPr lang="tr-TR" sz="1500" dirty="0" smtClean="0">
+                <a:latin typeface="Times New Roman" panose="02020603050405020304" pitchFamily="18" charset="0"/>
+                <a:cs typeface="Times New Roman" panose="02020603050405020304" pitchFamily="18" charset="0"/>
+              </a:rPr>
+              <a:t>Bölüm Yönetecisinin kullandığı </a:t>
+            </a:r>
+            <a:r>
+              <a:rPr lang="tr-TR" sz="1500" dirty="0">
+                <a:latin typeface="Times New Roman" panose="02020603050405020304" pitchFamily="18" charset="0"/>
+                <a:cs typeface="Times New Roman" panose="02020603050405020304" pitchFamily="18" charset="0"/>
+              </a:rPr>
+              <a:t>ekranın fxml dosyası</a:t>
+            </a:r>
+            <a:r>
+              <a:rPr lang="tr-TR" sz="1500" dirty="0" smtClean="0">
+                <a:latin typeface="Times New Roman" panose="02020603050405020304" pitchFamily="18" charset="0"/>
+                <a:cs typeface="Times New Roman" panose="02020603050405020304" pitchFamily="18" charset="0"/>
+              </a:rPr>
+              <a:t>.</a:t>
+            </a:r>
+          </a:p>
+          <a:p>
+            <a:pPr lvl="1"/>
+            <a:r>
+              <a:rPr lang="tr-TR" sz="1500" dirty="0" smtClean="0">
+                <a:latin typeface="Times New Roman" panose="02020603050405020304" pitchFamily="18" charset="0"/>
+                <a:cs typeface="Times New Roman" panose="02020603050405020304" pitchFamily="18" charset="0"/>
+              </a:rPr>
+              <a:t>SignIn.fxml: Giriş Ekranı olarak kullanılan </a:t>
+            </a:r>
+            <a:r>
+              <a:rPr lang="tr-TR" sz="1500" dirty="0">
+                <a:latin typeface="Times New Roman" panose="02020603050405020304" pitchFamily="18" charset="0"/>
+                <a:cs typeface="Times New Roman" panose="02020603050405020304" pitchFamily="18" charset="0"/>
+              </a:rPr>
+              <a:t>ekranın fxml dosyası</a:t>
+            </a:r>
+            <a:r>
+              <a:rPr lang="tr-TR" sz="1500" dirty="0" smtClean="0">
+                <a:latin typeface="Times New Roman" panose="02020603050405020304" pitchFamily="18" charset="0"/>
+                <a:cs typeface="Times New Roman" panose="02020603050405020304" pitchFamily="18" charset="0"/>
+              </a:rPr>
+              <a:t>.</a:t>
+            </a:r>
+          </a:p>
+          <a:p>
+            <a:pPr lvl="1"/>
+            <a:r>
+              <a:rPr lang="tr-TR" sz="1500" dirty="0" smtClean="0">
+                <a:latin typeface="Times New Roman" panose="02020603050405020304" pitchFamily="18" charset="0"/>
+                <a:cs typeface="Times New Roman" panose="02020603050405020304" pitchFamily="18" charset="0"/>
+              </a:rPr>
+              <a:t>SignUp.fxml: Kayıt Ekranı olarak kullanılan ekranın fxml dosyası</a:t>
+            </a:r>
+          </a:p>
+          <a:p>
+            <a:pPr lvl="1"/>
+            <a:r>
+              <a:rPr lang="tr-TR" sz="1500" dirty="0" smtClean="0">
+                <a:latin typeface="Times New Roman" panose="02020603050405020304" pitchFamily="18" charset="0"/>
+                <a:cs typeface="Times New Roman" panose="02020603050405020304" pitchFamily="18" charset="0"/>
+              </a:rPr>
+              <a:t>AssignReport.jrxml: Raporlama ekranı olarak kullanılan JasperReport</a:t>
+            </a:r>
+            <a:r>
+              <a:rPr lang="tr-TR" sz="1500" dirty="0">
+                <a:latin typeface="Times New Roman" panose="02020603050405020304" pitchFamily="18" charset="0"/>
+                <a:cs typeface="Times New Roman" panose="02020603050405020304" pitchFamily="18" charset="0"/>
+              </a:rPr>
+              <a:t> </a:t>
+            </a:r>
+            <a:r>
+              <a:rPr lang="tr-TR" sz="1500" dirty="0" smtClean="0">
+                <a:latin typeface="Times New Roman" panose="02020603050405020304" pitchFamily="18" charset="0"/>
+                <a:cs typeface="Times New Roman" panose="02020603050405020304" pitchFamily="18" charset="0"/>
+              </a:rPr>
+              <a:t>nesnesi</a:t>
+            </a:r>
+          </a:p>
+          <a:p>
+            <a:pPr lvl="1"/>
+            <a:r>
+              <a:rPr lang="tr-TR" sz="1500" dirty="0" smtClean="0">
+                <a:latin typeface="Times New Roman" panose="02020603050405020304" pitchFamily="18" charset="0"/>
+                <a:cs typeface="Times New Roman" panose="02020603050405020304" pitchFamily="18" charset="0"/>
+              </a:rPr>
+              <a:t>AssignReport.jasper: Raporlama ekranı olarak kullanılan nesnenin yönetim ekranı</a:t>
+            </a:r>
+          </a:p>
+          <a:p>
+            <a:pPr lvl="1"/>
+            <a:r>
+              <a:rPr lang="tr-TR" sz="1500" dirty="0" smtClean="0">
+                <a:latin typeface="Times New Roman" panose="02020603050405020304" pitchFamily="18" charset="0"/>
+                <a:cs typeface="Times New Roman" panose="02020603050405020304" pitchFamily="18" charset="0"/>
+              </a:rPr>
+              <a:t>style.css: Ekranları daha estetik göstermekte kullanılan CSS dosyası</a:t>
+            </a:r>
+          </a:p>
+          <a:p>
+            <a:pPr marL="457200" indent="-457200">
+              <a:buFont typeface="+mj-lt"/>
+              <a:buAutoNum type="arabicPeriod" startAt="4"/>
+            </a:pPr>
+            <a:r>
+              <a:rPr lang="tr-TR" sz="1700" dirty="0" smtClean="0">
+                <a:latin typeface="Times New Roman" panose="02020603050405020304" pitchFamily="18" charset="0"/>
+                <a:cs typeface="Times New Roman" panose="02020603050405020304" pitchFamily="18" charset="0"/>
+              </a:rPr>
+              <a:t>View.Pictures</a:t>
+            </a:r>
+            <a:endParaRPr lang="tr-TR" sz="1700" dirty="0">
+              <a:latin typeface="Times New Roman" panose="02020603050405020304" pitchFamily="18" charset="0"/>
+              <a:cs typeface="Times New Roman" panose="02020603050405020304" pitchFamily="18" charset="0"/>
+            </a:endParaRPr>
+          </a:p>
+          <a:p>
+            <a:pPr lvl="1"/>
+            <a:r>
+              <a:rPr lang="tr-TR" sz="1500" dirty="0" smtClean="0">
+                <a:latin typeface="Times New Roman" panose="02020603050405020304" pitchFamily="18" charset="0"/>
+                <a:cs typeface="Times New Roman" panose="02020603050405020304" pitchFamily="18" charset="0"/>
+              </a:rPr>
+              <a:t>report.png: Rapor sayfasının üstünde gözüken resim</a:t>
+            </a:r>
+          </a:p>
+          <a:p>
+            <a:endParaRPr lang="tr-TR" dirty="0">
+              <a:latin typeface="Times New Roman" panose="02020603050405020304" pitchFamily="18" charset="0"/>
+              <a:cs typeface="Times New Roman" panose="02020603050405020304" pitchFamily="18" charset="0"/>
+            </a:endParaRPr>
+          </a:p>
+        </p:txBody>
+      </p:sp>
       <p:sp>
         <p:nvSpPr>
           <p:cNvPr id="4" name="Slayt Numarası Yer Tutucusu 3"/>
@@ -5300,101 +5488,10 @@
           </a:p>
         </p:txBody>
       </p:sp>
-      <p:sp>
-        <p:nvSpPr>
-          <p:cNvPr id="5" name="Unvan 1"/>
-          <p:cNvSpPr txBox="1">
-            <a:spLocks/>
-          </p:cNvSpPr>
-          <p:nvPr/>
-        </p:nvSpPr>
-        <p:spPr>
-          <a:xfrm>
-            <a:off x="838200" y="62240"/>
-            <a:ext cx="10515600" cy="616510"/>
-          </a:xfrm>
-          <a:prstGeom prst="rect">
-            <a:avLst/>
-          </a:prstGeom>
-        </p:spPr>
-        <p:txBody>
-          <a:bodyPr vert="horz" lIns="91440" tIns="45720" rIns="91440" bIns="45720" rtlCol="0" anchor="ctr">
-            <a:normAutofit fontScale="90000" lnSpcReduction="10000"/>
-          </a:bodyPr>
-          <a:lstStyle>
-            <a:lvl1pPr algn="l" defTabSz="914400" rtl="0" eaLnBrk="1" latinLnBrk="0" hangingPunct="1">
-              <a:lnSpc>
-                <a:spcPct val="90000"/>
-              </a:lnSpc>
-              <a:spcBef>
-                <a:spcPct val="0"/>
-              </a:spcBef>
-              <a:buNone/>
-              <a:defRPr sz="4400" kern="1200">
-                <a:solidFill>
-                  <a:schemeClr val="tx1"/>
-                </a:solidFill>
-                <a:latin typeface="+mj-lt"/>
-                <a:ea typeface="+mj-ea"/>
-                <a:cs typeface="+mj-cs"/>
-              </a:defRPr>
-            </a:lvl1pPr>
-          </a:lstStyle>
-          <a:p>
-            <a:r>
-              <a:rPr lang="tr-TR" b="1" dirty="0" smtClean="0">
-                <a:latin typeface="Times New Roman" panose="02020603050405020304" pitchFamily="18" charset="0"/>
-                <a:cs typeface="Times New Roman" panose="02020603050405020304" pitchFamily="18" charset="0"/>
-              </a:rPr>
-              <a:t>Ekran Çıktıları</a:t>
-            </a:r>
-            <a:endParaRPr lang="tr-TR" b="1" dirty="0">
-              <a:latin typeface="Times New Roman" panose="02020603050405020304" pitchFamily="18" charset="0"/>
-              <a:cs typeface="Times New Roman" panose="02020603050405020304" pitchFamily="18" charset="0"/>
-            </a:endParaRPr>
-          </a:p>
-        </p:txBody>
-      </p:sp>
-      <p:sp>
-        <p:nvSpPr>
-          <p:cNvPr id="6" name="Unvan 1"/>
-          <p:cNvSpPr>
-            <a:spLocks noGrp="1"/>
-          </p:cNvSpPr>
-          <p:nvPr>
-            <p:ph type="title"/>
-          </p:nvPr>
-        </p:nvSpPr>
-        <p:spPr>
-          <a:xfrm>
-            <a:off x="1129553" y="678750"/>
-            <a:ext cx="9932894" cy="616510"/>
-          </a:xfrm>
-        </p:spPr>
-        <p:txBody>
-          <a:bodyPr>
-            <a:normAutofit/>
-          </a:bodyPr>
-          <a:lstStyle/>
-          <a:p>
-            <a:r>
-              <a:rPr lang="tr-TR" sz="2800" dirty="0" smtClean="0">
-                <a:latin typeface="Times New Roman" panose="02020603050405020304" pitchFamily="18" charset="0"/>
-                <a:cs typeface="Times New Roman" panose="02020603050405020304" pitchFamily="18" charset="0"/>
-              </a:rPr>
-              <a:t>Giriş Ekranı</a:t>
-            </a:r>
-            <a:endParaRPr lang="tr-TR" sz="2800" dirty="0">
-              <a:latin typeface="Times New Roman" panose="02020603050405020304" pitchFamily="18" charset="0"/>
-              <a:cs typeface="Times New Roman" panose="02020603050405020304" pitchFamily="18" charset="0"/>
-            </a:endParaRPr>
-          </a:p>
-        </p:txBody>
-      </p:sp>
     </p:spTree>
     <p:extLst>
       <p:ext uri="{BB962C8B-B14F-4D97-AF65-F5344CB8AC3E}">
-        <p14:creationId xmlns:p14="http://schemas.microsoft.com/office/powerpoint/2010/main" val="727906321"/>
+        <p14:creationId xmlns:p14="http://schemas.microsoft.com/office/powerpoint/2010/main" val="807237571"/>
       </p:ext>
     </p:extLst>
   </p:cSld>
@@ -5430,7 +5527,7 @@
       </p:grpSpPr>
       <p:pic>
         <p:nvPicPr>
-          <p:cNvPr id="6" name="İçerik Yer Tutucusu 5"/>
+          <p:cNvPr id="7" name="İçerik Yer Tutucusu 6"/>
           <p:cNvPicPr>
             <a:picLocks noGrp="1" noChangeAspect="1"/>
           </p:cNvPicPr>
@@ -5452,8 +5549,8 @@
         </p:blipFill>
         <p:spPr>
           <a:xfrm>
-            <a:off x="2798466" y="1228401"/>
-            <a:ext cx="6595068" cy="5248035"/>
+            <a:off x="2857798" y="1706271"/>
+            <a:ext cx="6476404" cy="4624491"/>
           </a:xfrm>
         </p:spPr>
       </p:pic>
@@ -5483,17 +5580,72 @@
       <p:sp>
         <p:nvSpPr>
           <p:cNvPr id="5" name="Unvan 1"/>
-          <p:cNvSpPr>
-            <a:spLocks noGrp="1"/>
-          </p:cNvSpPr>
-          <p:nvPr>
-            <p:ph type="title"/>
-          </p:nvPr>
+          <p:cNvSpPr txBox="1">
+            <a:spLocks/>
+          </p:cNvSpPr>
+          <p:nvPr/>
         </p:nvSpPr>
         <p:spPr>
           <a:xfrm>
-            <a:off x="1129553" y="303071"/>
-            <a:ext cx="9932894" cy="616510"/>
+            <a:off x="838200" y="62240"/>
+            <a:ext cx="10515600" cy="616510"/>
+          </a:xfrm>
+          <a:prstGeom prst="rect">
+            <a:avLst/>
+          </a:prstGeom>
+        </p:spPr>
+        <p:txBody>
+          <a:bodyPr vert="horz" lIns="91440" tIns="45720" rIns="91440" bIns="45720" rtlCol="0" anchor="ctr">
+            <a:normAutofit fontScale="90000" lnSpcReduction="10000"/>
+          </a:bodyPr>
+          <a:lstStyle>
+            <a:lvl1pPr algn="l" defTabSz="914400" rtl="0" eaLnBrk="1" latinLnBrk="0" hangingPunct="1">
+              <a:lnSpc>
+                <a:spcPct val="90000"/>
+              </a:lnSpc>
+              <a:spcBef>
+                <a:spcPct val="0"/>
+              </a:spcBef>
+              <a:buNone/>
+              <a:defRPr sz="4400" kern="1200">
+                <a:solidFill>
+                  <a:schemeClr val="tx1"/>
+                </a:solidFill>
+                <a:latin typeface="+mj-lt"/>
+                <a:ea typeface="+mj-ea"/>
+                <a:cs typeface="+mj-cs"/>
+              </a:defRPr>
+            </a:lvl1pPr>
+          </a:lstStyle>
+          <a:p>
+            <a:r>
+              <a:rPr lang="tr-TR" b="1" dirty="0" smtClean="0">
+                <a:latin typeface="Times New Roman" panose="02020603050405020304" pitchFamily="18" charset="0"/>
+                <a:cs typeface="Times New Roman" panose="02020603050405020304" pitchFamily="18" charset="0"/>
+              </a:rPr>
+              <a:t>Ekran Çıktıları</a:t>
+            </a:r>
+            <a:endParaRPr lang="tr-TR" b="1" dirty="0">
+              <a:latin typeface="Times New Roman" panose="02020603050405020304" pitchFamily="18" charset="0"/>
+              <a:cs typeface="Times New Roman" panose="02020603050405020304" pitchFamily="18" charset="0"/>
+            </a:endParaRPr>
+          </a:p>
+        </p:txBody>
+      </p:sp>
+      <p:sp>
+        <p:nvSpPr>
+          <p:cNvPr id="6" name="Unvan 1"/>
+          <p:cNvSpPr>
+            <a:spLocks noGrp="1"/>
+          </p:cNvSpPr>
+          <p:nvPr>
+            <p:ph type="title"/>
+          </p:nvPr>
+        </p:nvSpPr>
+        <p:spPr>
+          <a:xfrm>
+            <a:off x="1129553" y="764652"/>
+            <a:ext cx="9932894" cy="619217"/>
           </a:xfrm>
         </p:spPr>
         <p:txBody>
@@ -5507,7 +5659,7 @@
                 <a:latin typeface="Times New Roman" panose="02020603050405020304" pitchFamily="18" charset="0"/>
                 <a:cs typeface="Times New Roman" panose="02020603050405020304" pitchFamily="18" charset="0"/>
               </a:rPr>
-              <a:t>Kayıt Ekranı</a:t>
+              <a:t>Giriş Ekranı</a:t>
             </a:r>
             <a:endParaRPr lang="tr-TR" sz="2800" dirty="0">
               <a:latin typeface="Times New Roman" panose="02020603050405020304" pitchFamily="18" charset="0"/>
@@ -5519,7 +5671,7 @@
     </p:spTree>
     <p:extLst>
       <p:ext uri="{BB962C8B-B14F-4D97-AF65-F5344CB8AC3E}">
-        <p14:creationId xmlns:p14="http://schemas.microsoft.com/office/powerpoint/2010/main" val="2691019184"/>
+        <p14:creationId xmlns:p14="http://schemas.microsoft.com/office/powerpoint/2010/main" val="727906321"/>
       </p:ext>
     </p:extLst>
   </p:cSld>
@@ -5553,45 +5705,9 @@
           <a:chExt cx="0" cy="0"/>
         </a:xfrm>
       </p:grpSpPr>
-      <p:sp>
-        <p:nvSpPr>
-          <p:cNvPr id="2" name="Unvan 1"/>
-          <p:cNvSpPr>
-            <a:spLocks noGrp="1"/>
-          </p:cNvSpPr>
-          <p:nvPr>
-            <p:ph type="title"/>
-          </p:nvPr>
-        </p:nvSpPr>
-        <p:spPr>
-          <a:xfrm>
-            <a:off x="1129552" y="787165"/>
-            <a:ext cx="9932894" cy="616510"/>
-          </a:xfrm>
-        </p:spPr>
-        <p:txBody>
-          <a:bodyPr>
-            <a:normAutofit/>
-          </a:bodyPr>
-          <a:lstStyle/>
-          <a:p>
-            <a:r>
-              <a:rPr lang="tr-TR" sz="2800" dirty="0" smtClean="0">
-                <a:latin typeface="Times New Roman" panose="02020603050405020304" pitchFamily="18" charset="0"/>
-                <a:cs typeface="Times New Roman" panose="02020603050405020304" pitchFamily="18" charset="0"/>
-              </a:rPr>
-              <a:t>Personel Ekranı</a:t>
-            </a:r>
-            <a:endParaRPr lang="tr-TR" sz="2800" dirty="0">
-              <a:latin typeface="Times New Roman" panose="02020603050405020304" pitchFamily="18" charset="0"/>
-              <a:cs typeface="Times New Roman" panose="02020603050405020304" pitchFamily="18" charset="0"/>
-            </a:endParaRPr>
-          </a:p>
-        </p:txBody>
-      </p:sp>
       <p:pic>
         <p:nvPicPr>
-          <p:cNvPr id="5" name="İçerik Yer Tutucusu 4"/>
+          <p:cNvPr id="6" name="İçerik Yer Tutucusu 5"/>
           <p:cNvPicPr>
             <a:picLocks noGrp="1" noChangeAspect="1"/>
           </p:cNvPicPr>
@@ -5613,8 +5729,8 @@
         </p:blipFill>
         <p:spPr>
           <a:xfrm>
-            <a:off x="1968655" y="1403675"/>
-            <a:ext cx="8254691" cy="5195888"/>
+            <a:off x="2798466" y="1228401"/>
+            <a:ext cx="6595068" cy="5248035"/>
           </a:xfrm>
         </p:spPr>
       </p:pic>
@@ -5641,10 +5757,46 @@
           </a:p>
         </p:txBody>
       </p:sp>
+      <p:sp>
+        <p:nvSpPr>
+          <p:cNvPr id="5" name="Unvan 1"/>
+          <p:cNvSpPr>
+            <a:spLocks noGrp="1"/>
+          </p:cNvSpPr>
+          <p:nvPr>
+            <p:ph type="title"/>
+          </p:nvPr>
+        </p:nvSpPr>
+        <p:spPr>
+          <a:xfrm>
+            <a:off x="1129553" y="303071"/>
+            <a:ext cx="9932894" cy="616510"/>
+          </a:xfrm>
+        </p:spPr>
+        <p:txBody>
+          <a:bodyPr>
+            <a:normAutofit/>
+          </a:bodyPr>
+          <a:lstStyle/>
+          <a:p>
+            <a:r>
+              <a:rPr lang="tr-TR" sz="2800" dirty="0" smtClean="0">
+                <a:latin typeface="Times New Roman" panose="02020603050405020304" pitchFamily="18" charset="0"/>
+                <a:cs typeface="Times New Roman" panose="02020603050405020304" pitchFamily="18" charset="0"/>
+              </a:rPr>
+              <a:t>Kayıt Ekranı</a:t>
+            </a:r>
+            <a:endParaRPr lang="tr-TR" sz="2800" dirty="0">
+              <a:latin typeface="Times New Roman" panose="02020603050405020304" pitchFamily="18" charset="0"/>
+              <a:cs typeface="Times New Roman" panose="02020603050405020304" pitchFamily="18" charset="0"/>
+            </a:endParaRPr>
+          </a:p>
+        </p:txBody>
+      </p:sp>
     </p:spTree>
     <p:extLst>
       <p:ext uri="{BB962C8B-B14F-4D97-AF65-F5344CB8AC3E}">
-        <p14:creationId xmlns:p14="http://schemas.microsoft.com/office/powerpoint/2010/main" val="2532796907"/>
+        <p14:creationId xmlns:p14="http://schemas.microsoft.com/office/powerpoint/2010/main" val="2691019184"/>
       </p:ext>
     </p:extLst>
   </p:cSld>
@@ -5678,6 +5830,65 @@
           <a:chExt cx="0" cy="0"/>
         </a:xfrm>
       </p:grpSpPr>
+      <p:sp>
+        <p:nvSpPr>
+          <p:cNvPr id="2" name="Unvan 1"/>
+          <p:cNvSpPr>
+            <a:spLocks noGrp="1"/>
+          </p:cNvSpPr>
+          <p:nvPr>
+            <p:ph type="title"/>
+          </p:nvPr>
+        </p:nvSpPr>
+        <p:spPr>
+          <a:xfrm>
+            <a:off x="1129553" y="316518"/>
+            <a:ext cx="9932894" cy="616510"/>
+          </a:xfrm>
+        </p:spPr>
+        <p:txBody>
+          <a:bodyPr>
+            <a:normAutofit/>
+          </a:bodyPr>
+          <a:lstStyle/>
+          <a:p>
+            <a:r>
+              <a:rPr lang="tr-TR" sz="2800" dirty="0" smtClean="0">
+                <a:latin typeface="Times New Roman" panose="02020603050405020304" pitchFamily="18" charset="0"/>
+                <a:cs typeface="Times New Roman" panose="02020603050405020304" pitchFamily="18" charset="0"/>
+              </a:rPr>
+              <a:t>Personel Ekranı</a:t>
+            </a:r>
+            <a:endParaRPr lang="tr-TR" sz="2800" dirty="0">
+              <a:latin typeface="Times New Roman" panose="02020603050405020304" pitchFamily="18" charset="0"/>
+              <a:cs typeface="Times New Roman" panose="02020603050405020304" pitchFamily="18" charset="0"/>
+            </a:endParaRPr>
+          </a:p>
+        </p:txBody>
+      </p:sp>
+      <p:sp>
+        <p:nvSpPr>
+          <p:cNvPr id="4" name="Slayt Numarası Yer Tutucusu 3"/>
+          <p:cNvSpPr>
+            <a:spLocks noGrp="1"/>
+          </p:cNvSpPr>
+          <p:nvPr>
+            <p:ph type="sldNum" sz="quarter" idx="12"/>
+          </p:nvPr>
+        </p:nvSpPr>
+        <p:spPr/>
+        <p:txBody>
+          <a:bodyPr/>
+          <a:lstStyle/>
+          <a:p>
+            <a:fld id="{1F6ACD08-1775-4A2C-B3D6-C0E4325A4202}" type="slidenum">
+              <a:rPr lang="tr-TR" smtClean="0"/>
+              <a:t>13</a:t>
+            </a:fld>
+            <a:endParaRPr lang="tr-TR" dirty="0"/>
+          </a:p>
+        </p:txBody>
+      </p:sp>
       <p:pic>
         <p:nvPicPr>
           <p:cNvPr id="6" name="İçerik Yer Tutucusu 5"/>
@@ -5702,64 +5913,60 @@
         </p:blipFill>
         <p:spPr>
           <a:xfrm>
-            <a:off x="1958418" y="968188"/>
-            <a:ext cx="8275164" cy="5208775"/>
+            <a:off x="2195768" y="1053738"/>
+            <a:ext cx="8714279" cy="5485174"/>
           </a:xfrm>
         </p:spPr>
       </p:pic>
       <p:sp>
         <p:nvSpPr>
-          <p:cNvPr id="4" name="Slayt Numarası Yer Tutucusu 3"/>
-          <p:cNvSpPr>
-            <a:spLocks noGrp="1"/>
-          </p:cNvSpPr>
-          <p:nvPr>
-            <p:ph type="sldNum" sz="quarter" idx="12"/>
-          </p:nvPr>
-        </p:nvSpPr>
-        <p:spPr/>
-        <p:txBody>
-          <a:bodyPr/>
-          <a:lstStyle/>
-          <a:p>
-            <a:fld id="{1F6ACD08-1775-4A2C-B3D6-C0E4325A4202}" type="slidenum">
-              <a:rPr lang="tr-TR" smtClean="0"/>
-              <a:t>13</a:t>
-            </a:fld>
-            <a:endParaRPr lang="tr-TR" dirty="0"/>
-          </a:p>
-        </p:txBody>
-      </p:sp>
-      <p:sp>
-        <p:nvSpPr>
-          <p:cNvPr id="5" name="Unvan 1"/>
-          <p:cNvSpPr>
-            <a:spLocks noGrp="1"/>
-          </p:cNvSpPr>
-          <p:nvPr>
-            <p:ph type="title"/>
-          </p:nvPr>
+          <p:cNvPr id="7" name="Unvan 1"/>
+          <p:cNvSpPr txBox="1">
+            <a:spLocks/>
+          </p:cNvSpPr>
+          <p:nvPr/>
         </p:nvSpPr>
         <p:spPr>
           <a:xfrm>
-            <a:off x="1129553" y="249283"/>
-            <a:ext cx="9932894" cy="616510"/>
+            <a:off x="838200" y="-52092"/>
+            <a:ext cx="10515600" cy="616510"/>
           </a:xfrm>
+          <a:prstGeom prst="rect">
+            <a:avLst/>
+          </a:prstGeom>
         </p:spPr>
         <p:txBody>
-          <a:bodyPr>
-            <a:normAutofit/>
+          <a:bodyPr vert="horz" lIns="91440" tIns="45720" rIns="91440" bIns="45720" rtlCol="0" anchor="ctr">
+            <a:normAutofit fontScale="97500"/>
           </a:bodyPr>
-          <a:lstStyle/>
-          <a:p>
-            <a:r>
-              <a:rPr lang="tr-TR" sz="2800" dirty="0" smtClean="0">
-                <a:latin typeface="Times New Roman" panose="02020603050405020304" pitchFamily="18" charset="0"/>
-                <a:cs typeface="Times New Roman" panose="02020603050405020304" pitchFamily="18" charset="0"/>
-              </a:rPr>
-              <a:t>Stok Ekranı</a:t>
-            </a:r>
-            <a:endParaRPr lang="tr-TR" sz="2800" dirty="0">
+          <a:lstStyle>
+            <a:lvl1pPr algn="l" defTabSz="914400" rtl="0" eaLnBrk="1" latinLnBrk="0" hangingPunct="1">
+              <a:lnSpc>
+                <a:spcPct val="90000"/>
+              </a:lnSpc>
+              <a:spcBef>
+                <a:spcPct val="0"/>
+              </a:spcBef>
+              <a:buNone/>
+              <a:defRPr sz="4400" kern="1200">
+                <a:solidFill>
+                  <a:schemeClr val="tx1"/>
+                </a:solidFill>
+                <a:latin typeface="+mj-lt"/>
+                <a:ea typeface="+mj-ea"/>
+                <a:cs typeface="+mj-cs"/>
+              </a:defRPr>
+            </a:lvl1pPr>
+          </a:lstStyle>
+          <a:p>
+            <a:r>
+              <a:rPr lang="tr-TR" sz="3200" b="1" dirty="0" smtClean="0">
+                <a:latin typeface="Times New Roman" panose="02020603050405020304" pitchFamily="18" charset="0"/>
+                <a:cs typeface="Times New Roman" panose="02020603050405020304" pitchFamily="18" charset="0"/>
+              </a:rPr>
+              <a:t>Admin Satış Sorumlusu Ekranı</a:t>
+            </a:r>
+            <a:endParaRPr lang="tr-TR" sz="3200" b="1" dirty="0">
               <a:latin typeface="Times New Roman" panose="02020603050405020304" pitchFamily="18" charset="0"/>
               <a:cs typeface="Times New Roman" panose="02020603050405020304" pitchFamily="18" charset="0"/>
             </a:endParaRPr>
@@ -5769,7 +5976,7 @@
     </p:spTree>
     <p:extLst>
       <p:ext uri="{BB962C8B-B14F-4D97-AF65-F5344CB8AC3E}">
-        <p14:creationId xmlns:p14="http://schemas.microsoft.com/office/powerpoint/2010/main" val="1924050488"/>
+        <p14:creationId xmlns:p14="http://schemas.microsoft.com/office/powerpoint/2010/main" val="2532796907"/>
       </p:ext>
     </p:extLst>
   </p:cSld>
@@ -5803,9 +6010,68 @@
           <a:chExt cx="0" cy="0"/>
         </a:xfrm>
       </p:grpSpPr>
+      <p:sp>
+        <p:nvSpPr>
+          <p:cNvPr id="4" name="Slayt Numarası Yer Tutucusu 3"/>
+          <p:cNvSpPr>
+            <a:spLocks noGrp="1"/>
+          </p:cNvSpPr>
+          <p:nvPr>
+            <p:ph type="sldNum" sz="quarter" idx="12"/>
+          </p:nvPr>
+        </p:nvSpPr>
+        <p:spPr/>
+        <p:txBody>
+          <a:bodyPr/>
+          <a:lstStyle/>
+          <a:p>
+            <a:fld id="{1F6ACD08-1775-4A2C-B3D6-C0E4325A4202}" type="slidenum">
+              <a:rPr lang="tr-TR" smtClean="0"/>
+              <a:t>14</a:t>
+            </a:fld>
+            <a:endParaRPr lang="tr-TR" dirty="0"/>
+          </a:p>
+        </p:txBody>
+      </p:sp>
+      <p:sp>
+        <p:nvSpPr>
+          <p:cNvPr id="5" name="Unvan 1"/>
+          <p:cNvSpPr>
+            <a:spLocks noGrp="1"/>
+          </p:cNvSpPr>
+          <p:nvPr>
+            <p:ph type="title"/>
+          </p:nvPr>
+        </p:nvSpPr>
+        <p:spPr>
+          <a:xfrm>
+            <a:off x="1129553" y="249283"/>
+            <a:ext cx="9932894" cy="616510"/>
+          </a:xfrm>
+        </p:spPr>
+        <p:txBody>
+          <a:bodyPr>
+            <a:normAutofit/>
+          </a:bodyPr>
+          <a:lstStyle/>
+          <a:p>
+            <a:r>
+              <a:rPr lang="tr-TR" sz="2800" dirty="0" smtClean="0">
+                <a:latin typeface="Times New Roman" panose="02020603050405020304" pitchFamily="18" charset="0"/>
+                <a:cs typeface="Times New Roman" panose="02020603050405020304" pitchFamily="18" charset="0"/>
+              </a:rPr>
+              <a:t>Stok Ekranı</a:t>
+            </a:r>
+            <a:endParaRPr lang="tr-TR" sz="2800" dirty="0">
+              <a:latin typeface="Times New Roman" panose="02020603050405020304" pitchFamily="18" charset="0"/>
+              <a:cs typeface="Times New Roman" panose="02020603050405020304" pitchFamily="18" charset="0"/>
+            </a:endParaRPr>
+          </a:p>
+        </p:txBody>
+      </p:sp>
       <p:pic>
         <p:nvPicPr>
-          <p:cNvPr id="6" name="İçerik Yer Tutucusu 5"/>
+          <p:cNvPr id="3" name="İçerik Yer Tutucusu 2"/>
           <p:cNvPicPr>
             <a:picLocks noGrp="1" noChangeAspect="1"/>
           </p:cNvPicPr>
@@ -5827,74 +6093,15 @@
         </p:blipFill>
         <p:spPr>
           <a:xfrm>
-            <a:off x="1855717" y="838898"/>
-            <a:ext cx="8480567" cy="5338065"/>
+            <a:off x="1884537" y="1054567"/>
+            <a:ext cx="8422926" cy="5301783"/>
           </a:xfrm>
         </p:spPr>
       </p:pic>
-      <p:sp>
-        <p:nvSpPr>
-          <p:cNvPr id="4" name="Slayt Numarası Yer Tutucusu 3"/>
-          <p:cNvSpPr>
-            <a:spLocks noGrp="1"/>
-          </p:cNvSpPr>
-          <p:nvPr>
-            <p:ph type="sldNum" sz="quarter" idx="12"/>
-          </p:nvPr>
-        </p:nvSpPr>
-        <p:spPr/>
-        <p:txBody>
-          <a:bodyPr/>
-          <a:lstStyle/>
-          <a:p>
-            <a:fld id="{1F6ACD08-1775-4A2C-B3D6-C0E4325A4202}" type="slidenum">
-              <a:rPr lang="tr-TR" smtClean="0"/>
-              <a:t>14</a:t>
-            </a:fld>
-            <a:endParaRPr lang="tr-TR" dirty="0"/>
-          </a:p>
-        </p:txBody>
-      </p:sp>
-      <p:sp>
-        <p:nvSpPr>
-          <p:cNvPr id="5" name="Unvan 1"/>
-          <p:cNvSpPr>
-            <a:spLocks noGrp="1"/>
-          </p:cNvSpPr>
-          <p:nvPr>
-            <p:ph type="title"/>
-          </p:nvPr>
-        </p:nvSpPr>
-        <p:spPr>
-          <a:xfrm>
-            <a:off x="1129553" y="222388"/>
-            <a:ext cx="9932894" cy="616510"/>
-          </a:xfrm>
-        </p:spPr>
-        <p:txBody>
-          <a:bodyPr>
-            <a:normAutofit/>
-          </a:bodyPr>
-          <a:lstStyle/>
-          <a:p>
-            <a:r>
-              <a:rPr lang="tr-TR" sz="2800" dirty="0" smtClean="0">
-                <a:latin typeface="Times New Roman" panose="02020603050405020304" pitchFamily="18" charset="0"/>
-                <a:cs typeface="Times New Roman" panose="02020603050405020304" pitchFamily="18" charset="0"/>
-              </a:rPr>
-              <a:t>Atık Deposu Ekranı</a:t>
-            </a:r>
-            <a:endParaRPr lang="tr-TR" sz="2800" dirty="0">
-              <a:latin typeface="Times New Roman" panose="02020603050405020304" pitchFamily="18" charset="0"/>
-              <a:cs typeface="Times New Roman" panose="02020603050405020304" pitchFamily="18" charset="0"/>
-            </a:endParaRPr>
-          </a:p>
-        </p:txBody>
-      </p:sp>
     </p:spTree>
     <p:extLst>
       <p:ext uri="{BB962C8B-B14F-4D97-AF65-F5344CB8AC3E}">
-        <p14:creationId xmlns:p14="http://schemas.microsoft.com/office/powerpoint/2010/main" val="470433870"/>
+        <p14:creationId xmlns:p14="http://schemas.microsoft.com/office/powerpoint/2010/main" val="1924050488"/>
       </p:ext>
     </p:extLst>
   </p:cSld>
@@ -5928,9 +6135,68 @@
           <a:chExt cx="0" cy="0"/>
         </a:xfrm>
       </p:grpSpPr>
+      <p:sp>
+        <p:nvSpPr>
+          <p:cNvPr id="4" name="Slayt Numarası Yer Tutucusu 3"/>
+          <p:cNvSpPr>
+            <a:spLocks noGrp="1"/>
+          </p:cNvSpPr>
+          <p:nvPr>
+            <p:ph type="sldNum" sz="quarter" idx="12"/>
+          </p:nvPr>
+        </p:nvSpPr>
+        <p:spPr/>
+        <p:txBody>
+          <a:bodyPr/>
+          <a:lstStyle/>
+          <a:p>
+            <a:fld id="{1F6ACD08-1775-4A2C-B3D6-C0E4325A4202}" type="slidenum">
+              <a:rPr lang="tr-TR" smtClean="0"/>
+              <a:t>15</a:t>
+            </a:fld>
+            <a:endParaRPr lang="tr-TR" dirty="0"/>
+          </a:p>
+        </p:txBody>
+      </p:sp>
+      <p:sp>
+        <p:nvSpPr>
+          <p:cNvPr id="5" name="Unvan 1"/>
+          <p:cNvSpPr>
+            <a:spLocks noGrp="1"/>
+          </p:cNvSpPr>
+          <p:nvPr>
+            <p:ph type="title"/>
+          </p:nvPr>
+        </p:nvSpPr>
+        <p:spPr>
+          <a:xfrm>
+            <a:off x="1129553" y="222388"/>
+            <a:ext cx="9932894" cy="616510"/>
+          </a:xfrm>
+        </p:spPr>
+        <p:txBody>
+          <a:bodyPr>
+            <a:normAutofit/>
+          </a:bodyPr>
+          <a:lstStyle/>
+          <a:p>
+            <a:r>
+              <a:rPr lang="tr-TR" sz="2800" dirty="0" smtClean="0">
+                <a:latin typeface="Times New Roman" panose="02020603050405020304" pitchFamily="18" charset="0"/>
+                <a:cs typeface="Times New Roman" panose="02020603050405020304" pitchFamily="18" charset="0"/>
+              </a:rPr>
+              <a:t>Atık Deposu Ekranı</a:t>
+            </a:r>
+            <a:endParaRPr lang="tr-TR" sz="2800" dirty="0">
+              <a:latin typeface="Times New Roman" panose="02020603050405020304" pitchFamily="18" charset="0"/>
+              <a:cs typeface="Times New Roman" panose="02020603050405020304" pitchFamily="18" charset="0"/>
+            </a:endParaRPr>
+          </a:p>
+        </p:txBody>
+      </p:sp>
       <p:pic>
         <p:nvPicPr>
-          <p:cNvPr id="6" name="İçerik Yer Tutucusu 5"/>
+          <p:cNvPr id="3" name="İçerik Yer Tutucusu 2"/>
           <p:cNvPicPr>
             <a:picLocks noGrp="1" noChangeAspect="1"/>
           </p:cNvPicPr>
@@ -5952,74 +6218,15 @@
         </p:blipFill>
         <p:spPr>
           <a:xfrm>
-            <a:off x="1941170" y="946475"/>
-            <a:ext cx="8309660" cy="5230488"/>
+            <a:off x="1733454" y="1046931"/>
+            <a:ext cx="8725093" cy="5491981"/>
           </a:xfrm>
         </p:spPr>
       </p:pic>
-      <p:sp>
-        <p:nvSpPr>
-          <p:cNvPr id="4" name="Slayt Numarası Yer Tutucusu 3"/>
-          <p:cNvSpPr>
-            <a:spLocks noGrp="1"/>
-          </p:cNvSpPr>
-          <p:nvPr>
-            <p:ph type="sldNum" sz="quarter" idx="12"/>
-          </p:nvPr>
-        </p:nvSpPr>
-        <p:spPr/>
-        <p:txBody>
-          <a:bodyPr/>
-          <a:lstStyle/>
-          <a:p>
-            <a:fld id="{1F6ACD08-1775-4A2C-B3D6-C0E4325A4202}" type="slidenum">
-              <a:rPr lang="tr-TR" smtClean="0"/>
-              <a:t>15</a:t>
-            </a:fld>
-            <a:endParaRPr lang="tr-TR" dirty="0"/>
-          </a:p>
-        </p:txBody>
-      </p:sp>
-      <p:sp>
-        <p:nvSpPr>
-          <p:cNvPr id="5" name="Unvan 1"/>
-          <p:cNvSpPr>
-            <a:spLocks noGrp="1"/>
-          </p:cNvSpPr>
-          <p:nvPr>
-            <p:ph type="title"/>
-          </p:nvPr>
-        </p:nvSpPr>
-        <p:spPr>
-          <a:xfrm>
-            <a:off x="1129553" y="329965"/>
-            <a:ext cx="9932894" cy="616510"/>
-          </a:xfrm>
-        </p:spPr>
-        <p:txBody>
-          <a:bodyPr>
-            <a:normAutofit/>
-          </a:bodyPr>
-          <a:lstStyle/>
-          <a:p>
-            <a:r>
-              <a:rPr lang="tr-TR" sz="2800" dirty="0" smtClean="0">
-                <a:latin typeface="Times New Roman" panose="02020603050405020304" pitchFamily="18" charset="0"/>
-                <a:cs typeface="Times New Roman" panose="02020603050405020304" pitchFamily="18" charset="0"/>
-              </a:rPr>
-              <a:t>Zimmetler Ekranı</a:t>
-            </a:r>
-            <a:endParaRPr lang="tr-TR" sz="2800" dirty="0">
-              <a:latin typeface="Times New Roman" panose="02020603050405020304" pitchFamily="18" charset="0"/>
-              <a:cs typeface="Times New Roman" panose="02020603050405020304" pitchFamily="18" charset="0"/>
-            </a:endParaRPr>
-          </a:p>
-        </p:txBody>
-      </p:sp>
     </p:spTree>
     <p:extLst>
       <p:ext uri="{BB962C8B-B14F-4D97-AF65-F5344CB8AC3E}">
-        <p14:creationId xmlns:p14="http://schemas.microsoft.com/office/powerpoint/2010/main" val="1479023287"/>
+        <p14:creationId xmlns:p14="http://schemas.microsoft.com/office/powerpoint/2010/main" val="470433870"/>
       </p:ext>
     </p:extLst>
   </p:cSld>
@@ -6053,9 +6260,68 @@
           <a:chExt cx="0" cy="0"/>
         </a:xfrm>
       </p:grpSpPr>
+      <p:sp>
+        <p:nvSpPr>
+          <p:cNvPr id="4" name="Slayt Numarası Yer Tutucusu 3"/>
+          <p:cNvSpPr>
+            <a:spLocks noGrp="1"/>
+          </p:cNvSpPr>
+          <p:nvPr>
+            <p:ph type="sldNum" sz="quarter" idx="12"/>
+          </p:nvPr>
+        </p:nvSpPr>
+        <p:spPr/>
+        <p:txBody>
+          <a:bodyPr/>
+          <a:lstStyle/>
+          <a:p>
+            <a:fld id="{1F6ACD08-1775-4A2C-B3D6-C0E4325A4202}" type="slidenum">
+              <a:rPr lang="tr-TR" smtClean="0"/>
+              <a:t>16</a:t>
+            </a:fld>
+            <a:endParaRPr lang="tr-TR" dirty="0"/>
+          </a:p>
+        </p:txBody>
+      </p:sp>
+      <p:sp>
+        <p:nvSpPr>
+          <p:cNvPr id="5" name="Unvan 1"/>
+          <p:cNvSpPr>
+            <a:spLocks noGrp="1"/>
+          </p:cNvSpPr>
+          <p:nvPr>
+            <p:ph type="title"/>
+          </p:nvPr>
+        </p:nvSpPr>
+        <p:spPr>
+          <a:xfrm>
+            <a:off x="1129553" y="329965"/>
+            <a:ext cx="9932894" cy="616510"/>
+          </a:xfrm>
+        </p:spPr>
+        <p:txBody>
+          <a:bodyPr>
+            <a:normAutofit/>
+          </a:bodyPr>
+          <a:lstStyle/>
+          <a:p>
+            <a:r>
+              <a:rPr lang="tr-TR" sz="2800" dirty="0" smtClean="0">
+                <a:latin typeface="Times New Roman" panose="02020603050405020304" pitchFamily="18" charset="0"/>
+                <a:cs typeface="Times New Roman" panose="02020603050405020304" pitchFamily="18" charset="0"/>
+              </a:rPr>
+              <a:t>Zimmetler Ekranı</a:t>
+            </a:r>
+            <a:endParaRPr lang="tr-TR" sz="2800" dirty="0">
+              <a:latin typeface="Times New Roman" panose="02020603050405020304" pitchFamily="18" charset="0"/>
+              <a:cs typeface="Times New Roman" panose="02020603050405020304" pitchFamily="18" charset="0"/>
+            </a:endParaRPr>
+          </a:p>
+        </p:txBody>
+      </p:sp>
       <p:pic>
         <p:nvPicPr>
-          <p:cNvPr id="6" name="İçerik Yer Tutucusu 5"/>
+          <p:cNvPr id="3" name="İçerik Yer Tutucusu 2"/>
           <p:cNvPicPr>
             <a:picLocks noGrp="1" noChangeAspect="1"/>
           </p:cNvPicPr>
@@ -6077,74 +6343,15 @@
         </p:blipFill>
         <p:spPr>
           <a:xfrm>
-            <a:off x="1714477" y="933027"/>
-            <a:ext cx="8763047" cy="5515871"/>
+            <a:off x="1794890" y="1124273"/>
+            <a:ext cx="8602220" cy="5414639"/>
           </a:xfrm>
         </p:spPr>
       </p:pic>
-      <p:sp>
-        <p:nvSpPr>
-          <p:cNvPr id="4" name="Slayt Numarası Yer Tutucusu 3"/>
-          <p:cNvSpPr>
-            <a:spLocks noGrp="1"/>
-          </p:cNvSpPr>
-          <p:nvPr>
-            <p:ph type="sldNum" sz="quarter" idx="12"/>
-          </p:nvPr>
-        </p:nvSpPr>
-        <p:spPr/>
-        <p:txBody>
-          <a:bodyPr/>
-          <a:lstStyle/>
-          <a:p>
-            <a:fld id="{1F6ACD08-1775-4A2C-B3D6-C0E4325A4202}" type="slidenum">
-              <a:rPr lang="tr-TR" smtClean="0"/>
-              <a:t>16</a:t>
-            </a:fld>
-            <a:endParaRPr lang="tr-TR" dirty="0"/>
-          </a:p>
-        </p:txBody>
-      </p:sp>
-      <p:sp>
-        <p:nvSpPr>
-          <p:cNvPr id="5" name="Unvan 1"/>
-          <p:cNvSpPr>
-            <a:spLocks noGrp="1"/>
-          </p:cNvSpPr>
-          <p:nvPr>
-            <p:ph type="title"/>
-          </p:nvPr>
-        </p:nvSpPr>
-        <p:spPr>
-          <a:xfrm>
-            <a:off x="1129553" y="316517"/>
-            <a:ext cx="9932894" cy="616510"/>
-          </a:xfrm>
-        </p:spPr>
-        <p:txBody>
-          <a:bodyPr>
-            <a:normAutofit/>
-          </a:bodyPr>
-          <a:lstStyle/>
-          <a:p>
-            <a:r>
-              <a:rPr lang="tr-TR" sz="2800" dirty="0" smtClean="0">
-                <a:latin typeface="Times New Roman" panose="02020603050405020304" pitchFamily="18" charset="0"/>
-                <a:cs typeface="Times New Roman" panose="02020603050405020304" pitchFamily="18" charset="0"/>
-              </a:rPr>
-              <a:t>Ürün Satın Alma Ekranı</a:t>
-            </a:r>
-            <a:endParaRPr lang="tr-TR" sz="2800" dirty="0">
-              <a:latin typeface="Times New Roman" panose="02020603050405020304" pitchFamily="18" charset="0"/>
-              <a:cs typeface="Times New Roman" panose="02020603050405020304" pitchFamily="18" charset="0"/>
-            </a:endParaRPr>
-          </a:p>
-        </p:txBody>
-      </p:sp>
     </p:spTree>
     <p:extLst>
       <p:ext uri="{BB962C8B-B14F-4D97-AF65-F5344CB8AC3E}">
-        <p14:creationId xmlns:p14="http://schemas.microsoft.com/office/powerpoint/2010/main" val="2288661844"/>
+        <p14:creationId xmlns:p14="http://schemas.microsoft.com/office/powerpoint/2010/main" val="1479023287"/>
       </p:ext>
     </p:extLst>
   </p:cSld>
@@ -6178,9 +6385,68 @@
           <a:chExt cx="0" cy="0"/>
         </a:xfrm>
       </p:grpSpPr>
+      <p:sp>
+        <p:nvSpPr>
+          <p:cNvPr id="4" name="Slayt Numarası Yer Tutucusu 3"/>
+          <p:cNvSpPr>
+            <a:spLocks noGrp="1"/>
+          </p:cNvSpPr>
+          <p:nvPr>
+            <p:ph type="sldNum" sz="quarter" idx="12"/>
+          </p:nvPr>
+        </p:nvSpPr>
+        <p:spPr/>
+        <p:txBody>
+          <a:bodyPr/>
+          <a:lstStyle/>
+          <a:p>
+            <a:fld id="{1F6ACD08-1775-4A2C-B3D6-C0E4325A4202}" type="slidenum">
+              <a:rPr lang="tr-TR" smtClean="0"/>
+              <a:t>17</a:t>
+            </a:fld>
+            <a:endParaRPr lang="tr-TR" dirty="0"/>
+          </a:p>
+        </p:txBody>
+      </p:sp>
+      <p:sp>
+        <p:nvSpPr>
+          <p:cNvPr id="5" name="Unvan 1"/>
+          <p:cNvSpPr>
+            <a:spLocks noGrp="1"/>
+          </p:cNvSpPr>
+          <p:nvPr>
+            <p:ph type="title"/>
+          </p:nvPr>
+        </p:nvSpPr>
+        <p:spPr>
+          <a:xfrm>
+            <a:off x="1129553" y="316517"/>
+            <a:ext cx="9932894" cy="616510"/>
+          </a:xfrm>
+        </p:spPr>
+        <p:txBody>
+          <a:bodyPr>
+            <a:normAutofit/>
+          </a:bodyPr>
+          <a:lstStyle/>
+          <a:p>
+            <a:r>
+              <a:rPr lang="tr-TR" sz="2800" dirty="0" smtClean="0">
+                <a:latin typeface="Times New Roman" panose="02020603050405020304" pitchFamily="18" charset="0"/>
+                <a:cs typeface="Times New Roman" panose="02020603050405020304" pitchFamily="18" charset="0"/>
+              </a:rPr>
+              <a:t>Ürün Satın Alma Ekranı</a:t>
+            </a:r>
+            <a:endParaRPr lang="tr-TR" sz="2800" dirty="0">
+              <a:latin typeface="Times New Roman" panose="02020603050405020304" pitchFamily="18" charset="0"/>
+              <a:cs typeface="Times New Roman" panose="02020603050405020304" pitchFamily="18" charset="0"/>
+            </a:endParaRPr>
+          </a:p>
+        </p:txBody>
+      </p:sp>
       <p:pic>
         <p:nvPicPr>
-          <p:cNvPr id="6" name="İçerik Yer Tutucusu 5"/>
+          <p:cNvPr id="3" name="İçerik Yer Tutucusu 2"/>
           <p:cNvPicPr>
             <a:picLocks noGrp="1" noChangeAspect="1"/>
           </p:cNvPicPr>
@@ -6202,74 +6468,15 @@
         </p:blipFill>
         <p:spPr>
           <a:xfrm>
-            <a:off x="1841401" y="1000263"/>
-            <a:ext cx="8509198" cy="5356087"/>
+            <a:off x="1913379" y="950175"/>
+            <a:ext cx="8588773" cy="5406175"/>
           </a:xfrm>
         </p:spPr>
       </p:pic>
-      <p:sp>
-        <p:nvSpPr>
-          <p:cNvPr id="4" name="Slayt Numarası Yer Tutucusu 3"/>
-          <p:cNvSpPr>
-            <a:spLocks noGrp="1"/>
-          </p:cNvSpPr>
-          <p:nvPr>
-            <p:ph type="sldNum" sz="quarter" idx="12"/>
-          </p:nvPr>
-        </p:nvSpPr>
-        <p:spPr/>
-        <p:txBody>
-          <a:bodyPr/>
-          <a:lstStyle/>
-          <a:p>
-            <a:fld id="{1F6ACD08-1775-4A2C-B3D6-C0E4325A4202}" type="slidenum">
-              <a:rPr lang="tr-TR" smtClean="0"/>
-              <a:t>17</a:t>
-            </a:fld>
-            <a:endParaRPr lang="tr-TR" dirty="0"/>
-          </a:p>
-        </p:txBody>
-      </p:sp>
-      <p:sp>
-        <p:nvSpPr>
-          <p:cNvPr id="5" name="Unvan 1"/>
-          <p:cNvSpPr>
-            <a:spLocks noGrp="1"/>
-          </p:cNvSpPr>
-          <p:nvPr>
-            <p:ph type="title"/>
-          </p:nvPr>
-        </p:nvSpPr>
-        <p:spPr>
-          <a:xfrm>
-            <a:off x="1129553" y="383753"/>
-            <a:ext cx="9932894" cy="616510"/>
-          </a:xfrm>
-        </p:spPr>
-        <p:txBody>
-          <a:bodyPr>
-            <a:normAutofit/>
-          </a:bodyPr>
-          <a:lstStyle/>
-          <a:p>
-            <a:r>
-              <a:rPr lang="tr-TR" sz="2800" dirty="0" smtClean="0">
-                <a:latin typeface="Times New Roman" panose="02020603050405020304" pitchFamily="18" charset="0"/>
-                <a:cs typeface="Times New Roman" panose="02020603050405020304" pitchFamily="18" charset="0"/>
-              </a:rPr>
-              <a:t>Zimmet Ekleme Ekranı</a:t>
-            </a:r>
-            <a:endParaRPr lang="tr-TR" sz="2800" dirty="0">
-              <a:latin typeface="Times New Roman" panose="02020603050405020304" pitchFamily="18" charset="0"/>
-              <a:cs typeface="Times New Roman" panose="02020603050405020304" pitchFamily="18" charset="0"/>
-            </a:endParaRPr>
-          </a:p>
-        </p:txBody>
-      </p:sp>
     </p:spTree>
     <p:extLst>
       <p:ext uri="{BB962C8B-B14F-4D97-AF65-F5344CB8AC3E}">
-        <p14:creationId xmlns:p14="http://schemas.microsoft.com/office/powerpoint/2010/main" val="2132566361"/>
+        <p14:creationId xmlns:p14="http://schemas.microsoft.com/office/powerpoint/2010/main" val="2288661844"/>
       </p:ext>
     </p:extLst>
   </p:cSld>
@@ -6303,9 +6510,68 @@
           <a:chExt cx="0" cy="0"/>
         </a:xfrm>
       </p:grpSpPr>
+      <p:sp>
+        <p:nvSpPr>
+          <p:cNvPr id="4" name="Slayt Numarası Yer Tutucusu 3"/>
+          <p:cNvSpPr>
+            <a:spLocks noGrp="1"/>
+          </p:cNvSpPr>
+          <p:nvPr>
+            <p:ph type="sldNum" sz="quarter" idx="12"/>
+          </p:nvPr>
+        </p:nvSpPr>
+        <p:spPr/>
+        <p:txBody>
+          <a:bodyPr/>
+          <a:lstStyle/>
+          <a:p>
+            <a:fld id="{1F6ACD08-1775-4A2C-B3D6-C0E4325A4202}" type="slidenum">
+              <a:rPr lang="tr-TR" smtClean="0"/>
+              <a:t>18</a:t>
+            </a:fld>
+            <a:endParaRPr lang="tr-TR" dirty="0"/>
+          </a:p>
+        </p:txBody>
+      </p:sp>
+      <p:sp>
+        <p:nvSpPr>
+          <p:cNvPr id="5" name="Unvan 1"/>
+          <p:cNvSpPr>
+            <a:spLocks noGrp="1"/>
+          </p:cNvSpPr>
+          <p:nvPr>
+            <p:ph type="title"/>
+          </p:nvPr>
+        </p:nvSpPr>
+        <p:spPr>
+          <a:xfrm>
+            <a:off x="1129553" y="383753"/>
+            <a:ext cx="9932894" cy="616510"/>
+          </a:xfrm>
+        </p:spPr>
+        <p:txBody>
+          <a:bodyPr>
+            <a:normAutofit/>
+          </a:bodyPr>
+          <a:lstStyle/>
+          <a:p>
+            <a:r>
+              <a:rPr lang="tr-TR" sz="2800" dirty="0" smtClean="0">
+                <a:latin typeface="Times New Roman" panose="02020603050405020304" pitchFamily="18" charset="0"/>
+                <a:cs typeface="Times New Roman" panose="02020603050405020304" pitchFamily="18" charset="0"/>
+              </a:rPr>
+              <a:t>Zimmet Ekleme Ekranı</a:t>
+            </a:r>
+            <a:endParaRPr lang="tr-TR" sz="2800" dirty="0">
+              <a:latin typeface="Times New Roman" panose="02020603050405020304" pitchFamily="18" charset="0"/>
+              <a:cs typeface="Times New Roman" panose="02020603050405020304" pitchFamily="18" charset="0"/>
+            </a:endParaRPr>
+          </a:p>
+        </p:txBody>
+      </p:sp>
       <p:pic>
         <p:nvPicPr>
-          <p:cNvPr id="6" name="İçerik Yer Tutucusu 5"/>
+          <p:cNvPr id="3" name="İçerik Yer Tutucusu 2"/>
           <p:cNvPicPr>
             <a:picLocks noGrp="1" noChangeAspect="1"/>
           </p:cNvPicPr>
@@ -6327,74 +6593,15 @@
         </p:blipFill>
         <p:spPr>
           <a:xfrm>
-            <a:off x="1884538" y="875181"/>
-            <a:ext cx="8422925" cy="5301782"/>
+            <a:off x="1962700" y="1076615"/>
+            <a:ext cx="8266599" cy="5203383"/>
           </a:xfrm>
         </p:spPr>
       </p:pic>
-      <p:sp>
-        <p:nvSpPr>
-          <p:cNvPr id="4" name="Slayt Numarası Yer Tutucusu 3"/>
-          <p:cNvSpPr>
-            <a:spLocks noGrp="1"/>
-          </p:cNvSpPr>
-          <p:nvPr>
-            <p:ph type="sldNum" sz="quarter" idx="12"/>
-          </p:nvPr>
-        </p:nvSpPr>
-        <p:spPr/>
-        <p:txBody>
-          <a:bodyPr/>
-          <a:lstStyle/>
-          <a:p>
-            <a:fld id="{1F6ACD08-1775-4A2C-B3D6-C0E4325A4202}" type="slidenum">
-              <a:rPr lang="tr-TR" smtClean="0"/>
-              <a:t>18</a:t>
-            </a:fld>
-            <a:endParaRPr lang="tr-TR" dirty="0"/>
-          </a:p>
-        </p:txBody>
-      </p:sp>
-      <p:sp>
-        <p:nvSpPr>
-          <p:cNvPr id="5" name="Unvan 1"/>
-          <p:cNvSpPr>
-            <a:spLocks noGrp="1"/>
-          </p:cNvSpPr>
-          <p:nvPr>
-            <p:ph type="title"/>
-          </p:nvPr>
-        </p:nvSpPr>
-        <p:spPr>
-          <a:xfrm>
-            <a:off x="1129553" y="276177"/>
-            <a:ext cx="9932894" cy="616510"/>
-          </a:xfrm>
-        </p:spPr>
-        <p:txBody>
-          <a:bodyPr>
-            <a:normAutofit/>
-          </a:bodyPr>
-          <a:lstStyle/>
-          <a:p>
-            <a:r>
-              <a:rPr lang="tr-TR" sz="2800" dirty="0" smtClean="0">
-                <a:latin typeface="Times New Roman" panose="02020603050405020304" pitchFamily="18" charset="0"/>
-                <a:cs typeface="Times New Roman" panose="02020603050405020304" pitchFamily="18" charset="0"/>
-              </a:rPr>
-              <a:t>Zimmet Kaldırma Ekranı</a:t>
-            </a:r>
-            <a:endParaRPr lang="tr-TR" sz="2800" dirty="0">
-              <a:latin typeface="Times New Roman" panose="02020603050405020304" pitchFamily="18" charset="0"/>
-              <a:cs typeface="Times New Roman" panose="02020603050405020304" pitchFamily="18" charset="0"/>
-            </a:endParaRPr>
-          </a:p>
-        </p:txBody>
-      </p:sp>
     </p:spTree>
     <p:extLst>
       <p:ext uri="{BB962C8B-B14F-4D97-AF65-F5344CB8AC3E}">
-        <p14:creationId xmlns:p14="http://schemas.microsoft.com/office/powerpoint/2010/main" val="1635527998"/>
+        <p14:creationId xmlns:p14="http://schemas.microsoft.com/office/powerpoint/2010/main" val="2132566361"/>
       </p:ext>
     </p:extLst>
   </p:cSld>
@@ -6428,9 +6635,68 @@
           <a:chExt cx="0" cy="0"/>
         </a:xfrm>
       </p:grpSpPr>
+      <p:sp>
+        <p:nvSpPr>
+          <p:cNvPr id="4" name="Slayt Numarası Yer Tutucusu 3"/>
+          <p:cNvSpPr>
+            <a:spLocks noGrp="1"/>
+          </p:cNvSpPr>
+          <p:nvPr>
+            <p:ph type="sldNum" sz="quarter" idx="12"/>
+          </p:nvPr>
+        </p:nvSpPr>
+        <p:spPr/>
+        <p:txBody>
+          <a:bodyPr/>
+          <a:lstStyle/>
+          <a:p>
+            <a:fld id="{1F6ACD08-1775-4A2C-B3D6-C0E4325A4202}" type="slidenum">
+              <a:rPr lang="tr-TR" smtClean="0"/>
+              <a:t>19</a:t>
+            </a:fld>
+            <a:endParaRPr lang="tr-TR" dirty="0"/>
+          </a:p>
+        </p:txBody>
+      </p:sp>
+      <p:sp>
+        <p:nvSpPr>
+          <p:cNvPr id="5" name="Unvan 1"/>
+          <p:cNvSpPr>
+            <a:spLocks noGrp="1"/>
+          </p:cNvSpPr>
+          <p:nvPr>
+            <p:ph type="title"/>
+          </p:nvPr>
+        </p:nvSpPr>
+        <p:spPr>
+          <a:xfrm>
+            <a:off x="1129553" y="276177"/>
+            <a:ext cx="9932894" cy="616510"/>
+          </a:xfrm>
+        </p:spPr>
+        <p:txBody>
+          <a:bodyPr>
+            <a:normAutofit/>
+          </a:bodyPr>
+          <a:lstStyle/>
+          <a:p>
+            <a:r>
+              <a:rPr lang="tr-TR" sz="2800" dirty="0" smtClean="0">
+                <a:latin typeface="Times New Roman" panose="02020603050405020304" pitchFamily="18" charset="0"/>
+                <a:cs typeface="Times New Roman" panose="02020603050405020304" pitchFamily="18" charset="0"/>
+              </a:rPr>
+              <a:t>Zimmet Kaldırma Ekranı</a:t>
+            </a:r>
+            <a:endParaRPr lang="tr-TR" sz="2800" dirty="0">
+              <a:latin typeface="Times New Roman" panose="02020603050405020304" pitchFamily="18" charset="0"/>
+              <a:cs typeface="Times New Roman" panose="02020603050405020304" pitchFamily="18" charset="0"/>
+            </a:endParaRPr>
+          </a:p>
+        </p:txBody>
+      </p:sp>
       <p:pic>
         <p:nvPicPr>
-          <p:cNvPr id="6" name="İçerik Yer Tutucusu 5"/>
+          <p:cNvPr id="3" name="İçerik Yer Tutucusu 2"/>
           <p:cNvPicPr>
             <a:picLocks noGrp="1" noChangeAspect="1"/>
           </p:cNvPicPr>
@@ -6452,74 +6718,15 @@
         </p:blipFill>
         <p:spPr>
           <a:xfrm>
-            <a:off x="1623768" y="879240"/>
-            <a:ext cx="8944465" cy="5630064"/>
+            <a:off x="2022508" y="995083"/>
+            <a:ext cx="8146984" cy="5128092"/>
           </a:xfrm>
         </p:spPr>
       </p:pic>
-      <p:sp>
-        <p:nvSpPr>
-          <p:cNvPr id="4" name="Slayt Numarası Yer Tutucusu 3"/>
-          <p:cNvSpPr>
-            <a:spLocks noGrp="1"/>
-          </p:cNvSpPr>
-          <p:nvPr>
-            <p:ph type="sldNum" sz="quarter" idx="12"/>
-          </p:nvPr>
-        </p:nvSpPr>
-        <p:spPr/>
-        <p:txBody>
-          <a:bodyPr/>
-          <a:lstStyle/>
-          <a:p>
-            <a:fld id="{1F6ACD08-1775-4A2C-B3D6-C0E4325A4202}" type="slidenum">
-              <a:rPr lang="tr-TR" smtClean="0"/>
-              <a:t>19</a:t>
-            </a:fld>
-            <a:endParaRPr lang="tr-TR" dirty="0"/>
-          </a:p>
-        </p:txBody>
-      </p:sp>
-      <p:sp>
-        <p:nvSpPr>
-          <p:cNvPr id="5" name="Unvan 1"/>
-          <p:cNvSpPr>
-            <a:spLocks noGrp="1"/>
-          </p:cNvSpPr>
-          <p:nvPr>
-            <p:ph type="title"/>
-          </p:nvPr>
-        </p:nvSpPr>
-        <p:spPr>
-          <a:xfrm>
-            <a:off x="1129553" y="262730"/>
-            <a:ext cx="9932894" cy="616510"/>
-          </a:xfrm>
-        </p:spPr>
-        <p:txBody>
-          <a:bodyPr>
-            <a:normAutofit/>
-          </a:bodyPr>
-          <a:lstStyle/>
-          <a:p>
-            <a:r>
-              <a:rPr lang="tr-TR" sz="2800" dirty="0" smtClean="0">
-                <a:latin typeface="Times New Roman" panose="02020603050405020304" pitchFamily="18" charset="0"/>
-                <a:cs typeface="Times New Roman" panose="02020603050405020304" pitchFamily="18" charset="0"/>
-              </a:rPr>
-              <a:t>Profil Düzenleme Ekranı</a:t>
-            </a:r>
-            <a:endParaRPr lang="tr-TR" sz="2800" dirty="0">
-              <a:latin typeface="Times New Roman" panose="02020603050405020304" pitchFamily="18" charset="0"/>
-              <a:cs typeface="Times New Roman" panose="02020603050405020304" pitchFamily="18" charset="0"/>
-            </a:endParaRPr>
-          </a:p>
-        </p:txBody>
-      </p:sp>
     </p:spTree>
     <p:extLst>
       <p:ext uri="{BB962C8B-B14F-4D97-AF65-F5344CB8AC3E}">
-        <p14:creationId xmlns:p14="http://schemas.microsoft.com/office/powerpoint/2010/main" val="1672117716"/>
+        <p14:creationId xmlns:p14="http://schemas.microsoft.com/office/powerpoint/2010/main" val="1635527998"/>
       </p:ext>
     </p:extLst>
   </p:cSld>
@@ -6565,7 +6772,7 @@
         </p:nvSpPr>
         <p:spPr>
           <a:xfrm>
-            <a:off x="838200" y="214471"/>
+            <a:off x="838200" y="0"/>
             <a:ext cx="10515600" cy="732155"/>
           </a:xfrm>
         </p:spPr>
@@ -6601,13 +6808,13 @@
         </p:nvSpPr>
         <p:spPr>
           <a:xfrm>
-            <a:off x="838200" y="946626"/>
-            <a:ext cx="10515600" cy="5911374"/>
+            <a:off x="838200" y="588566"/>
+            <a:ext cx="10515600" cy="6269434"/>
           </a:xfrm>
         </p:spPr>
         <p:txBody>
           <a:bodyPr>
-            <a:normAutofit fontScale="92500" lnSpcReduction="20000"/>
+            <a:normAutofit fontScale="77500" lnSpcReduction="20000"/>
           </a:bodyPr>
           <a:lstStyle/>
           <a:p>
@@ -6616,7 +6823,7 @@
               <a:buAutoNum type="arabicPeriod"/>
             </a:pPr>
             <a:r>
-              <a:rPr lang="tr-TR" sz="1900" dirty="0">
+              <a:rPr lang="tr-TR" sz="1700" dirty="0" smtClean="0">
                 <a:solidFill>
                   <a:srgbClr val="000000"/>
                 </a:solidFill>
@@ -6625,7 +6832,7 @@
               </a:rPr>
               <a:t>Tanım</a:t>
             </a:r>
-            <a:endParaRPr lang="tr-TR" sz="1900" dirty="0">
+            <a:endParaRPr lang="tr-TR" sz="1700" dirty="0" smtClean="0">
               <a:solidFill>
                 <a:srgbClr val="000000"/>
               </a:solidFill>
@@ -6633,21 +6840,43 @@
             </a:endParaRPr>
           </a:p>
           <a:p>
+            <a:pPr marL="457200" indent="-457200">
+              <a:buFont typeface="+mj-lt"/>
+              <a:buAutoNum type="arabicPeriod"/>
+            </a:pPr>
+            <a:r>
+              <a:rPr lang="tr-TR" sz="1700" dirty="0" smtClean="0">
+                <a:solidFill>
+                  <a:srgbClr val="000000"/>
+                </a:solidFill>
+                <a:latin typeface="Times New Roman" panose="02020603050405020304" pitchFamily="18" charset="0"/>
+                <a:hlinkClick r:id="rId3" action="ppaction://hlinksldjump"/>
+              </a:rPr>
+              <a:t>Uygulama Çalıştırma</a:t>
+            </a:r>
+            <a:endParaRPr lang="tr-TR" sz="1700" dirty="0">
+              <a:solidFill>
+                <a:srgbClr val="000000"/>
+              </a:solidFill>
+              <a:latin typeface="Times New Roman" panose="02020603050405020304" pitchFamily="18" charset="0"/>
+            </a:endParaRPr>
+          </a:p>
+          <a:p>
             <a:pPr marL="514350" indent="-514350">
               <a:buFont typeface="+mj-lt"/>
               <a:buAutoNum type="arabicPeriod"/>
             </a:pPr>
             <a:r>
-              <a:rPr lang="tr-TR" sz="1900" dirty="0">
+              <a:rPr lang="tr-TR" sz="1700" dirty="0">
                 <a:solidFill>
                   <a:srgbClr val="000000"/>
                 </a:solidFill>
                 <a:latin typeface="Times New Roman" panose="02020603050405020304" pitchFamily="18" charset="0"/>
-                <a:hlinkClick r:id="rId3" action="ppaction://hlinksldjump"/>
+                <a:hlinkClick r:id="rId4" action="ppaction://hlinksldjump"/>
               </a:rPr>
               <a:t>Gantt Chart</a:t>
             </a:r>
-            <a:endParaRPr lang="tr-TR" sz="1900" dirty="0">
+            <a:endParaRPr lang="tr-TR" sz="1700" dirty="0">
               <a:solidFill>
                 <a:srgbClr val="000000"/>
               </a:solidFill>
@@ -6660,16 +6889,16 @@
               <a:buAutoNum type="arabicPeriod"/>
             </a:pPr>
             <a:r>
-              <a:rPr lang="tr-TR" sz="1900" dirty="0">
+              <a:rPr lang="tr-TR" sz="1700" dirty="0">
                 <a:solidFill>
                   <a:srgbClr val="000000"/>
                 </a:solidFill>
                 <a:latin typeface="Times New Roman" panose="02020603050405020304" pitchFamily="18" charset="0"/>
-                <a:hlinkClick r:id="rId4" action="ppaction://hlinksldjump"/>
+                <a:hlinkClick r:id="rId5" action="ppaction://hlinksldjump"/>
               </a:rPr>
               <a:t>Kiviat Metrics Graph</a:t>
             </a:r>
-            <a:endParaRPr lang="tr-TR" sz="1900" dirty="0">
+            <a:endParaRPr lang="tr-TR" sz="1700" dirty="0">
               <a:solidFill>
                 <a:srgbClr val="000000"/>
               </a:solidFill>
@@ -6682,16 +6911,16 @@
               <a:buAutoNum type="arabicPeriod"/>
             </a:pPr>
             <a:r>
-              <a:rPr lang="tr-TR" sz="1900" dirty="0">
+              <a:rPr lang="tr-TR" sz="1700" dirty="0">
                 <a:solidFill>
                   <a:srgbClr val="000000"/>
                 </a:solidFill>
                 <a:latin typeface="Times New Roman" panose="02020603050405020304" pitchFamily="18" charset="0"/>
-                <a:hlinkClick r:id="rId5" action="ppaction://hlinksldjump"/>
+                <a:hlinkClick r:id="rId6" action="ppaction://hlinksldjump"/>
               </a:rPr>
               <a:t>Block Histogram</a:t>
             </a:r>
-            <a:endParaRPr lang="tr-TR" sz="1900" dirty="0">
+            <a:endParaRPr lang="tr-TR" sz="1700" dirty="0">
               <a:solidFill>
                 <a:srgbClr val="000000"/>
               </a:solidFill>
@@ -6704,26 +6933,16 @@
               <a:buAutoNum type="arabicPeriod"/>
             </a:pPr>
             <a:r>
-              <a:rPr lang="tr-TR" sz="1900" dirty="0" smtClean="0">
+              <a:rPr lang="tr-TR" sz="1700" dirty="0" smtClean="0">
                 <a:solidFill>
                   <a:srgbClr val="000000"/>
                 </a:solidFill>
                 <a:latin typeface="Times New Roman" panose="02020603050405020304" pitchFamily="18" charset="0"/>
-                <a:hlinkClick r:id="rId6" action="ppaction://hlinksldjump"/>
-              </a:rPr>
-              <a:t>Database </a:t>
-            </a:r>
-            <a:r>
-              <a:rPr lang="tr-TR" sz="1900" dirty="0" smtClean="0">
-                <a:solidFill>
-                  <a:srgbClr val="000000"/>
-                </a:solidFill>
-                <a:latin typeface="Times New Roman" panose="02020603050405020304" pitchFamily="18" charset="0"/>
-                <a:hlinkClick r:id="rId6" action="ppaction://hlinksldjump"/>
-              </a:rPr>
-              <a:t>Diagram</a:t>
-            </a:r>
-            <a:endParaRPr lang="tr-TR" sz="1900" dirty="0">
+                <a:hlinkClick r:id="rId7" action="ppaction://hlinksldjump"/>
+              </a:rPr>
+              <a:t>Database Diagram</a:t>
+            </a:r>
+            <a:endParaRPr lang="tr-TR" sz="1700" dirty="0">
               <a:solidFill>
                 <a:srgbClr val="000000"/>
               </a:solidFill>
@@ -6736,16 +6955,16 @@
               <a:buAutoNum type="arabicPeriod"/>
             </a:pPr>
             <a:r>
-              <a:rPr lang="tr-TR" sz="1900" dirty="0" smtClean="0">
+              <a:rPr lang="tr-TR" sz="1700" dirty="0" smtClean="0">
                 <a:solidFill>
                   <a:srgbClr val="000000"/>
                 </a:solidFill>
                 <a:latin typeface="Times New Roman" panose="02020603050405020304" pitchFamily="18" charset="0"/>
-                <a:hlinkClick r:id="rId7" action="ppaction://hlinksldjump"/>
+                <a:hlinkClick r:id="rId8" action="ppaction://hlinksldjump"/>
               </a:rPr>
               <a:t>Sınıflar</a:t>
             </a:r>
-            <a:endParaRPr lang="tr-TR" sz="1900" dirty="0" smtClean="0">
+            <a:endParaRPr lang="tr-TR" sz="1700" dirty="0" smtClean="0">
               <a:solidFill>
                 <a:srgbClr val="000000"/>
               </a:solidFill>
@@ -6795,6 +7014,87 @@
                 <a:latin typeface="Times New Roman" panose="02020603050405020304" pitchFamily="18" charset="0"/>
               </a:rPr>
               <a:t>View Packages</a:t>
+            </a:r>
+          </a:p>
+          <a:p>
+            <a:pPr marL="457200" indent="-457200">
+              <a:buFont typeface="+mj-lt"/>
+              <a:buAutoNum type="arabicPeriod"/>
+            </a:pPr>
+            <a:r>
+              <a:rPr lang="tr-TR" sz="1700" dirty="0" smtClean="0">
+                <a:solidFill>
+                  <a:srgbClr val="000000"/>
+                </a:solidFill>
+                <a:latin typeface="Times New Roman" panose="02020603050405020304" pitchFamily="18" charset="0"/>
+                <a:hlinkClick r:id="rId9" action="ppaction://hlinksldjump"/>
+              </a:rPr>
+              <a:t>Ekran Çıktıları</a:t>
+            </a:r>
+            <a:endParaRPr lang="en-US" sz="1300" dirty="0" smtClean="0">
+              <a:solidFill>
+                <a:srgbClr val="000000"/>
+              </a:solidFill>
+              <a:latin typeface="Times New Roman" panose="02020603050405020304" pitchFamily="18" charset="0"/>
+              <a:hlinkClick r:id="rId9" action="ppaction://hlinksldjump"/>
+            </a:endParaRPr>
+          </a:p>
+          <a:p>
+            <a:pPr marL="914400" lvl="1" indent="-457200">
+              <a:buFont typeface="+mj-lt"/>
+              <a:buAutoNum type="arabicPeriod"/>
+            </a:pPr>
+            <a:r>
+              <a:rPr lang="tr-TR" sz="1600" dirty="0" smtClean="0">
+                <a:solidFill>
+                  <a:srgbClr val="000000"/>
+                </a:solidFill>
+                <a:latin typeface="Times New Roman" panose="02020603050405020304" pitchFamily="18" charset="0"/>
+                <a:hlinkClick r:id="rId9" action="ppaction://hlinksldjump"/>
+              </a:rPr>
+              <a:t>Giriş </a:t>
+            </a:r>
+            <a:r>
+              <a:rPr lang="tr-TR" sz="1600" dirty="0">
+                <a:solidFill>
+                  <a:srgbClr val="000000"/>
+                </a:solidFill>
+                <a:latin typeface="Times New Roman" panose="02020603050405020304" pitchFamily="18" charset="0"/>
+                <a:hlinkClick r:id="rId9" action="ppaction://hlinksldjump"/>
+              </a:rPr>
+              <a:t>Ekranı</a:t>
+            </a:r>
+            <a:endParaRPr lang="tr-TR" sz="1600" dirty="0">
+              <a:solidFill>
+                <a:srgbClr val="000000"/>
+              </a:solidFill>
+              <a:latin typeface="Times New Roman" panose="02020603050405020304" pitchFamily="18" charset="0"/>
+            </a:endParaRPr>
+          </a:p>
+          <a:p>
+            <a:pPr marL="914400" lvl="1" indent="-457200">
+              <a:buFont typeface="+mj-lt"/>
+              <a:buAutoNum type="arabicPeriod"/>
+            </a:pPr>
+            <a:r>
+              <a:rPr lang="tr-TR" sz="1600" dirty="0">
+                <a:solidFill>
+                  <a:srgbClr val="000000"/>
+                </a:solidFill>
+                <a:latin typeface="Times New Roman" panose="02020603050405020304" pitchFamily="18" charset="0"/>
+                <a:hlinkClick r:id="rId10" action="ppaction://hlinksldjump"/>
+              </a:rPr>
+              <a:t>Kayıt </a:t>
+            </a:r>
+            <a:r>
+              <a:rPr lang="tr-TR" sz="1600" dirty="0" smtClean="0">
+                <a:solidFill>
+                  <a:srgbClr val="000000"/>
+                </a:solidFill>
+                <a:latin typeface="Times New Roman" panose="02020603050405020304" pitchFamily="18" charset="0"/>
+                <a:hlinkClick r:id="rId10" action="ppaction://hlinksldjump"/>
+              </a:rPr>
+              <a:t>Ekranı</a:t>
             </a:r>
             <a:endParaRPr lang="tr-TR" sz="1600" dirty="0" smtClean="0">
               <a:solidFill>
@@ -6804,21 +7104,74 @@
             </a:endParaRPr>
           </a:p>
           <a:p>
-            <a:pPr marL="457200" indent="-457200">
+            <a:pPr marL="914400" lvl="1" indent="-457200">
               <a:buFont typeface="+mj-lt"/>
               <a:buAutoNum type="arabicPeriod"/>
             </a:pPr>
             <a:r>
-              <a:rPr lang="tr-TR" sz="1900" dirty="0" smtClean="0">
+              <a:rPr lang="en-US" sz="1600" dirty="0">
                 <a:solidFill>
                   <a:srgbClr val="000000"/>
                 </a:solidFill>
                 <a:latin typeface="Times New Roman" panose="02020603050405020304" pitchFamily="18" charset="0"/>
-                <a:hlinkClick r:id="rId8" action="ppaction://hlinksldjump"/>
-              </a:rPr>
-              <a:t>Ekran Çıktıları</a:t>
-            </a:r>
-            <a:endParaRPr lang="tr-TR" sz="1900" dirty="0" smtClean="0">
+                <a:hlinkClick r:id="rId11" action="ppaction://hlinksldjump"/>
+              </a:rPr>
+              <a:t>Adm</a:t>
+            </a:r>
+            <a:r>
+              <a:rPr lang="tr-TR" sz="1600" dirty="0">
+                <a:solidFill>
+                  <a:srgbClr val="000000"/>
+                </a:solidFill>
+                <a:latin typeface="Times New Roman" panose="02020603050405020304" pitchFamily="18" charset="0"/>
+                <a:hlinkClick r:id="rId11" action="ppaction://hlinksldjump"/>
+              </a:rPr>
+              <a:t>in/ Satış Sorumlusu </a:t>
+            </a:r>
+            <a:r>
+              <a:rPr lang="tr-TR" sz="1600" dirty="0" smtClean="0">
+                <a:solidFill>
+                  <a:srgbClr val="000000"/>
+                </a:solidFill>
+                <a:latin typeface="Times New Roman" panose="02020603050405020304" pitchFamily="18" charset="0"/>
+                <a:hlinkClick r:id="rId11" action="ppaction://hlinksldjump"/>
+              </a:rPr>
+              <a:t>Ekranı</a:t>
+            </a:r>
+            <a:endParaRPr lang="tr-TR" sz="1600" dirty="0" smtClean="0">
+              <a:solidFill>
+                <a:srgbClr val="000000"/>
+              </a:solidFill>
+              <a:latin typeface="Times New Roman" panose="02020603050405020304" pitchFamily="18" charset="0"/>
+              <a:hlinkClick r:id="rId9" action="ppaction://hlinksldjump"/>
+            </a:endParaRPr>
+          </a:p>
+          <a:p>
+            <a:pPr marL="1371600" lvl="2" indent="-457200">
+              <a:buFont typeface="+mj-lt"/>
+              <a:buAutoNum type="arabicPeriod"/>
+            </a:pPr>
+            <a:r>
+              <a:rPr lang="tr-TR" sz="1200" dirty="0" smtClean="0">
+                <a:solidFill>
+                  <a:srgbClr val="000000"/>
+                </a:solidFill>
+                <a:latin typeface="Times New Roman" panose="02020603050405020304" pitchFamily="18" charset="0"/>
+                <a:hlinkClick r:id="rId11" action="ppaction://hlinksldjump"/>
+              </a:rPr>
+              <a:t>Yönetici </a:t>
+            </a:r>
+            <a:r>
+              <a:rPr lang="tr-TR" sz="1200" dirty="0">
+                <a:solidFill>
+                  <a:srgbClr val="000000"/>
+                </a:solidFill>
+                <a:latin typeface="Times New Roman" panose="02020603050405020304" pitchFamily="18" charset="0"/>
+                <a:hlinkClick r:id="rId11" action="ppaction://hlinksldjump"/>
+              </a:rPr>
+              <a:t>Personel Ekranı</a:t>
+            </a:r>
+            <a:endParaRPr lang="tr-TR" sz="1200" dirty="0">
               <a:solidFill>
                 <a:srgbClr val="000000"/>
               </a:solidFill>
@@ -6826,21 +7179,21 @@
             </a:endParaRPr>
           </a:p>
           <a:p>
-            <a:pPr marL="914400" lvl="1" indent="-457200">
+            <a:pPr marL="1371600" lvl="2" indent="-457200">
               <a:buFont typeface="+mj-lt"/>
               <a:buAutoNum type="arabicPeriod"/>
             </a:pPr>
             <a:r>
-              <a:rPr lang="tr-TR" sz="1600" dirty="0">
+              <a:rPr lang="tr-TR" sz="1200" dirty="0">
                 <a:solidFill>
                   <a:srgbClr val="000000"/>
                 </a:solidFill>
                 <a:latin typeface="Times New Roman" panose="02020603050405020304" pitchFamily="18" charset="0"/>
-                <a:hlinkClick r:id="rId8" action="ppaction://hlinksldjump"/>
-              </a:rPr>
-              <a:t>Giriş Ekranı</a:t>
-            </a:r>
-            <a:endParaRPr lang="tr-TR" sz="1600" dirty="0">
+                <a:hlinkClick r:id="rId12" action="ppaction://hlinksldjump"/>
+              </a:rPr>
+              <a:t>Stok Ekranı</a:t>
+            </a:r>
+            <a:endParaRPr lang="tr-TR" sz="1200" dirty="0">
               <a:solidFill>
                 <a:srgbClr val="000000"/>
               </a:solidFill>
@@ -6848,21 +7201,21 @@
             </a:endParaRPr>
           </a:p>
           <a:p>
-            <a:pPr marL="914400" lvl="1" indent="-457200">
+            <a:pPr marL="1371600" lvl="2" indent="-457200">
               <a:buFont typeface="+mj-lt"/>
               <a:buAutoNum type="arabicPeriod"/>
             </a:pPr>
             <a:r>
-              <a:rPr lang="tr-TR" sz="1600" dirty="0">
+              <a:rPr lang="tr-TR" sz="1200" dirty="0">
                 <a:solidFill>
                   <a:srgbClr val="000000"/>
                 </a:solidFill>
                 <a:latin typeface="Times New Roman" panose="02020603050405020304" pitchFamily="18" charset="0"/>
-                <a:hlinkClick r:id="rId9" action="ppaction://hlinksldjump"/>
-              </a:rPr>
-              <a:t>Kayıt Ekranı</a:t>
-            </a:r>
-            <a:endParaRPr lang="tr-TR" sz="1600" dirty="0">
+                <a:hlinkClick r:id="rId13" action="ppaction://hlinksldjump"/>
+              </a:rPr>
+              <a:t>Atık Deposu Ekranı</a:t>
+            </a:r>
+            <a:endParaRPr lang="tr-TR" sz="1200" dirty="0">
               <a:solidFill>
                 <a:srgbClr val="000000"/>
               </a:solidFill>
@@ -6870,21 +7223,21 @@
             </a:endParaRPr>
           </a:p>
           <a:p>
-            <a:pPr marL="914400" lvl="1" indent="-457200">
+            <a:pPr marL="1371600" lvl="2" indent="-457200">
               <a:buFont typeface="+mj-lt"/>
               <a:buAutoNum type="arabicPeriod"/>
             </a:pPr>
             <a:r>
-              <a:rPr lang="tr-TR" sz="1600" dirty="0">
+              <a:rPr lang="tr-TR" sz="1200" dirty="0">
                 <a:solidFill>
                   <a:srgbClr val="000000"/>
                 </a:solidFill>
                 <a:latin typeface="Times New Roman" panose="02020603050405020304" pitchFamily="18" charset="0"/>
-                <a:hlinkClick r:id="rId10" action="ppaction://hlinksldjump"/>
-              </a:rPr>
-              <a:t>Yönetici Personel Ekranı</a:t>
-            </a:r>
-            <a:endParaRPr lang="tr-TR" sz="1600" dirty="0">
+                <a:hlinkClick r:id="rId14" action="ppaction://hlinksldjump"/>
+              </a:rPr>
+              <a:t>Zimmetler Ekranı</a:t>
+            </a:r>
+            <a:endParaRPr lang="tr-TR" sz="1200" dirty="0">
               <a:solidFill>
                 <a:srgbClr val="000000"/>
               </a:solidFill>
@@ -6892,21 +7245,21 @@
             </a:endParaRPr>
           </a:p>
           <a:p>
-            <a:pPr marL="914400" lvl="1" indent="-457200">
+            <a:pPr marL="1371600" lvl="2" indent="-457200">
               <a:buFont typeface="+mj-lt"/>
               <a:buAutoNum type="arabicPeriod"/>
             </a:pPr>
             <a:r>
-              <a:rPr lang="tr-TR" sz="1600" dirty="0">
+              <a:rPr lang="tr-TR" sz="1200" dirty="0">
                 <a:solidFill>
                   <a:srgbClr val="000000"/>
                 </a:solidFill>
                 <a:latin typeface="Times New Roman" panose="02020603050405020304" pitchFamily="18" charset="0"/>
-                <a:hlinkClick r:id="rId11" action="ppaction://hlinksldjump"/>
-              </a:rPr>
-              <a:t>Stok Ekranı</a:t>
-            </a:r>
-            <a:endParaRPr lang="tr-TR" sz="1600" dirty="0">
+                <a:hlinkClick r:id="rId15" action="ppaction://hlinksldjump"/>
+              </a:rPr>
+              <a:t>Satın Alma Ekranı</a:t>
+            </a:r>
+            <a:endParaRPr lang="tr-TR" sz="1200" dirty="0">
               <a:solidFill>
                 <a:srgbClr val="000000"/>
               </a:solidFill>
@@ -6914,35 +7267,149 @@
             </a:endParaRPr>
           </a:p>
           <a:p>
+            <a:pPr marL="1371600" lvl="2" indent="-457200">
+              <a:buFont typeface="+mj-lt"/>
+              <a:buAutoNum type="arabicPeriod"/>
+            </a:pPr>
+            <a:r>
+              <a:rPr lang="tr-TR" sz="1200" dirty="0">
+                <a:solidFill>
+                  <a:srgbClr val="000000"/>
+                </a:solidFill>
+                <a:latin typeface="Times New Roman" panose="02020603050405020304" pitchFamily="18" charset="0"/>
+                <a:hlinkClick r:id="rId16" action="ppaction://hlinksldjump"/>
+              </a:rPr>
+              <a:t>Zimmet Ekleme Ekranı</a:t>
+            </a:r>
+            <a:endParaRPr lang="tr-TR" sz="1200" dirty="0">
+              <a:solidFill>
+                <a:srgbClr val="000000"/>
+              </a:solidFill>
+              <a:latin typeface="Times New Roman" panose="02020603050405020304" pitchFamily="18" charset="0"/>
+            </a:endParaRPr>
+          </a:p>
+          <a:p>
+            <a:pPr marL="1371600" lvl="2" indent="-457200">
+              <a:buFont typeface="+mj-lt"/>
+              <a:buAutoNum type="arabicPeriod"/>
+            </a:pPr>
+            <a:r>
+              <a:rPr lang="tr-TR" sz="1200" dirty="0">
+                <a:solidFill>
+                  <a:srgbClr val="000000"/>
+                </a:solidFill>
+                <a:latin typeface="Times New Roman" panose="02020603050405020304" pitchFamily="18" charset="0"/>
+                <a:hlinkClick r:id="rId17" action="ppaction://hlinksldjump"/>
+              </a:rPr>
+              <a:t>Zimmet Kaldırma Ekranı</a:t>
+            </a:r>
+            <a:endParaRPr lang="tr-TR" sz="1200" dirty="0">
+              <a:solidFill>
+                <a:srgbClr val="000000"/>
+              </a:solidFill>
+              <a:latin typeface="Times New Roman" panose="02020603050405020304" pitchFamily="18" charset="0"/>
+            </a:endParaRPr>
+          </a:p>
+          <a:p>
+            <a:pPr marL="1371600" lvl="2" indent="-457200">
+              <a:buFont typeface="+mj-lt"/>
+              <a:buAutoNum type="arabicPeriod"/>
+            </a:pPr>
+            <a:r>
+              <a:rPr lang="tr-TR" sz="1200" dirty="0">
+                <a:solidFill>
+                  <a:srgbClr val="000000"/>
+                </a:solidFill>
+                <a:latin typeface="Times New Roman" panose="02020603050405020304" pitchFamily="18" charset="0"/>
+                <a:hlinkClick r:id="rId18" action="ppaction://hlinksldjump"/>
+              </a:rPr>
+              <a:t>Profile </a:t>
+            </a:r>
+            <a:r>
+              <a:rPr lang="tr-TR" sz="1200" dirty="0" smtClean="0">
+                <a:solidFill>
+                  <a:srgbClr val="000000"/>
+                </a:solidFill>
+                <a:latin typeface="Times New Roman" panose="02020603050405020304" pitchFamily="18" charset="0"/>
+                <a:hlinkClick r:id="rId18" action="ppaction://hlinksldjump"/>
+              </a:rPr>
+              <a:t>Ekranı</a:t>
+            </a:r>
+            <a:endParaRPr lang="tr-TR" sz="1200" dirty="0" smtClean="0">
+              <a:solidFill>
+                <a:srgbClr val="000000"/>
+              </a:solidFill>
+              <a:latin typeface="Times New Roman" panose="02020603050405020304" pitchFamily="18" charset="0"/>
+              <a:hlinkClick r:id="rId9" action="ppaction://hlinksldjump"/>
+            </a:endParaRPr>
+          </a:p>
+          <a:p>
             <a:pPr marL="914400" lvl="1" indent="-457200">
               <a:buFont typeface="+mj-lt"/>
               <a:buAutoNum type="arabicPeriod"/>
             </a:pPr>
             <a:r>
-              <a:rPr lang="tr-TR" sz="1600" dirty="0">
-                <a:solidFill>
-                  <a:srgbClr val="000000"/>
-                </a:solidFill>
-                <a:latin typeface="Times New Roman" panose="02020603050405020304" pitchFamily="18" charset="0"/>
-                <a:hlinkClick r:id="rId12" action="ppaction://hlinksldjump"/>
-              </a:rPr>
-              <a:t>Atık Deposu </a:t>
-            </a:r>
-            <a:r>
               <a:rPr lang="tr-TR" sz="1600" dirty="0" smtClean="0">
                 <a:solidFill>
                   <a:srgbClr val="000000"/>
                 </a:solidFill>
                 <a:latin typeface="Times New Roman" panose="02020603050405020304" pitchFamily="18" charset="0"/>
-                <a:hlinkClick r:id="rId12" action="ppaction://hlinksldjump"/>
-              </a:rPr>
-              <a:t>Ekranı</a:t>
+                <a:hlinkClick r:id="rId19" action="ppaction://hlinksldjump"/>
+              </a:rPr>
+              <a:t>Bölüm Yöneticisi Ekranı</a:t>
             </a:r>
             <a:endParaRPr lang="tr-TR" sz="1600" dirty="0" smtClean="0">
               <a:solidFill>
                 <a:srgbClr val="000000"/>
               </a:solidFill>
               <a:latin typeface="Times New Roman" panose="02020603050405020304" pitchFamily="18" charset="0"/>
+              <a:hlinkClick r:id="rId9" action="ppaction://hlinksldjump"/>
+            </a:endParaRPr>
+          </a:p>
+          <a:p>
+            <a:pPr marL="1371600" lvl="2" indent="-457200">
+              <a:buFont typeface="+mj-lt"/>
+              <a:buAutoNum type="arabicPeriod"/>
+            </a:pPr>
+            <a:r>
+              <a:rPr lang="tr-TR" sz="1200" dirty="0" smtClean="0">
+                <a:solidFill>
+                  <a:srgbClr val="000000"/>
+                </a:solidFill>
+                <a:latin typeface="Times New Roman" panose="02020603050405020304" pitchFamily="18" charset="0"/>
+                <a:hlinkClick r:id="rId19" action="ppaction://hlinksldjump"/>
+              </a:rPr>
+              <a:t>Personel Ekranı</a:t>
+            </a:r>
+            <a:endParaRPr lang="tr-TR" sz="1200" dirty="0" smtClean="0">
+              <a:solidFill>
+                <a:srgbClr val="000000"/>
+              </a:solidFill>
+              <a:latin typeface="Times New Roman" panose="02020603050405020304" pitchFamily="18" charset="0"/>
+              <a:hlinkClick r:id="rId9" action="ppaction://hlinksldjump"/>
+            </a:endParaRPr>
+          </a:p>
+          <a:p>
+            <a:pPr marL="1371600" lvl="2" indent="-457200">
+              <a:buFont typeface="+mj-lt"/>
+              <a:buAutoNum type="arabicPeriod"/>
+            </a:pPr>
+            <a:r>
+              <a:rPr lang="tr-TR" sz="1200" dirty="0" smtClean="0">
+                <a:solidFill>
+                  <a:srgbClr val="000000"/>
+                </a:solidFill>
+                <a:latin typeface="Times New Roman" panose="02020603050405020304" pitchFamily="18" charset="0"/>
+                <a:hlinkClick r:id="rId20" action="ppaction://hlinksldjump"/>
+              </a:rPr>
+              <a:t>Zimmetler Ekranı</a:t>
+            </a:r>
+            <a:endParaRPr lang="tr-TR" sz="1200" dirty="0" smtClean="0">
+              <a:solidFill>
+                <a:srgbClr val="000000"/>
+              </a:solidFill>
+              <a:latin typeface="Times New Roman" panose="02020603050405020304" pitchFamily="18" charset="0"/>
+              <a:hlinkClick r:id="rId9" action="ppaction://hlinksldjump"/>
             </a:endParaRPr>
           </a:p>
           <a:p>
@@ -6956,33 +7423,90 @@
                   <a:srgbClr val="000000"/>
                 </a:solidFill>
                 <a:latin typeface="Times New Roman" panose="02020603050405020304" pitchFamily="18" charset="0"/>
-                <a:hlinkClick r:id="rId13" action="ppaction://hlinksldjump"/>
-              </a:rPr>
-              <a:t>Zimmetler Ekranı</a:t>
+                <a:hlinkClick r:id="rId21" action="ppaction://hlinksldjump"/>
+              </a:rPr>
+              <a:t>Raporlar</a:t>
             </a:r>
             <a:endParaRPr lang="tr-TR" sz="1600" dirty="0" smtClean="0">
               <a:solidFill>
                 <a:srgbClr val="000000"/>
               </a:solidFill>
               <a:latin typeface="Times New Roman" panose="02020603050405020304" pitchFamily="18" charset="0"/>
+              <a:hlinkClick r:id="rId9" action="ppaction://hlinksldjump"/>
             </a:endParaRPr>
           </a:p>
           <a:p>
-            <a:pPr marL="914400" lvl="1" indent="-457200">
+            <a:pPr marL="1371600" lvl="2" indent="-457200">
               <a:buFont typeface="+mj-lt"/>
               <a:buAutoNum type="arabicPeriod"/>
             </a:pPr>
             <a:r>
-              <a:rPr lang="tr-TR" sz="1600" dirty="0" smtClean="0">
+              <a:rPr lang="tr-TR" sz="1200" dirty="0" smtClean="0">
                 <a:solidFill>
                   <a:srgbClr val="000000"/>
                 </a:solidFill>
                 <a:latin typeface="Times New Roman" panose="02020603050405020304" pitchFamily="18" charset="0"/>
-                <a:hlinkClick r:id="rId14" action="ppaction://hlinksldjump"/>
-              </a:rPr>
-              <a:t>Satın Alma Ekranı</a:t>
-            </a:r>
-            <a:endParaRPr lang="tr-TR" sz="1600" dirty="0" smtClean="0">
+                <a:hlinkClick r:id="rId21" action="ppaction://hlinksldjump"/>
+              </a:rPr>
+              <a:t>Tek Kişi Rapor</a:t>
+            </a:r>
+            <a:endParaRPr lang="tr-TR" sz="1200" dirty="0" smtClean="0">
+              <a:solidFill>
+                <a:srgbClr val="000000"/>
+              </a:solidFill>
+              <a:latin typeface="Times New Roman" panose="02020603050405020304" pitchFamily="18" charset="0"/>
+              <a:hlinkClick r:id="rId9" action="ppaction://hlinksldjump"/>
+            </a:endParaRPr>
+          </a:p>
+          <a:p>
+            <a:pPr marL="1371600" lvl="2" indent="-457200">
+              <a:buFont typeface="+mj-lt"/>
+              <a:buAutoNum type="arabicPeriod"/>
+            </a:pPr>
+            <a:r>
+              <a:rPr lang="tr-TR" sz="1200" dirty="0" smtClean="0">
+                <a:solidFill>
+                  <a:srgbClr val="000000"/>
+                </a:solidFill>
+                <a:latin typeface="Times New Roman" panose="02020603050405020304" pitchFamily="18" charset="0"/>
+                <a:hlinkClick r:id="rId22" action="ppaction://hlinksldjump"/>
+              </a:rPr>
+              <a:t>Tüm Personel Raporlar</a:t>
+            </a:r>
+            <a:r>
+              <a:rPr lang="tr-TR" sz="1200" dirty="0" smtClean="0">
+                <a:solidFill>
+                  <a:srgbClr val="000000"/>
+                </a:solidFill>
+                <a:latin typeface="Times New Roman" panose="02020603050405020304" pitchFamily="18" charset="0"/>
+                <a:hlinkClick r:id="rId9" action="ppaction://hlinksldjump"/>
+              </a:rPr>
+              <a:t>ı</a:t>
+            </a:r>
+            <a:endParaRPr lang="en-US" sz="1200" dirty="0" smtClean="0">
+              <a:solidFill>
+                <a:srgbClr val="000000"/>
+              </a:solidFill>
+              <a:latin typeface="Times New Roman" panose="02020603050405020304" pitchFamily="18" charset="0"/>
+              <a:hlinkClick r:id="rId9" action="ppaction://hlinksldjump"/>
+            </a:endParaRPr>
+          </a:p>
+          <a:p>
+            <a:pPr marL="457200" indent="-457200">
+              <a:buFont typeface="+mj-lt"/>
+              <a:buAutoNum type="arabicPeriod"/>
+            </a:pPr>
+            <a:r>
+              <a:rPr lang="tr-TR" sz="1700" dirty="0" smtClean="0">
+                <a:solidFill>
+                  <a:srgbClr val="000000"/>
+                </a:solidFill>
+                <a:latin typeface="Times New Roman" panose="02020603050405020304" pitchFamily="18" charset="0"/>
+                <a:hlinkClick r:id="rId23" action="ppaction://hlinksldjump"/>
+              </a:rPr>
+              <a:t>Kullanılan Kütüphaneler ve Teknolojiler</a:t>
+            </a:r>
+            <a:endParaRPr lang="tr-TR" sz="1700" dirty="0" smtClean="0">
               <a:solidFill>
                 <a:srgbClr val="000000"/>
               </a:solidFill>
@@ -6990,72 +7514,6 @@
             </a:endParaRPr>
           </a:p>
           <a:p>
-            <a:pPr marL="914400" lvl="1" indent="-457200">
-              <a:buFont typeface="+mj-lt"/>
-              <a:buAutoNum type="arabicPeriod"/>
-            </a:pPr>
-            <a:r>
-              <a:rPr lang="tr-TR" sz="1600" dirty="0" smtClean="0">
-                <a:solidFill>
-                  <a:srgbClr val="000000"/>
-                </a:solidFill>
-                <a:latin typeface="Times New Roman" panose="02020603050405020304" pitchFamily="18" charset="0"/>
-                <a:hlinkClick r:id="rId15" action="ppaction://hlinksldjump"/>
-              </a:rPr>
-              <a:t>Zimmet Ekleme Ekranı</a:t>
-            </a:r>
-            <a:endParaRPr lang="tr-TR" sz="1600" dirty="0" smtClean="0">
-              <a:solidFill>
-                <a:srgbClr val="000000"/>
-              </a:solidFill>
-              <a:latin typeface="Times New Roman" panose="02020603050405020304" pitchFamily="18" charset="0"/>
-            </a:endParaRPr>
-          </a:p>
-          <a:p>
-            <a:pPr marL="914400" lvl="1" indent="-457200">
-              <a:buFont typeface="+mj-lt"/>
-              <a:buAutoNum type="arabicPeriod"/>
-            </a:pPr>
-            <a:r>
-              <a:rPr lang="tr-TR" sz="1600" dirty="0" smtClean="0">
-                <a:solidFill>
-                  <a:srgbClr val="000000"/>
-                </a:solidFill>
-                <a:latin typeface="Times New Roman" panose="02020603050405020304" pitchFamily="18" charset="0"/>
-                <a:hlinkClick r:id="rId16" action="ppaction://hlinksldjump"/>
-              </a:rPr>
-              <a:t>Zimmet Kaldırma Ekranı</a:t>
-            </a:r>
-            <a:endParaRPr lang="tr-TR" sz="1600" dirty="0" smtClean="0">
-              <a:solidFill>
-                <a:srgbClr val="000000"/>
-              </a:solidFill>
-              <a:latin typeface="Times New Roman" panose="02020603050405020304" pitchFamily="18" charset="0"/>
-            </a:endParaRPr>
-          </a:p>
-          <a:p>
-            <a:pPr marL="914400" lvl="1" indent="-457200">
-              <a:buFont typeface="+mj-lt"/>
-              <a:buAutoNum type="arabicPeriod"/>
-            </a:pPr>
-            <a:r>
-              <a:rPr lang="tr-TR" sz="1600" dirty="0" smtClean="0">
-                <a:solidFill>
-                  <a:srgbClr val="000000"/>
-                </a:solidFill>
-                <a:latin typeface="Times New Roman" panose="02020603050405020304" pitchFamily="18" charset="0"/>
-                <a:hlinkClick r:id="rId17" action="ppaction://hlinksldjump"/>
-              </a:rPr>
-              <a:t>Profile Ekranı</a:t>
-            </a:r>
-            <a:endParaRPr lang="tr-TR" sz="1600" dirty="0" smtClean="0">
-              <a:solidFill>
-                <a:srgbClr val="000000"/>
-              </a:solidFill>
-              <a:latin typeface="Times New Roman" panose="02020603050405020304" pitchFamily="18" charset="0"/>
-            </a:endParaRPr>
-          </a:p>
-          <a:p>
             <a:pPr marL="457200" indent="-457200">
               <a:buFont typeface="+mj-lt"/>
               <a:buAutoNum type="arabicPeriod"/>
@@ -7066,33 +7524,11 @@
                   <a:srgbClr val="000000"/>
                 </a:solidFill>
                 <a:latin typeface="Times New Roman" panose="02020603050405020304" pitchFamily="18" charset="0"/>
-                <a:hlinkClick r:id="rId18" action="ppaction://hlinksldjump"/>
-              </a:rPr>
-              <a:t>Kullanılan Kütüphaneler</a:t>
-            </a:r>
-            <a:endParaRPr lang="tr-TR" sz="1900" dirty="0" smtClean="0">
-              <a:solidFill>
-                <a:srgbClr val="000000"/>
-              </a:solidFill>
-              <a:latin typeface="Times New Roman" panose="02020603050405020304" pitchFamily="18" charset="0"/>
-            </a:endParaRPr>
-          </a:p>
-          <a:p>
-            <a:pPr marL="457200" indent="-457200">
-              <a:buFont typeface="+mj-lt"/>
-              <a:buAutoNum type="arabicPeriod"/>
-            </a:pPr>
-            <a:r>
-              <a:rPr lang="tr-TR" sz="2000" dirty="0" smtClean="0">
-                <a:solidFill>
-                  <a:srgbClr val="000000"/>
-                </a:solidFill>
-                <a:latin typeface="Times New Roman" panose="02020603050405020304" pitchFamily="18" charset="0"/>
-                <a:hlinkClick r:id="rId19" action="ppaction://hlinksldjump"/>
+                <a:hlinkClick r:id="rId24" action="ppaction://hlinksldjump"/>
               </a:rPr>
               <a:t>Kaynakça</a:t>
             </a:r>
-            <a:endParaRPr lang="tr-TR" sz="1600" dirty="0">
+            <a:endParaRPr lang="tr-TR" sz="1500" dirty="0" smtClean="0">
               <a:solidFill>
                 <a:srgbClr val="000000"/>
               </a:solidFill>
@@ -7176,20 +7612,72 @@
           <a:chExt cx="0" cy="0"/>
         </a:xfrm>
       </p:grpSpPr>
-      <p:sp>
-        <p:nvSpPr>
-          <p:cNvPr id="2" name="Unvan 1"/>
-          <p:cNvSpPr>
-            <a:spLocks noGrp="1"/>
-          </p:cNvSpPr>
-          <p:nvPr>
-            <p:ph type="title"/>
-          </p:nvPr>
-        </p:nvSpPr>
+      <p:pic>
+        <p:nvPicPr>
+          <p:cNvPr id="6" name="İçerik Yer Tutucusu 5"/>
+          <p:cNvPicPr>
+            <a:picLocks noGrp="1" noChangeAspect="1"/>
+          </p:cNvPicPr>
+          <p:nvPr>
+            <p:ph idx="1"/>
+          </p:nvPr>
+        </p:nvPicPr>
+        <p:blipFill>
+          <a:blip r:embed="rId2">
+            <a:extLst>
+              <a:ext uri="{28A0092B-C50C-407E-A947-70E740481C1C}">
+                <a14:useLocalDpi xmlns:a14="http://schemas.microsoft.com/office/drawing/2010/main" val="0"/>
+              </a:ext>
+            </a:extLst>
+          </a:blip>
+          <a:stretch>
+            <a:fillRect/>
+          </a:stretch>
+        </p:blipFill>
         <p:spPr>
           <a:xfrm>
-            <a:off x="838200" y="257549"/>
-            <a:ext cx="10515600" cy="764428"/>
+            <a:off x="1623768" y="879240"/>
+            <a:ext cx="8944465" cy="5630064"/>
+          </a:xfrm>
+        </p:spPr>
+      </p:pic>
+      <p:sp>
+        <p:nvSpPr>
+          <p:cNvPr id="4" name="Slayt Numarası Yer Tutucusu 3"/>
+          <p:cNvSpPr>
+            <a:spLocks noGrp="1"/>
+          </p:cNvSpPr>
+          <p:nvPr>
+            <p:ph type="sldNum" sz="quarter" idx="12"/>
+          </p:nvPr>
+        </p:nvSpPr>
+        <p:spPr/>
+        <p:txBody>
+          <a:bodyPr/>
+          <a:lstStyle/>
+          <a:p>
+            <a:fld id="{1F6ACD08-1775-4A2C-B3D6-C0E4325A4202}" type="slidenum">
+              <a:rPr lang="tr-TR" smtClean="0"/>
+              <a:t>20</a:t>
+            </a:fld>
+            <a:endParaRPr lang="tr-TR" dirty="0"/>
+          </a:p>
+        </p:txBody>
+      </p:sp>
+      <p:sp>
+        <p:nvSpPr>
+          <p:cNvPr id="5" name="Unvan 1"/>
+          <p:cNvSpPr>
+            <a:spLocks noGrp="1"/>
+          </p:cNvSpPr>
+          <p:nvPr>
+            <p:ph type="title"/>
+          </p:nvPr>
+        </p:nvSpPr>
+        <p:spPr>
+          <a:xfrm>
+            <a:off x="1129553" y="262730"/>
+            <a:ext cx="9932894" cy="616510"/>
           </a:xfrm>
         </p:spPr>
         <p:txBody>
@@ -7199,228 +7687,23 @@
           <a:lstStyle/>
           <a:p>
             <a:r>
-              <a:rPr lang="tr-TR" sz="4000" dirty="0" smtClean="0">
-                <a:latin typeface="Times New Roman" panose="02020603050405020304" pitchFamily="18" charset="0"/>
-                <a:cs typeface="Times New Roman" panose="02020603050405020304" pitchFamily="18" charset="0"/>
-              </a:rPr>
-              <a:t>Kullanılan Kütüphaneler</a:t>
-            </a:r>
-            <a:endParaRPr lang="tr-TR" sz="4000" dirty="0">
+              <a:rPr lang="tr-TR" sz="2800" dirty="0" smtClean="0">
+                <a:latin typeface="Times New Roman" panose="02020603050405020304" pitchFamily="18" charset="0"/>
+                <a:cs typeface="Times New Roman" panose="02020603050405020304" pitchFamily="18" charset="0"/>
+              </a:rPr>
+              <a:t>Profil Ekranı</a:t>
+            </a:r>
+            <a:endParaRPr lang="tr-TR" sz="2800" dirty="0">
               <a:latin typeface="Times New Roman" panose="02020603050405020304" pitchFamily="18" charset="0"/>
               <a:cs typeface="Times New Roman" panose="02020603050405020304" pitchFamily="18" charset="0"/>
             </a:endParaRPr>
           </a:p>
         </p:txBody>
       </p:sp>
-      <p:sp>
-        <p:nvSpPr>
-          <p:cNvPr id="3" name="İçerik Yer Tutucusu 2"/>
-          <p:cNvSpPr>
-            <a:spLocks noGrp="1"/>
-          </p:cNvSpPr>
-          <p:nvPr>
-            <p:ph idx="1"/>
-          </p:nvPr>
-        </p:nvSpPr>
-        <p:spPr>
-          <a:xfrm>
-            <a:off x="838200" y="1492624"/>
-            <a:ext cx="10515600" cy="4684339"/>
-          </a:xfrm>
-        </p:spPr>
-        <p:txBody>
-          <a:bodyPr>
-            <a:normAutofit/>
-          </a:bodyPr>
-          <a:lstStyle/>
-          <a:p>
-            <a:pPr marL="514350" indent="-514350">
-              <a:buFont typeface="+mj-lt"/>
-              <a:buAutoNum type="arabicPeriod"/>
-            </a:pPr>
-            <a:r>
-              <a:rPr lang="tr-TR" sz="2400" b="1" dirty="0" smtClean="0">
-                <a:latin typeface="Times New Roman" panose="02020603050405020304" pitchFamily="18" charset="0"/>
-                <a:cs typeface="Times New Roman" panose="02020603050405020304" pitchFamily="18" charset="0"/>
-              </a:rPr>
-              <a:t>mysql-connector-java-5.1.47-bin.jar</a:t>
-            </a:r>
-          </a:p>
-          <a:p>
-            <a:pPr lvl="1"/>
-            <a:r>
-              <a:rPr lang="tr-TR" sz="2000" dirty="0" err="1" smtClean="0">
-                <a:latin typeface="Times New Roman" panose="02020603050405020304" pitchFamily="18" charset="0"/>
-                <a:cs typeface="Times New Roman" panose="02020603050405020304" pitchFamily="18" charset="0"/>
-              </a:rPr>
-              <a:t>MySql</a:t>
-            </a:r>
-            <a:r>
-              <a:rPr lang="tr-TR" sz="2000" dirty="0" smtClean="0">
-                <a:latin typeface="Times New Roman" panose="02020603050405020304" pitchFamily="18" charset="0"/>
-                <a:cs typeface="Times New Roman" panose="02020603050405020304" pitchFamily="18" charset="0"/>
-              </a:rPr>
-              <a:t> veri tabanı bağlantısı yapmakta kullanılan kütüphane</a:t>
-            </a:r>
-          </a:p>
-          <a:p>
-            <a:pPr marL="514350" indent="-514350">
-              <a:buFont typeface="+mj-lt"/>
-              <a:buAutoNum type="arabicPeriod"/>
-            </a:pPr>
-            <a:r>
-              <a:rPr lang="tr-TR" sz="2400" b="1" dirty="0" smtClean="0">
-                <a:latin typeface="Times New Roman" panose="02020603050405020304" pitchFamily="18" charset="0"/>
-                <a:cs typeface="Times New Roman" panose="02020603050405020304" pitchFamily="18" charset="0"/>
-              </a:rPr>
-              <a:t>Jfoenix-8.0.7.jar</a:t>
-            </a:r>
-          </a:p>
-          <a:p>
-            <a:pPr lvl="1"/>
-            <a:r>
-              <a:rPr lang="tr-TR" sz="2000" dirty="0" smtClean="0">
-                <a:latin typeface="Times New Roman" panose="02020603050405020304" pitchFamily="18" charset="0"/>
-                <a:cs typeface="Times New Roman" panose="02020603050405020304" pitchFamily="18" charset="0"/>
-              </a:rPr>
-              <a:t>Java 8 ile uyumlu gelişmiş </a:t>
-            </a:r>
-            <a:r>
-              <a:rPr lang="tr-TR" sz="2000" dirty="0" err="1" smtClean="0">
-                <a:latin typeface="Times New Roman" panose="02020603050405020304" pitchFamily="18" charset="0"/>
-                <a:cs typeface="Times New Roman" panose="02020603050405020304" pitchFamily="18" charset="0"/>
-              </a:rPr>
-              <a:t>javafx</a:t>
-            </a:r>
-            <a:r>
-              <a:rPr lang="tr-TR" sz="2000" dirty="0" smtClean="0">
-                <a:latin typeface="Times New Roman" panose="02020603050405020304" pitchFamily="18" charset="0"/>
-                <a:cs typeface="Times New Roman" panose="02020603050405020304" pitchFamily="18" charset="0"/>
-              </a:rPr>
-              <a:t> ile ekran nesnelerinin bulunduğu kütüphane</a:t>
-            </a:r>
-          </a:p>
-          <a:p>
-            <a:pPr marL="457200" indent="-457200">
-              <a:buFont typeface="+mj-lt"/>
-              <a:buAutoNum type="arabicPeriod"/>
-            </a:pPr>
-            <a:r>
-              <a:rPr lang="tr-TR" sz="2400" b="1" dirty="0" smtClean="0">
-                <a:latin typeface="Times New Roman" panose="02020603050405020304" pitchFamily="18" charset="0"/>
-                <a:cs typeface="Times New Roman" panose="02020603050405020304" pitchFamily="18" charset="0"/>
-              </a:rPr>
-              <a:t>Jfoenix.9.0.6.jar</a:t>
-            </a:r>
-          </a:p>
-          <a:p>
-            <a:pPr lvl="1"/>
-            <a:r>
-              <a:rPr lang="tr-TR" sz="2000" dirty="0">
-                <a:latin typeface="Times New Roman" panose="02020603050405020304" pitchFamily="18" charset="0"/>
-                <a:cs typeface="Times New Roman" panose="02020603050405020304" pitchFamily="18" charset="0"/>
-              </a:rPr>
-              <a:t>Java </a:t>
-            </a:r>
-            <a:r>
-              <a:rPr lang="tr-TR" sz="2000" dirty="0" smtClean="0">
-                <a:latin typeface="Times New Roman" panose="02020603050405020304" pitchFamily="18" charset="0"/>
-                <a:cs typeface="Times New Roman" panose="02020603050405020304" pitchFamily="18" charset="0"/>
-              </a:rPr>
-              <a:t>9 </a:t>
-            </a:r>
-            <a:r>
-              <a:rPr lang="tr-TR" sz="2000" dirty="0">
-                <a:latin typeface="Times New Roman" panose="02020603050405020304" pitchFamily="18" charset="0"/>
-                <a:cs typeface="Times New Roman" panose="02020603050405020304" pitchFamily="18" charset="0"/>
-              </a:rPr>
-              <a:t>ile uyumlu gelişmiş </a:t>
-            </a:r>
-            <a:r>
-              <a:rPr lang="tr-TR" sz="2000" dirty="0" err="1">
-                <a:latin typeface="Times New Roman" panose="02020603050405020304" pitchFamily="18" charset="0"/>
-                <a:cs typeface="Times New Roman" panose="02020603050405020304" pitchFamily="18" charset="0"/>
-              </a:rPr>
-              <a:t>javafx</a:t>
-            </a:r>
-            <a:r>
-              <a:rPr lang="tr-TR" sz="2000" dirty="0">
-                <a:latin typeface="Times New Roman" panose="02020603050405020304" pitchFamily="18" charset="0"/>
-                <a:cs typeface="Times New Roman" panose="02020603050405020304" pitchFamily="18" charset="0"/>
-              </a:rPr>
-              <a:t> ile ekran nesnelerinin bulunduğu </a:t>
-            </a:r>
-            <a:r>
-              <a:rPr lang="tr-TR" sz="2000" dirty="0" smtClean="0">
-                <a:latin typeface="Times New Roman" panose="02020603050405020304" pitchFamily="18" charset="0"/>
-                <a:cs typeface="Times New Roman" panose="02020603050405020304" pitchFamily="18" charset="0"/>
-              </a:rPr>
-              <a:t>kütüphane</a:t>
-            </a:r>
-          </a:p>
-          <a:p>
-            <a:pPr marL="457200" indent="-457200">
-              <a:buFont typeface="+mj-lt"/>
-              <a:buAutoNum type="arabicPeriod"/>
-            </a:pPr>
-            <a:r>
-              <a:rPr lang="tr-TR" sz="2400" b="1" dirty="0" smtClean="0">
-                <a:latin typeface="Times New Roman" panose="02020603050405020304" pitchFamily="18" charset="0"/>
-                <a:cs typeface="Times New Roman" panose="02020603050405020304" pitchFamily="18" charset="0"/>
-              </a:rPr>
-              <a:t>JasperReport – .</a:t>
-            </a:r>
-            <a:r>
-              <a:rPr lang="tr-TR" sz="2400" b="1" dirty="0" err="1" smtClean="0">
-                <a:latin typeface="Times New Roman" panose="02020603050405020304" pitchFamily="18" charset="0"/>
-                <a:cs typeface="Times New Roman" panose="02020603050405020304" pitchFamily="18" charset="0"/>
-              </a:rPr>
-              <a:t>jar</a:t>
-            </a:r>
-            <a:endParaRPr lang="tr-TR" sz="2400" b="1" dirty="0" smtClean="0">
-              <a:latin typeface="Times New Roman" panose="02020603050405020304" pitchFamily="18" charset="0"/>
-              <a:cs typeface="Times New Roman" panose="02020603050405020304" pitchFamily="18" charset="0"/>
-            </a:endParaRPr>
-          </a:p>
-          <a:p>
-            <a:pPr lvl="1"/>
-            <a:r>
-              <a:rPr lang="tr-TR" sz="2000" dirty="0" smtClean="0">
-                <a:latin typeface="Times New Roman" panose="02020603050405020304" pitchFamily="18" charset="0"/>
-                <a:cs typeface="Times New Roman" panose="02020603050405020304" pitchFamily="18" charset="0"/>
-              </a:rPr>
-              <a:t>Bir çok altında kütüphane bulunan raporlama aracı kütüphanesi</a:t>
-            </a:r>
-          </a:p>
-        </p:txBody>
-      </p:sp>
-      <p:sp>
-        <p:nvSpPr>
-          <p:cNvPr id="4" name="Slayt Numarası Yer Tutucusu 3"/>
-          <p:cNvSpPr>
-            <a:spLocks noGrp="1"/>
-          </p:cNvSpPr>
-          <p:nvPr>
-            <p:ph type="sldNum" sz="quarter" idx="12"/>
-          </p:nvPr>
-        </p:nvSpPr>
-        <p:spPr/>
-        <p:txBody>
-          <a:bodyPr/>
-          <a:lstStyle/>
-          <a:p>
-            <a:fld id="{1F6ACD08-1775-4A2C-B3D6-C0E4325A4202}" type="slidenum">
-              <a:rPr lang="tr-TR" smtClean="0"/>
-              <a:t>20</a:t>
-            </a:fld>
-            <a:endParaRPr lang="tr-TR" dirty="0"/>
-          </a:p>
-        </p:txBody>
-      </p:sp>
     </p:spTree>
     <p:extLst>
       <p:ext uri="{BB962C8B-B14F-4D97-AF65-F5344CB8AC3E}">
-        <p14:creationId xmlns:p14="http://schemas.microsoft.com/office/powerpoint/2010/main" val="3042102847"/>
+        <p14:creationId xmlns:p14="http://schemas.microsoft.com/office/powerpoint/2010/main" val="1672117716"/>
       </p:ext>
     </p:extLst>
   </p:cSld>
@@ -7454,14 +7737,43 @@
           <a:chExt cx="0" cy="0"/>
         </a:xfrm>
       </p:grpSpPr>
-      <p:sp>
-        <p:nvSpPr>
-          <p:cNvPr id="2" name="Unvan 1"/>
-          <p:cNvSpPr>
-            <a:spLocks noGrp="1"/>
-          </p:cNvSpPr>
-          <p:nvPr>
-            <p:ph type="title"/>
+      <p:pic>
+        <p:nvPicPr>
+          <p:cNvPr id="7" name="İçerik Yer Tutucusu 6"/>
+          <p:cNvPicPr>
+            <a:picLocks noGrp="1" noChangeAspect="1"/>
+          </p:cNvPicPr>
+          <p:nvPr>
+            <p:ph idx="1"/>
+          </p:nvPr>
+        </p:nvPicPr>
+        <p:blipFill>
+          <a:blip r:embed="rId2">
+            <a:extLst>
+              <a:ext uri="{28A0092B-C50C-407E-A947-70E740481C1C}">
+                <a14:useLocalDpi xmlns:a14="http://schemas.microsoft.com/office/drawing/2010/main" val="0"/>
+              </a:ext>
+            </a:extLst>
+          </a:blip>
+          <a:stretch>
+            <a:fillRect/>
+          </a:stretch>
+        </p:blipFill>
+        <p:spPr>
+          <a:xfrm>
+            <a:off x="1839329" y="1331913"/>
+            <a:ext cx="8513342" cy="5389562"/>
+          </a:xfrm>
+        </p:spPr>
+      </p:pic>
+      <p:sp>
+        <p:nvSpPr>
+          <p:cNvPr id="4" name="Slayt Numarası Yer Tutucusu 3"/>
+          <p:cNvSpPr>
+            <a:spLocks noGrp="1"/>
+          </p:cNvSpPr>
+          <p:nvPr>
+            <p:ph type="sldNum" sz="quarter" idx="12"/>
           </p:nvPr>
         </p:nvSpPr>
         <p:spPr/>
@@ -7469,6 +7781,841 @@
           <a:bodyPr/>
           <a:lstStyle/>
           <a:p>
+            <a:fld id="{1F6ACD08-1775-4A2C-B3D6-C0E4325A4202}" type="slidenum">
+              <a:rPr lang="tr-TR" smtClean="0"/>
+              <a:t>21</a:t>
+            </a:fld>
+            <a:endParaRPr lang="tr-TR" dirty="0"/>
+          </a:p>
+        </p:txBody>
+      </p:sp>
+      <p:sp>
+        <p:nvSpPr>
+          <p:cNvPr id="5" name="Unvan 1"/>
+          <p:cNvSpPr txBox="1">
+            <a:spLocks/>
+          </p:cNvSpPr>
+          <p:nvPr/>
+        </p:nvSpPr>
+        <p:spPr>
+          <a:xfrm>
+            <a:off x="838200" y="221924"/>
+            <a:ext cx="10515600" cy="616510"/>
+          </a:xfrm>
+          <a:prstGeom prst="rect">
+            <a:avLst/>
+          </a:prstGeom>
+        </p:spPr>
+        <p:txBody>
+          <a:bodyPr vert="horz" lIns="91440" tIns="45720" rIns="91440" bIns="45720" rtlCol="0" anchor="ctr">
+            <a:normAutofit fontScale="97500"/>
+          </a:bodyPr>
+          <a:lstStyle>
+            <a:lvl1pPr algn="l" defTabSz="914400" rtl="0" eaLnBrk="1" latinLnBrk="0" hangingPunct="1">
+              <a:lnSpc>
+                <a:spcPct val="90000"/>
+              </a:lnSpc>
+              <a:spcBef>
+                <a:spcPct val="0"/>
+              </a:spcBef>
+              <a:buNone/>
+              <a:defRPr sz="4400" kern="1200">
+                <a:solidFill>
+                  <a:schemeClr val="tx1"/>
+                </a:solidFill>
+                <a:latin typeface="+mj-lt"/>
+                <a:ea typeface="+mj-ea"/>
+                <a:cs typeface="+mj-cs"/>
+              </a:defRPr>
+            </a:lvl1pPr>
+          </a:lstStyle>
+          <a:p>
+            <a:r>
+              <a:rPr lang="tr-TR" sz="3200" b="1" dirty="0" smtClean="0">
+                <a:latin typeface="Times New Roman" panose="02020603050405020304" pitchFamily="18" charset="0"/>
+                <a:cs typeface="Times New Roman" panose="02020603050405020304" pitchFamily="18" charset="0"/>
+              </a:rPr>
+              <a:t>Bölüm Yöneticisi Ekranı</a:t>
+            </a:r>
+            <a:endParaRPr lang="tr-TR" sz="3200" b="1" dirty="0">
+              <a:latin typeface="Times New Roman" panose="02020603050405020304" pitchFamily="18" charset="0"/>
+              <a:cs typeface="Times New Roman" panose="02020603050405020304" pitchFamily="18" charset="0"/>
+            </a:endParaRPr>
+          </a:p>
+        </p:txBody>
+      </p:sp>
+      <p:sp>
+        <p:nvSpPr>
+          <p:cNvPr id="6" name="Unvan 1"/>
+          <p:cNvSpPr>
+            <a:spLocks noGrp="1"/>
+          </p:cNvSpPr>
+          <p:nvPr>
+            <p:ph type="title"/>
+          </p:nvPr>
+        </p:nvSpPr>
+        <p:spPr>
+          <a:xfrm>
+            <a:off x="838200" y="812310"/>
+            <a:ext cx="10515600" cy="519719"/>
+          </a:xfrm>
+        </p:spPr>
+        <p:txBody>
+          <a:bodyPr>
+            <a:normAutofit/>
+          </a:bodyPr>
+          <a:lstStyle/>
+          <a:p>
+            <a:r>
+              <a:rPr lang="tr-TR" sz="2800" dirty="0" smtClean="0">
+                <a:latin typeface="Times New Roman" panose="02020603050405020304" pitchFamily="18" charset="0"/>
+                <a:cs typeface="Times New Roman" panose="02020603050405020304" pitchFamily="18" charset="0"/>
+              </a:rPr>
+              <a:t>Personel Ekranı</a:t>
+            </a:r>
+            <a:endParaRPr lang="tr-TR" sz="2800" dirty="0">
+              <a:latin typeface="Times New Roman" panose="02020603050405020304" pitchFamily="18" charset="0"/>
+              <a:cs typeface="Times New Roman" panose="02020603050405020304" pitchFamily="18" charset="0"/>
+            </a:endParaRPr>
+          </a:p>
+        </p:txBody>
+      </p:sp>
+    </p:spTree>
+    <p:extLst>
+      <p:ext uri="{BB962C8B-B14F-4D97-AF65-F5344CB8AC3E}">
+        <p14:creationId xmlns:p14="http://schemas.microsoft.com/office/powerpoint/2010/main" val="3138323383"/>
+      </p:ext>
+    </p:extLst>
+  </p:cSld>
+  <p:clrMapOvr>
+    <a:masterClrMapping/>
+  </p:clrMapOvr>
+</p:sld>
+</file>
+
+<file path=ppt/slides/slide22.xml><?xml version="1.0" encoding="utf-8"?>
+<p:sld xmlns:a="http://schemas.openxmlformats.org/drawingml/2006/main" xmlns:r="http://schemas.openxmlformats.org/officeDocument/2006/relationships" xmlns:p="http://schemas.openxmlformats.org/presentationml/2006/main">
+  <p:cSld>
+    <p:spTree>
+      <p:nvGrpSpPr>
+        <p:cNvPr id="1" name=""/>
+        <p:cNvGrpSpPr/>
+        <p:nvPr/>
+      </p:nvGrpSpPr>
+      <p:grpSpPr>
+        <a:xfrm>
+          <a:off x="0" y="0"/>
+          <a:ext cx="0" cy="0"/>
+          <a:chOff x="0" y="0"/>
+          <a:chExt cx="0" cy="0"/>
+        </a:xfrm>
+      </p:grpSpPr>
+      <p:pic>
+        <p:nvPicPr>
+          <p:cNvPr id="6" name="İçerik Yer Tutucusu 5"/>
+          <p:cNvPicPr>
+            <a:picLocks noGrp="1" noChangeAspect="1"/>
+          </p:cNvPicPr>
+          <p:nvPr>
+            <p:ph idx="1"/>
+          </p:nvPr>
+        </p:nvPicPr>
+        <p:blipFill>
+          <a:blip r:embed="rId2">
+            <a:extLst>
+              <a:ext uri="{28A0092B-C50C-407E-A947-70E740481C1C}">
+                <a14:useLocalDpi xmlns:a14="http://schemas.microsoft.com/office/drawing/2010/main" val="0"/>
+              </a:ext>
+            </a:extLst>
+          </a:blip>
+          <a:stretch>
+            <a:fillRect/>
+          </a:stretch>
+        </p:blipFill>
+        <p:spPr>
+          <a:xfrm>
+            <a:off x="2034922" y="1035050"/>
+            <a:ext cx="8122156" cy="5141913"/>
+          </a:xfrm>
+        </p:spPr>
+      </p:pic>
+      <p:sp>
+        <p:nvSpPr>
+          <p:cNvPr id="4" name="Slayt Numarası Yer Tutucusu 3"/>
+          <p:cNvSpPr>
+            <a:spLocks noGrp="1"/>
+          </p:cNvSpPr>
+          <p:nvPr>
+            <p:ph type="sldNum" sz="quarter" idx="12"/>
+          </p:nvPr>
+        </p:nvSpPr>
+        <p:spPr/>
+        <p:txBody>
+          <a:bodyPr/>
+          <a:lstStyle/>
+          <a:p>
+            <a:fld id="{1F6ACD08-1775-4A2C-B3D6-C0E4325A4202}" type="slidenum">
+              <a:rPr lang="tr-TR" smtClean="0"/>
+              <a:t>22</a:t>
+            </a:fld>
+            <a:endParaRPr lang="tr-TR" dirty="0"/>
+          </a:p>
+        </p:txBody>
+      </p:sp>
+      <p:sp>
+        <p:nvSpPr>
+          <p:cNvPr id="5" name="Unvan 1"/>
+          <p:cNvSpPr>
+            <a:spLocks noGrp="1"/>
+          </p:cNvSpPr>
+          <p:nvPr>
+            <p:ph type="title"/>
+          </p:nvPr>
+        </p:nvSpPr>
+        <p:spPr>
+          <a:xfrm>
+            <a:off x="838200" y="355110"/>
+            <a:ext cx="10515600" cy="519719"/>
+          </a:xfrm>
+        </p:spPr>
+        <p:txBody>
+          <a:bodyPr>
+            <a:normAutofit/>
+          </a:bodyPr>
+          <a:lstStyle/>
+          <a:p>
+            <a:r>
+              <a:rPr lang="tr-TR" sz="2800" dirty="0" smtClean="0">
+                <a:latin typeface="Times New Roman" panose="02020603050405020304" pitchFamily="18" charset="0"/>
+                <a:cs typeface="Times New Roman" panose="02020603050405020304" pitchFamily="18" charset="0"/>
+              </a:rPr>
+              <a:t>Zimmetler Ekranı</a:t>
+            </a:r>
+            <a:endParaRPr lang="tr-TR" sz="2800" dirty="0">
+              <a:latin typeface="Times New Roman" panose="02020603050405020304" pitchFamily="18" charset="0"/>
+              <a:cs typeface="Times New Roman" panose="02020603050405020304" pitchFamily="18" charset="0"/>
+            </a:endParaRPr>
+          </a:p>
+        </p:txBody>
+      </p:sp>
+    </p:spTree>
+    <p:extLst>
+      <p:ext uri="{BB962C8B-B14F-4D97-AF65-F5344CB8AC3E}">
+        <p14:creationId xmlns:p14="http://schemas.microsoft.com/office/powerpoint/2010/main" val="1941325193"/>
+      </p:ext>
+    </p:extLst>
+  </p:cSld>
+  <p:clrMapOvr>
+    <a:masterClrMapping/>
+  </p:clrMapOvr>
+</p:sld>
+</file>
+
+<file path=ppt/slides/slide23.xml><?xml version="1.0" encoding="utf-8"?>
+<p:sld xmlns:a="http://schemas.openxmlformats.org/drawingml/2006/main" xmlns:r="http://schemas.openxmlformats.org/officeDocument/2006/relationships" xmlns:p="http://schemas.openxmlformats.org/presentationml/2006/main">
+  <p:cSld>
+    <p:spTree>
+      <p:nvGrpSpPr>
+        <p:cNvPr id="1" name=""/>
+        <p:cNvGrpSpPr/>
+        <p:nvPr/>
+      </p:nvGrpSpPr>
+      <p:grpSpPr>
+        <a:xfrm>
+          <a:off x="0" y="0"/>
+          <a:ext cx="0" cy="0"/>
+          <a:chOff x="0" y="0"/>
+          <a:chExt cx="0" cy="0"/>
+        </a:xfrm>
+      </p:grpSpPr>
+      <p:pic>
+        <p:nvPicPr>
+          <p:cNvPr id="7" name="İçerik Yer Tutucusu 6"/>
+          <p:cNvPicPr>
+            <a:picLocks noGrp="1" noChangeAspect="1"/>
+          </p:cNvPicPr>
+          <p:nvPr>
+            <p:ph idx="1"/>
+          </p:nvPr>
+        </p:nvPicPr>
+        <p:blipFill>
+          <a:blip r:embed="rId2">
+            <a:extLst>
+              <a:ext uri="{28A0092B-C50C-407E-A947-70E740481C1C}">
+                <a14:useLocalDpi xmlns:a14="http://schemas.microsoft.com/office/drawing/2010/main" val="0"/>
+              </a:ext>
+            </a:extLst>
+          </a:blip>
+          <a:stretch>
+            <a:fillRect/>
+          </a:stretch>
+        </p:blipFill>
+        <p:spPr>
+          <a:xfrm>
+            <a:off x="1612031" y="1331913"/>
+            <a:ext cx="8967938" cy="4845050"/>
+          </a:xfrm>
+        </p:spPr>
+      </p:pic>
+      <p:sp>
+        <p:nvSpPr>
+          <p:cNvPr id="4" name="Slayt Numarası Yer Tutucusu 3"/>
+          <p:cNvSpPr>
+            <a:spLocks noGrp="1"/>
+          </p:cNvSpPr>
+          <p:nvPr>
+            <p:ph type="sldNum" sz="quarter" idx="12"/>
+          </p:nvPr>
+        </p:nvSpPr>
+        <p:spPr/>
+        <p:txBody>
+          <a:bodyPr/>
+          <a:lstStyle/>
+          <a:p>
+            <a:fld id="{1F6ACD08-1775-4A2C-B3D6-C0E4325A4202}" type="slidenum">
+              <a:rPr lang="tr-TR" smtClean="0"/>
+              <a:t>23</a:t>
+            </a:fld>
+            <a:endParaRPr lang="tr-TR" dirty="0"/>
+          </a:p>
+        </p:txBody>
+      </p:sp>
+      <p:sp>
+        <p:nvSpPr>
+          <p:cNvPr id="5" name="Unvan 1"/>
+          <p:cNvSpPr>
+            <a:spLocks noGrp="1"/>
+          </p:cNvSpPr>
+          <p:nvPr>
+            <p:ph type="title"/>
+          </p:nvPr>
+        </p:nvSpPr>
+        <p:spPr>
+          <a:xfrm>
+            <a:off x="838200" y="274427"/>
+            <a:ext cx="10515600" cy="519719"/>
+          </a:xfrm>
+        </p:spPr>
+        <p:txBody>
+          <a:bodyPr>
+            <a:noAutofit/>
+          </a:bodyPr>
+          <a:lstStyle/>
+          <a:p>
+            <a:r>
+              <a:rPr lang="tr-TR" sz="3100" b="1" dirty="0" smtClean="0">
+                <a:latin typeface="Times New Roman" panose="02020603050405020304" pitchFamily="18" charset="0"/>
+                <a:cs typeface="Times New Roman" panose="02020603050405020304" pitchFamily="18" charset="0"/>
+              </a:rPr>
+              <a:t>Raporlar Ekranı</a:t>
+            </a:r>
+            <a:endParaRPr lang="tr-TR" sz="3100" b="1" dirty="0">
+              <a:latin typeface="Times New Roman" panose="02020603050405020304" pitchFamily="18" charset="0"/>
+              <a:cs typeface="Times New Roman" panose="02020603050405020304" pitchFamily="18" charset="0"/>
+            </a:endParaRPr>
+          </a:p>
+        </p:txBody>
+      </p:sp>
+      <p:sp>
+        <p:nvSpPr>
+          <p:cNvPr id="6" name="Unvan 1"/>
+          <p:cNvSpPr txBox="1">
+            <a:spLocks/>
+          </p:cNvSpPr>
+          <p:nvPr/>
+        </p:nvSpPr>
+        <p:spPr>
+          <a:xfrm>
+            <a:off x="838200" y="812310"/>
+            <a:ext cx="10515600" cy="519719"/>
+          </a:xfrm>
+          <a:prstGeom prst="rect">
+            <a:avLst/>
+          </a:prstGeom>
+        </p:spPr>
+        <p:txBody>
+          <a:bodyPr vert="horz" lIns="91440" tIns="45720" rIns="91440" bIns="45720" rtlCol="0" anchor="ctr">
+            <a:normAutofit/>
+          </a:bodyPr>
+          <a:lstStyle>
+            <a:lvl1pPr algn="l" defTabSz="914400" rtl="0" eaLnBrk="1" latinLnBrk="0" hangingPunct="1">
+              <a:lnSpc>
+                <a:spcPct val="90000"/>
+              </a:lnSpc>
+              <a:spcBef>
+                <a:spcPct val="0"/>
+              </a:spcBef>
+              <a:buNone/>
+              <a:defRPr sz="4400" kern="1200">
+                <a:solidFill>
+                  <a:schemeClr val="tx1"/>
+                </a:solidFill>
+                <a:latin typeface="+mj-lt"/>
+                <a:ea typeface="+mj-ea"/>
+                <a:cs typeface="+mj-cs"/>
+              </a:defRPr>
+            </a:lvl1pPr>
+          </a:lstStyle>
+          <a:p>
+            <a:r>
+              <a:rPr lang="tr-TR" sz="2800" dirty="0" smtClean="0">
+                <a:latin typeface="Times New Roman" panose="02020603050405020304" pitchFamily="18" charset="0"/>
+                <a:cs typeface="Times New Roman" panose="02020603050405020304" pitchFamily="18" charset="0"/>
+              </a:rPr>
+              <a:t>Tek Kişi Rapor Ekranı</a:t>
+            </a:r>
+            <a:endParaRPr lang="tr-TR" sz="2800" dirty="0">
+              <a:latin typeface="Times New Roman" panose="02020603050405020304" pitchFamily="18" charset="0"/>
+              <a:cs typeface="Times New Roman" panose="02020603050405020304" pitchFamily="18" charset="0"/>
+            </a:endParaRPr>
+          </a:p>
+        </p:txBody>
+      </p:sp>
+    </p:spTree>
+    <p:extLst>
+      <p:ext uri="{BB962C8B-B14F-4D97-AF65-F5344CB8AC3E}">
+        <p14:creationId xmlns:p14="http://schemas.microsoft.com/office/powerpoint/2010/main" val="2870459298"/>
+      </p:ext>
+    </p:extLst>
+  </p:cSld>
+  <p:clrMapOvr>
+    <a:masterClrMapping/>
+  </p:clrMapOvr>
+</p:sld>
+</file>
+
+<file path=ppt/slides/slide24.xml><?xml version="1.0" encoding="utf-8"?>
+<p:sld xmlns:a="http://schemas.openxmlformats.org/drawingml/2006/main" xmlns:r="http://schemas.openxmlformats.org/officeDocument/2006/relationships" xmlns:p="http://schemas.openxmlformats.org/presentationml/2006/main">
+  <p:cSld>
+    <p:spTree>
+      <p:nvGrpSpPr>
+        <p:cNvPr id="1" name=""/>
+        <p:cNvGrpSpPr/>
+        <p:nvPr/>
+      </p:nvGrpSpPr>
+      <p:grpSpPr>
+        <a:xfrm>
+          <a:off x="0" y="0"/>
+          <a:ext cx="0" cy="0"/>
+          <a:chOff x="0" y="0"/>
+          <a:chExt cx="0" cy="0"/>
+        </a:xfrm>
+      </p:grpSpPr>
+      <p:pic>
+        <p:nvPicPr>
+          <p:cNvPr id="7" name="İçerik Yer Tutucusu 6"/>
+          <p:cNvPicPr>
+            <a:picLocks noGrp="1" noChangeAspect="1"/>
+          </p:cNvPicPr>
+          <p:nvPr>
+            <p:ph idx="1"/>
+          </p:nvPr>
+        </p:nvPicPr>
+        <p:blipFill>
+          <a:blip r:embed="rId2">
+            <a:extLst>
+              <a:ext uri="{28A0092B-C50C-407E-A947-70E740481C1C}">
+                <a14:useLocalDpi xmlns:a14="http://schemas.microsoft.com/office/drawing/2010/main" val="0"/>
+              </a:ext>
+            </a:extLst>
+          </a:blip>
+          <a:stretch>
+            <a:fillRect/>
+          </a:stretch>
+        </p:blipFill>
+        <p:spPr>
+          <a:xfrm>
+            <a:off x="1102221" y="781050"/>
+            <a:ext cx="9987557" cy="5395913"/>
+          </a:xfrm>
+        </p:spPr>
+      </p:pic>
+      <p:sp>
+        <p:nvSpPr>
+          <p:cNvPr id="4" name="Slayt Numarası Yer Tutucusu 3"/>
+          <p:cNvSpPr>
+            <a:spLocks noGrp="1"/>
+          </p:cNvSpPr>
+          <p:nvPr>
+            <p:ph type="sldNum" sz="quarter" idx="12"/>
+          </p:nvPr>
+        </p:nvSpPr>
+        <p:spPr/>
+        <p:txBody>
+          <a:bodyPr/>
+          <a:lstStyle/>
+          <a:p>
+            <a:fld id="{1F6ACD08-1775-4A2C-B3D6-C0E4325A4202}" type="slidenum">
+              <a:rPr lang="tr-TR" smtClean="0"/>
+              <a:t>24</a:t>
+            </a:fld>
+            <a:endParaRPr lang="tr-TR" dirty="0"/>
+          </a:p>
+        </p:txBody>
+      </p:sp>
+      <p:sp>
+        <p:nvSpPr>
+          <p:cNvPr id="5" name="Unvan 1"/>
+          <p:cNvSpPr>
+            <a:spLocks noGrp="1"/>
+          </p:cNvSpPr>
+          <p:nvPr>
+            <p:ph type="title"/>
+          </p:nvPr>
+        </p:nvSpPr>
+        <p:spPr>
+          <a:xfrm>
+            <a:off x="838200" y="260980"/>
+            <a:ext cx="10515600" cy="519719"/>
+          </a:xfrm>
+        </p:spPr>
+        <p:txBody>
+          <a:bodyPr>
+            <a:normAutofit/>
+          </a:bodyPr>
+          <a:lstStyle/>
+          <a:p>
+            <a:r>
+              <a:rPr lang="tr-TR" sz="2800" dirty="0" smtClean="0">
+                <a:latin typeface="Times New Roman" panose="02020603050405020304" pitchFamily="18" charset="0"/>
+                <a:cs typeface="Times New Roman" panose="02020603050405020304" pitchFamily="18" charset="0"/>
+              </a:rPr>
+              <a:t>Tüm Personel Rapor Ekranı</a:t>
+            </a:r>
+            <a:endParaRPr lang="tr-TR" sz="2800" dirty="0">
+              <a:latin typeface="Times New Roman" panose="02020603050405020304" pitchFamily="18" charset="0"/>
+              <a:cs typeface="Times New Roman" panose="02020603050405020304" pitchFamily="18" charset="0"/>
+            </a:endParaRPr>
+          </a:p>
+        </p:txBody>
+      </p:sp>
+    </p:spTree>
+    <p:extLst>
+      <p:ext uri="{BB962C8B-B14F-4D97-AF65-F5344CB8AC3E}">
+        <p14:creationId xmlns:p14="http://schemas.microsoft.com/office/powerpoint/2010/main" val="3788954038"/>
+      </p:ext>
+    </p:extLst>
+  </p:cSld>
+  <p:clrMapOvr>
+    <a:masterClrMapping/>
+  </p:clrMapOvr>
+</p:sld>
+</file>
+
+<file path=ppt/slides/slide25.xml><?xml version="1.0" encoding="utf-8"?>
+<p:sld xmlns:a="http://schemas.openxmlformats.org/drawingml/2006/main" xmlns:r="http://schemas.openxmlformats.org/officeDocument/2006/relationships" xmlns:p="http://schemas.openxmlformats.org/presentationml/2006/main">
+  <p:cSld>
+    <p:spTree>
+      <p:nvGrpSpPr>
+        <p:cNvPr id="1" name=""/>
+        <p:cNvGrpSpPr/>
+        <p:nvPr/>
+      </p:nvGrpSpPr>
+      <p:grpSpPr>
+        <a:xfrm>
+          <a:off x="0" y="0"/>
+          <a:ext cx="0" cy="0"/>
+          <a:chOff x="0" y="0"/>
+          <a:chExt cx="0" cy="0"/>
+        </a:xfrm>
+      </p:grpSpPr>
+      <p:sp>
+        <p:nvSpPr>
+          <p:cNvPr id="2" name="Unvan 1"/>
+          <p:cNvSpPr>
+            <a:spLocks noGrp="1"/>
+          </p:cNvSpPr>
+          <p:nvPr>
+            <p:ph type="title"/>
+          </p:nvPr>
+        </p:nvSpPr>
+        <p:spPr>
+          <a:xfrm>
+            <a:off x="838200" y="257549"/>
+            <a:ext cx="10515600" cy="764428"/>
+          </a:xfrm>
+        </p:spPr>
+        <p:txBody>
+          <a:bodyPr>
+            <a:normAutofit/>
+          </a:bodyPr>
+          <a:lstStyle/>
+          <a:p>
+            <a:r>
+              <a:rPr lang="tr-TR" sz="4000" dirty="0" smtClean="0">
+                <a:latin typeface="Times New Roman" panose="02020603050405020304" pitchFamily="18" charset="0"/>
+                <a:cs typeface="Times New Roman" panose="02020603050405020304" pitchFamily="18" charset="0"/>
+              </a:rPr>
+              <a:t>Kullanılan Kütüphaneler Ve Teknolojiler</a:t>
+            </a:r>
+            <a:endParaRPr lang="tr-TR" sz="4000" dirty="0">
+              <a:latin typeface="Times New Roman" panose="02020603050405020304" pitchFamily="18" charset="0"/>
+              <a:cs typeface="Times New Roman" panose="02020603050405020304" pitchFamily="18" charset="0"/>
+            </a:endParaRPr>
+          </a:p>
+        </p:txBody>
+      </p:sp>
+      <p:sp>
+        <p:nvSpPr>
+          <p:cNvPr id="3" name="İçerik Yer Tutucusu 2"/>
+          <p:cNvSpPr>
+            <a:spLocks noGrp="1"/>
+          </p:cNvSpPr>
+          <p:nvPr>
+            <p:ph idx="1"/>
+          </p:nvPr>
+        </p:nvSpPr>
+        <p:spPr>
+          <a:xfrm>
+            <a:off x="838200" y="1035425"/>
+            <a:ext cx="10515600" cy="4684339"/>
+          </a:xfrm>
+        </p:spPr>
+        <p:txBody>
+          <a:bodyPr>
+            <a:normAutofit/>
+          </a:bodyPr>
+          <a:lstStyle/>
+          <a:p>
+            <a:pPr marL="514350" indent="-514350">
+              <a:buFont typeface="+mj-lt"/>
+              <a:buAutoNum type="arabicPeriod"/>
+            </a:pPr>
+            <a:r>
+              <a:rPr lang="tr-TR" sz="2400" b="1" dirty="0" smtClean="0">
+                <a:latin typeface="Times New Roman" panose="02020603050405020304" pitchFamily="18" charset="0"/>
+                <a:cs typeface="Times New Roman" panose="02020603050405020304" pitchFamily="18" charset="0"/>
+              </a:rPr>
+              <a:t>mysql-connector-java-5.1.47-bin.jar</a:t>
+            </a:r>
+          </a:p>
+          <a:p>
+            <a:pPr lvl="1"/>
+            <a:r>
+              <a:rPr lang="tr-TR" sz="2000" dirty="0" err="1" smtClean="0">
+                <a:latin typeface="Times New Roman" panose="02020603050405020304" pitchFamily="18" charset="0"/>
+                <a:cs typeface="Times New Roman" panose="02020603050405020304" pitchFamily="18" charset="0"/>
+              </a:rPr>
+              <a:t>MySql</a:t>
+            </a:r>
+            <a:r>
+              <a:rPr lang="tr-TR" sz="2000" dirty="0" smtClean="0">
+                <a:latin typeface="Times New Roman" panose="02020603050405020304" pitchFamily="18" charset="0"/>
+                <a:cs typeface="Times New Roman" panose="02020603050405020304" pitchFamily="18" charset="0"/>
+              </a:rPr>
+              <a:t> veri tabanı bağlantısı yapmakta kullanılan kütüphane</a:t>
+            </a:r>
+          </a:p>
+          <a:p>
+            <a:pPr marL="514350" indent="-514350">
+              <a:buFont typeface="+mj-lt"/>
+              <a:buAutoNum type="arabicPeriod"/>
+            </a:pPr>
+            <a:r>
+              <a:rPr lang="tr-TR" sz="2400" b="1" dirty="0" smtClean="0">
+                <a:latin typeface="Times New Roman" panose="02020603050405020304" pitchFamily="18" charset="0"/>
+                <a:cs typeface="Times New Roman" panose="02020603050405020304" pitchFamily="18" charset="0"/>
+              </a:rPr>
+              <a:t>Jfoenix-8.0.7.jar</a:t>
+            </a:r>
+          </a:p>
+          <a:p>
+            <a:pPr lvl="1"/>
+            <a:r>
+              <a:rPr lang="tr-TR" sz="2000" dirty="0" smtClean="0">
+                <a:latin typeface="Times New Roman" panose="02020603050405020304" pitchFamily="18" charset="0"/>
+                <a:cs typeface="Times New Roman" panose="02020603050405020304" pitchFamily="18" charset="0"/>
+              </a:rPr>
+              <a:t>Java 8 ile uyumlu gelişmiş javafx ile ekran nesnelerinin bulunduğu kütüphane</a:t>
+            </a:r>
+          </a:p>
+          <a:p>
+            <a:pPr marL="457200" indent="-457200">
+              <a:buFont typeface="+mj-lt"/>
+              <a:buAutoNum type="arabicPeriod"/>
+            </a:pPr>
+            <a:r>
+              <a:rPr lang="tr-TR" sz="2400" b="1" dirty="0" smtClean="0">
+                <a:latin typeface="Times New Roman" panose="02020603050405020304" pitchFamily="18" charset="0"/>
+                <a:cs typeface="Times New Roman" panose="02020603050405020304" pitchFamily="18" charset="0"/>
+              </a:rPr>
+              <a:t>Jfoenix.9.0.6.jar</a:t>
+            </a:r>
+          </a:p>
+          <a:p>
+            <a:pPr lvl="1"/>
+            <a:r>
+              <a:rPr lang="tr-TR" sz="2000" dirty="0">
+                <a:latin typeface="Times New Roman" panose="02020603050405020304" pitchFamily="18" charset="0"/>
+                <a:cs typeface="Times New Roman" panose="02020603050405020304" pitchFamily="18" charset="0"/>
+              </a:rPr>
+              <a:t>Java </a:t>
+            </a:r>
+            <a:r>
+              <a:rPr lang="tr-TR" sz="2000" dirty="0" smtClean="0">
+                <a:latin typeface="Times New Roman" panose="02020603050405020304" pitchFamily="18" charset="0"/>
+                <a:cs typeface="Times New Roman" panose="02020603050405020304" pitchFamily="18" charset="0"/>
+              </a:rPr>
+              <a:t>9 </a:t>
+            </a:r>
+            <a:r>
+              <a:rPr lang="tr-TR" sz="2000" dirty="0">
+                <a:latin typeface="Times New Roman" panose="02020603050405020304" pitchFamily="18" charset="0"/>
+                <a:cs typeface="Times New Roman" panose="02020603050405020304" pitchFamily="18" charset="0"/>
+              </a:rPr>
+              <a:t>ile uyumlu gelişmiş javafx ile ekran nesnelerinin bulunduğu </a:t>
+            </a:r>
+            <a:r>
+              <a:rPr lang="tr-TR" sz="2000" dirty="0" smtClean="0">
+                <a:latin typeface="Times New Roman" panose="02020603050405020304" pitchFamily="18" charset="0"/>
+                <a:cs typeface="Times New Roman" panose="02020603050405020304" pitchFamily="18" charset="0"/>
+              </a:rPr>
+              <a:t>kütüphane</a:t>
+            </a:r>
+          </a:p>
+          <a:p>
+            <a:pPr marL="457200" indent="-457200">
+              <a:buFont typeface="+mj-lt"/>
+              <a:buAutoNum type="arabicPeriod"/>
+            </a:pPr>
+            <a:r>
+              <a:rPr lang="tr-TR" sz="2400" b="1" dirty="0" smtClean="0">
+                <a:latin typeface="Times New Roman" panose="02020603050405020304" pitchFamily="18" charset="0"/>
+                <a:cs typeface="Times New Roman" panose="02020603050405020304" pitchFamily="18" charset="0"/>
+              </a:rPr>
+              <a:t>JasperReport – .jar</a:t>
+            </a:r>
+          </a:p>
+          <a:p>
+            <a:pPr lvl="1"/>
+            <a:r>
+              <a:rPr lang="tr-TR" sz="2000" dirty="0" smtClean="0">
+                <a:latin typeface="Times New Roman" panose="02020603050405020304" pitchFamily="18" charset="0"/>
+                <a:cs typeface="Times New Roman" panose="02020603050405020304" pitchFamily="18" charset="0"/>
+              </a:rPr>
+              <a:t>Bir çok altında kütüphane bulunan raporlama aracı kütüphanesi</a:t>
+            </a:r>
+            <a:endParaRPr lang="tr-TR" sz="2000" dirty="0">
+              <a:latin typeface="Times New Roman" panose="02020603050405020304" pitchFamily="18" charset="0"/>
+              <a:cs typeface="Times New Roman" panose="02020603050405020304" pitchFamily="18" charset="0"/>
+            </a:endParaRPr>
+          </a:p>
+          <a:p>
+            <a:pPr marL="457200" indent="-457200">
+              <a:buFont typeface="+mj-lt"/>
+              <a:buAutoNum type="arabicPeriod"/>
+            </a:pPr>
+            <a:r>
+              <a:rPr lang="tr-TR" sz="2400" b="1" dirty="0" smtClean="0">
+                <a:latin typeface="Times New Roman" panose="02020603050405020304" pitchFamily="18" charset="0"/>
+                <a:cs typeface="Times New Roman" panose="02020603050405020304" pitchFamily="18" charset="0"/>
+              </a:rPr>
+              <a:t>Screen Builder: Tasarım Aracı</a:t>
+            </a:r>
+          </a:p>
+          <a:p>
+            <a:pPr marL="457200" indent="-457200">
+              <a:buFont typeface="+mj-lt"/>
+              <a:buAutoNum type="arabicPeriod"/>
+            </a:pPr>
+            <a:r>
+              <a:rPr lang="tr-TR" sz="2400" b="1" dirty="0" smtClean="0">
+                <a:latin typeface="Times New Roman" panose="02020603050405020304" pitchFamily="18" charset="0"/>
+                <a:cs typeface="Times New Roman" panose="02020603050405020304" pitchFamily="18" charset="0"/>
+              </a:rPr>
+              <a:t>Netbeans IDE 8.2</a:t>
+            </a:r>
+          </a:p>
+          <a:p>
+            <a:pPr marL="457200" indent="-457200">
+              <a:buFont typeface="+mj-lt"/>
+              <a:buAutoNum type="arabicPeriod"/>
+            </a:pPr>
+            <a:r>
+              <a:rPr lang="tr-TR" sz="2400" b="1" dirty="0" smtClean="0">
+                <a:latin typeface="Times New Roman" panose="02020603050405020304" pitchFamily="18" charset="0"/>
+                <a:cs typeface="Times New Roman" panose="02020603050405020304" pitchFamily="18" charset="0"/>
+              </a:rPr>
+              <a:t>Phpmyadmin</a:t>
+            </a:r>
+          </a:p>
+        </p:txBody>
+      </p:sp>
+      <p:sp>
+        <p:nvSpPr>
+          <p:cNvPr id="4" name="Slayt Numarası Yer Tutucusu 3"/>
+          <p:cNvSpPr>
+            <a:spLocks noGrp="1"/>
+          </p:cNvSpPr>
+          <p:nvPr>
+            <p:ph type="sldNum" sz="quarter" idx="12"/>
+          </p:nvPr>
+        </p:nvSpPr>
+        <p:spPr/>
+        <p:txBody>
+          <a:bodyPr/>
+          <a:lstStyle/>
+          <a:p>
+            <a:fld id="{1F6ACD08-1775-4A2C-B3D6-C0E4325A4202}" type="slidenum">
+              <a:rPr lang="tr-TR" smtClean="0"/>
+              <a:t>25</a:t>
+            </a:fld>
+            <a:endParaRPr lang="tr-TR" dirty="0"/>
+          </a:p>
+        </p:txBody>
+      </p:sp>
+    </p:spTree>
+    <p:extLst>
+      <p:ext uri="{BB962C8B-B14F-4D97-AF65-F5344CB8AC3E}">
+        <p14:creationId xmlns:p14="http://schemas.microsoft.com/office/powerpoint/2010/main" val="3042102847"/>
+      </p:ext>
+    </p:extLst>
+  </p:cSld>
+  <p:clrMapOvr>
+    <a:masterClrMapping/>
+  </p:clrMapOvr>
+  <p:timing>
+    <p:tnLst>
+      <p:par>
+        <p:cTn id="1" dur="indefinite" restart="never" nodeType="tmRoot"/>
+      </p:par>
+    </p:tnLst>
+  </p:timing>
+</p:sld>
+</file>
+
+<file path=ppt/slides/slide26.xml><?xml version="1.0" encoding="utf-8"?>
+<p:sld xmlns:a="http://schemas.openxmlformats.org/drawingml/2006/main" xmlns:r="http://schemas.openxmlformats.org/officeDocument/2006/relationships" xmlns:p="http://schemas.openxmlformats.org/presentationml/2006/main">
+  <p:cSld>
+    <p:spTree>
+      <p:nvGrpSpPr>
+        <p:cNvPr id="1" name=""/>
+        <p:cNvGrpSpPr/>
+        <p:nvPr/>
+      </p:nvGrpSpPr>
+      <p:grpSpPr>
+        <a:xfrm>
+          <a:off x="0" y="0"/>
+          <a:ext cx="0" cy="0"/>
+          <a:chOff x="0" y="0"/>
+          <a:chExt cx="0" cy="0"/>
+        </a:xfrm>
+      </p:grpSpPr>
+      <p:sp>
+        <p:nvSpPr>
+          <p:cNvPr id="2" name="Unvan 1"/>
+          <p:cNvSpPr>
+            <a:spLocks noGrp="1"/>
+          </p:cNvSpPr>
+          <p:nvPr>
+            <p:ph type="title"/>
+          </p:nvPr>
+        </p:nvSpPr>
+        <p:spPr/>
+        <p:txBody>
+          <a:bodyPr/>
+          <a:lstStyle/>
+          <a:p>
             <a:r>
               <a:rPr lang="tr-TR" dirty="0" smtClean="0"/>
               <a:t>Kaynakça</a:t>
@@ -7492,6 +8639,178 @@
           <a:bodyPr/>
           <a:lstStyle/>
           <a:p>
+            <a:r>
+              <a:rPr lang="tr-TR" sz="2400" dirty="0" smtClean="0">
+                <a:latin typeface="Times New Roman" panose="02020603050405020304" pitchFamily="18" charset="0"/>
+                <a:cs typeface="Times New Roman" panose="02020603050405020304" pitchFamily="18" charset="0"/>
+              </a:rPr>
+              <a:t>Jfoenix</a:t>
+            </a:r>
+            <a:r>
+              <a:rPr lang="tr-TR" sz="2400" dirty="0">
+                <a:latin typeface="Times New Roman" panose="02020603050405020304" pitchFamily="18" charset="0"/>
+                <a:cs typeface="Times New Roman" panose="02020603050405020304" pitchFamily="18" charset="0"/>
+              </a:rPr>
+              <a:t>: </a:t>
+            </a:r>
+            <a:r>
+              <a:rPr lang="tr-TR" sz="2400" dirty="0">
+                <a:latin typeface="Times New Roman" panose="02020603050405020304" pitchFamily="18" charset="0"/>
+                <a:cs typeface="Times New Roman" panose="02020603050405020304" pitchFamily="18" charset="0"/>
+                <a:hlinkClick r:id="rId2"/>
+              </a:rPr>
+              <a:t>https://github.com/jfoenixadmin/JFoenix</a:t>
+            </a:r>
+            <a:endParaRPr lang="tr-TR" sz="2400" dirty="0">
+              <a:latin typeface="Times New Roman" panose="02020603050405020304" pitchFamily="18" charset="0"/>
+              <a:cs typeface="Times New Roman" panose="02020603050405020304" pitchFamily="18" charset="0"/>
+            </a:endParaRPr>
+          </a:p>
+          <a:p>
+            <a:r>
+              <a:rPr lang="tr-TR" sz="2400" dirty="0">
+                <a:latin typeface="Times New Roman" panose="02020603050405020304" pitchFamily="18" charset="0"/>
+                <a:cs typeface="Times New Roman" panose="02020603050405020304" pitchFamily="18" charset="0"/>
+              </a:rPr>
+              <a:t>Mysql: </a:t>
+            </a:r>
+            <a:r>
+              <a:rPr lang="tr-TR" sz="2400" dirty="0">
+                <a:latin typeface="Times New Roman" panose="02020603050405020304" pitchFamily="18" charset="0"/>
+                <a:cs typeface="Times New Roman" panose="02020603050405020304" pitchFamily="18" charset="0"/>
+                <a:hlinkClick r:id="rId3"/>
+              </a:rPr>
+              <a:t>https://dev.mysql.com/downloads/connector/j/5.1.html</a:t>
+            </a:r>
+            <a:endParaRPr lang="tr-TR" sz="2400" dirty="0">
+              <a:latin typeface="Times New Roman" panose="02020603050405020304" pitchFamily="18" charset="0"/>
+              <a:cs typeface="Times New Roman" panose="02020603050405020304" pitchFamily="18" charset="0"/>
+            </a:endParaRPr>
+          </a:p>
+          <a:p>
+            <a:r>
+              <a:rPr lang="tr-TR" sz="2400" dirty="0">
+                <a:latin typeface="Times New Roman" panose="02020603050405020304" pitchFamily="18" charset="0"/>
+                <a:cs typeface="Times New Roman" panose="02020603050405020304" pitchFamily="18" charset="0"/>
+              </a:rPr>
+              <a:t>Screen </a:t>
+            </a:r>
+            <a:r>
+              <a:rPr lang="tr-TR" sz="2400" dirty="0" smtClean="0">
+                <a:latin typeface="Times New Roman" panose="02020603050405020304" pitchFamily="18" charset="0"/>
+                <a:cs typeface="Times New Roman" panose="02020603050405020304" pitchFamily="18" charset="0"/>
+              </a:rPr>
+              <a:t>Builder(Tasarım Aracı): </a:t>
+            </a:r>
+            <a:r>
+              <a:rPr lang="tr-TR" sz="2400" dirty="0">
+                <a:latin typeface="Times New Roman" panose="02020603050405020304" pitchFamily="18" charset="0"/>
+                <a:cs typeface="Times New Roman" panose="02020603050405020304" pitchFamily="18" charset="0"/>
+                <a:hlinkClick r:id="rId4"/>
+              </a:rPr>
+              <a:t>https://gluonhq.com/products/scene-builder</a:t>
+            </a:r>
+            <a:r>
+              <a:rPr lang="tr-TR" sz="2400" dirty="0" smtClean="0">
+                <a:latin typeface="Times New Roman" panose="02020603050405020304" pitchFamily="18" charset="0"/>
+                <a:cs typeface="Times New Roman" panose="02020603050405020304" pitchFamily="18" charset="0"/>
+                <a:hlinkClick r:id="rId4"/>
+              </a:rPr>
+              <a:t>/</a:t>
+            </a:r>
+            <a:endParaRPr lang="tr-TR" sz="2400" dirty="0" smtClean="0">
+              <a:latin typeface="Times New Roman" panose="02020603050405020304" pitchFamily="18" charset="0"/>
+              <a:cs typeface="Times New Roman" panose="02020603050405020304" pitchFamily="18" charset="0"/>
+            </a:endParaRPr>
+          </a:p>
+          <a:p>
+            <a:r>
+              <a:rPr lang="tr-TR" sz="2400" dirty="0" smtClean="0">
+                <a:latin typeface="Times New Roman" panose="02020603050405020304" pitchFamily="18" charset="0"/>
+                <a:cs typeface="Times New Roman" panose="02020603050405020304" pitchFamily="18" charset="0"/>
+              </a:rPr>
+              <a:t>JasperReport</a:t>
+            </a:r>
+            <a:r>
+              <a:rPr lang="tr-TR" sz="2400" dirty="0">
+                <a:latin typeface="Times New Roman" panose="02020603050405020304" pitchFamily="18" charset="0"/>
+                <a:cs typeface="Times New Roman" panose="02020603050405020304" pitchFamily="18" charset="0"/>
+              </a:rPr>
+              <a:t>: </a:t>
+            </a:r>
+            <a:r>
+              <a:rPr lang="tr-TR" sz="2400" dirty="0">
+                <a:latin typeface="Times New Roman" panose="02020603050405020304" pitchFamily="18" charset="0"/>
+                <a:cs typeface="Times New Roman" panose="02020603050405020304" pitchFamily="18" charset="0"/>
+                <a:hlinkClick r:id="rId5"/>
+              </a:rPr>
+              <a:t>https://sourceforge.net/projects/jasperreports/files/jasperreports/JasperReports%206.2.0</a:t>
+            </a:r>
+            <a:r>
+              <a:rPr lang="tr-TR" sz="2400" dirty="0" smtClean="0">
+                <a:latin typeface="Times New Roman" panose="02020603050405020304" pitchFamily="18" charset="0"/>
+                <a:cs typeface="Times New Roman" panose="02020603050405020304" pitchFamily="18" charset="0"/>
+                <a:hlinkClick r:id="rId5"/>
+              </a:rPr>
+              <a:t>/</a:t>
+            </a:r>
+            <a:endParaRPr lang="tr-TR" sz="2400" dirty="0" smtClean="0">
+              <a:latin typeface="Times New Roman" panose="02020603050405020304" pitchFamily="18" charset="0"/>
+              <a:cs typeface="Times New Roman" panose="02020603050405020304" pitchFamily="18" charset="0"/>
+            </a:endParaRPr>
+          </a:p>
+          <a:p>
+            <a:r>
+              <a:rPr lang="tr-TR" sz="2400" dirty="0" smtClean="0">
+                <a:latin typeface="Times New Roman" panose="02020603050405020304" pitchFamily="18" charset="0"/>
+                <a:cs typeface="Times New Roman" panose="02020603050405020304" pitchFamily="18" charset="0"/>
+              </a:rPr>
+              <a:t>JasperReport Plugin For</a:t>
+            </a:r>
+            <a:r>
+              <a:rPr lang="tr-TR" sz="2400" dirty="0">
+                <a:latin typeface="Times New Roman" panose="02020603050405020304" pitchFamily="18" charset="0"/>
+                <a:cs typeface="Times New Roman" panose="02020603050405020304" pitchFamily="18" charset="0"/>
+              </a:rPr>
+              <a:t> Netbeans: </a:t>
+            </a:r>
+            <a:r>
+              <a:rPr lang="tr-TR" sz="2400" dirty="0">
+                <a:latin typeface="Times New Roman" panose="02020603050405020304" pitchFamily="18" charset="0"/>
+                <a:cs typeface="Times New Roman" panose="02020603050405020304" pitchFamily="18" charset="0"/>
+                <a:hlinkClick r:id="rId6"/>
+              </a:rPr>
+              <a:t>http://</a:t>
+            </a:r>
+            <a:r>
+              <a:rPr lang="tr-TR" sz="2400" dirty="0" smtClean="0">
+                <a:latin typeface="Times New Roman" panose="02020603050405020304" pitchFamily="18" charset="0"/>
+                <a:cs typeface="Times New Roman" panose="02020603050405020304" pitchFamily="18" charset="0"/>
+                <a:hlinkClick r:id="rId6"/>
+              </a:rPr>
+              <a:t>plugins.netbeans.org/plugin/4425/ireport</a:t>
+            </a:r>
+            <a:endParaRPr lang="tr-TR" sz="2400" dirty="0" smtClean="0">
+              <a:latin typeface="Times New Roman" panose="02020603050405020304" pitchFamily="18" charset="0"/>
+              <a:cs typeface="Times New Roman" panose="02020603050405020304" pitchFamily="18" charset="0"/>
+            </a:endParaRPr>
+          </a:p>
+          <a:p>
+            <a:pPr marL="0" indent="0">
+              <a:buNone/>
+            </a:pPr>
+            <a:endParaRPr lang="tr-TR" sz="2400" dirty="0" smtClean="0">
+              <a:latin typeface="Times New Roman" panose="02020603050405020304" pitchFamily="18" charset="0"/>
+              <a:cs typeface="Times New Roman" panose="02020603050405020304" pitchFamily="18" charset="0"/>
+            </a:endParaRPr>
+          </a:p>
+          <a:p>
+            <a:endParaRPr lang="tr-TR" dirty="0">
+              <a:latin typeface="Times New Roman" panose="02020603050405020304" pitchFamily="18" charset="0"/>
+              <a:cs typeface="Times New Roman" panose="02020603050405020304" pitchFamily="18" charset="0"/>
+            </a:endParaRPr>
+          </a:p>
+          <a:p>
             <a:endParaRPr lang="tr-TR" dirty="0"/>
           </a:p>
         </p:txBody>
@@ -7513,7 +8832,7 @@
           <a:p>
             <a:fld id="{1F6ACD08-1775-4A2C-B3D6-C0E4325A4202}" type="slidenum">
               <a:rPr lang="tr-TR" smtClean="0"/>
-              <a:t>21</a:t>
+              <a:t>26</a:t>
             </a:fld>
             <a:endParaRPr lang="tr-TR" dirty="0"/>
           </a:p>
@@ -7801,7 +9120,7 @@
         <p:spPr>
           <a:xfrm>
             <a:off x="838200" y="365125"/>
-            <a:ext cx="10515600" cy="869315"/>
+            <a:ext cx="10515600" cy="697193"/>
           </a:xfrm>
         </p:spPr>
         <p:txBody>
@@ -7811,44 +9130,196 @@
           <a:lstStyle/>
           <a:p>
             <a:r>
+              <a:rPr lang="tr-TR" sz="4000" b="1" dirty="0" smtClean="0">
+                <a:latin typeface="Times New Roman" panose="02020603050405020304" pitchFamily="18" charset="0"/>
+                <a:cs typeface="Times New Roman" panose="02020603050405020304" pitchFamily="18" charset="0"/>
+              </a:rPr>
+              <a:t>Uygulama Çalıştırma</a:t>
+            </a:r>
+            <a:endParaRPr lang="tr-TR" sz="4000" dirty="0"/>
+          </a:p>
+        </p:txBody>
+      </p:sp>
+      <p:sp>
+        <p:nvSpPr>
+          <p:cNvPr id="3" name="İçerik Yer Tutucusu 2"/>
+          <p:cNvSpPr>
+            <a:spLocks noGrp="1"/>
+          </p:cNvSpPr>
+          <p:nvPr>
+            <p:ph idx="1"/>
+          </p:nvPr>
+        </p:nvSpPr>
+        <p:spPr>
+          <a:xfrm>
+            <a:off x="838200" y="1169894"/>
+            <a:ext cx="10515600" cy="5007069"/>
+          </a:xfrm>
+        </p:spPr>
+        <p:txBody>
+          <a:bodyPr>
+            <a:normAutofit/>
+          </a:bodyPr>
+          <a:lstStyle/>
+          <a:p>
+            <a:r>
+              <a:rPr lang="tr-TR" dirty="0" smtClean="0">
+                <a:latin typeface="Times New Roman" panose="02020603050405020304" pitchFamily="18" charset="0"/>
+                <a:cs typeface="Times New Roman" panose="02020603050405020304" pitchFamily="18" charset="0"/>
+              </a:rPr>
+              <a:t>Uygulamayı çalıştırmadan önce mysql veri tabanını açın</a:t>
+            </a:r>
+          </a:p>
+          <a:p>
+            <a:r>
+              <a:rPr lang="tr-TR" smtClean="0">
+                <a:latin typeface="Times New Roman" panose="02020603050405020304" pitchFamily="18" charset="0"/>
+                <a:cs typeface="Times New Roman" panose="02020603050405020304" pitchFamily="18" charset="0"/>
+              </a:rPr>
+              <a:t>Veri Tabanı altında </a:t>
+            </a:r>
+            <a:r>
+              <a:rPr lang="tr-TR" dirty="0" smtClean="0">
+                <a:latin typeface="Times New Roman" panose="02020603050405020304" pitchFamily="18" charset="0"/>
+                <a:cs typeface="Times New Roman" panose="02020603050405020304" pitchFamily="18" charset="0"/>
+              </a:rPr>
+              <a:t>bulunan veri tabanı bilgilerini sırasıyla mysql’ e yükleyin</a:t>
+            </a:r>
+            <a:endParaRPr lang="tr-TR" b="1" dirty="0">
+              <a:latin typeface="Times New Roman" panose="02020603050405020304" pitchFamily="18" charset="0"/>
+              <a:cs typeface="Times New Roman" panose="02020603050405020304" pitchFamily="18" charset="0"/>
+            </a:endParaRPr>
+          </a:p>
+          <a:p>
+            <a:r>
               <a:rPr lang="tr-TR" b="1" dirty="0" smtClean="0">
                 <a:latin typeface="Times New Roman" panose="02020603050405020304" pitchFamily="18" charset="0"/>
                 <a:cs typeface="Times New Roman" panose="02020603050405020304" pitchFamily="18" charset="0"/>
               </a:rPr>
-              <a:t>Gantt Chart</a:t>
-            </a:r>
-            <a:endParaRPr lang="tr-TR" sz="2400" dirty="0"/>
-          </a:p>
-        </p:txBody>
-      </p:sp>
-      <p:graphicFrame>
-        <p:nvGraphicFramePr>
-          <p:cNvPr id="4" name="İçerik Yer Tutucusu 3" descr="Stock Trucking Automation&#10;" title="Stock Trucking Automation"/>
-          <p:cNvGraphicFramePr>
-            <a:graphicFrameLocks noGrp="1"/>
-          </p:cNvGraphicFramePr>
-          <p:nvPr>
-            <p:ph idx="1"/>
-            <p:extLst>
-              <p:ext uri="{D42A27DB-BD31-4B8C-83A1-F6EECF244321}">
-                <p14:modId xmlns:p14="http://schemas.microsoft.com/office/powerpoint/2010/main" val="1174662469"/>
-              </p:ext>
-            </p:extLst>
-          </p:nvPr>
-        </p:nvGraphicFramePr>
-        <p:xfrm>
-          <a:off x="838200" y="1051560"/>
-          <a:ext cx="10942320" cy="5125403"/>
-        </p:xfrm>
-        <a:graphic>
-          <a:graphicData uri="http://schemas.openxmlformats.org/drawingml/2006/chart">
-            <c:chart xmlns:c="http://schemas.openxmlformats.org/drawingml/2006/chart" xmlns:r="http://schemas.openxmlformats.org/officeDocument/2006/relationships" r:id="rId2"/>
-          </a:graphicData>
-        </a:graphic>
-      </p:graphicFrame>
-      <p:sp>
-        <p:nvSpPr>
-          <p:cNvPr id="5" name="Slayt Numarası Yer Tutucusu 4"/>
+              <a:t>Tıkla</a:t>
+            </a:r>
+            <a:r>
+              <a:rPr lang="tr-TR" dirty="0" smtClean="0">
+                <a:latin typeface="Times New Roman" panose="02020603050405020304" pitchFamily="18" charset="0"/>
+                <a:cs typeface="Times New Roman" panose="02020603050405020304" pitchFamily="18" charset="0"/>
+              </a:rPr>
+              <a:t> </a:t>
+            </a:r>
+            <a:r>
+              <a:rPr lang="tr-TR" dirty="0" smtClean="0">
+                <a:latin typeface="Times New Roman" panose="02020603050405020304" pitchFamily="18" charset="0"/>
+                <a:cs typeface="Times New Roman" panose="02020603050405020304" pitchFamily="18" charset="0"/>
+              </a:rPr>
+              <a:t>-&gt; ..\\Stock Trucking Automation </a:t>
+            </a:r>
+            <a:r>
+              <a:rPr lang="tr-TR" dirty="0">
+                <a:latin typeface="Times New Roman" panose="02020603050405020304" pitchFamily="18" charset="0"/>
+                <a:cs typeface="Times New Roman" panose="02020603050405020304" pitchFamily="18" charset="0"/>
+              </a:rPr>
+              <a:t>\dist\Stock Tracking Automation.jar</a:t>
+            </a:r>
+            <a:endParaRPr lang="tr-TR" dirty="0" smtClean="0">
+              <a:latin typeface="Times New Roman" panose="02020603050405020304" pitchFamily="18" charset="0"/>
+              <a:cs typeface="Times New Roman" panose="02020603050405020304" pitchFamily="18" charset="0"/>
+            </a:endParaRPr>
+          </a:p>
+          <a:p>
+            <a:r>
+              <a:rPr lang="tr-TR" b="1" dirty="0" smtClean="0">
+                <a:latin typeface="Times New Roman" panose="02020603050405020304" pitchFamily="18" charset="0"/>
+                <a:cs typeface="Times New Roman" panose="02020603050405020304" pitchFamily="18" charset="0"/>
+              </a:rPr>
+              <a:t>Kullanıcılar</a:t>
+            </a:r>
+          </a:p>
+          <a:p>
+            <a:pPr lvl="1"/>
+            <a:r>
+              <a:rPr lang="tr-TR" dirty="0" smtClean="0">
+                <a:latin typeface="Times New Roman" panose="02020603050405020304" pitchFamily="18" charset="0"/>
+                <a:cs typeface="Times New Roman" panose="02020603050405020304" pitchFamily="18" charset="0"/>
+              </a:rPr>
+              <a:t>Admin</a:t>
+            </a:r>
+            <a:endParaRPr lang="tr-TR" dirty="0">
+              <a:latin typeface="Times New Roman" panose="02020603050405020304" pitchFamily="18" charset="0"/>
+              <a:cs typeface="Times New Roman" panose="02020603050405020304" pitchFamily="18" charset="0"/>
+            </a:endParaRPr>
+          </a:p>
+          <a:p>
+            <a:pPr lvl="2"/>
+            <a:r>
+              <a:rPr lang="tr-TR" dirty="0" smtClean="0">
+                <a:latin typeface="Times New Roman" panose="02020603050405020304" pitchFamily="18" charset="0"/>
+                <a:cs typeface="Times New Roman" panose="02020603050405020304" pitchFamily="18" charset="0"/>
+              </a:rPr>
+              <a:t>Kullanıcı Adı: oguzhan	Şifre: 1234</a:t>
+            </a:r>
+          </a:p>
+          <a:p>
+            <a:pPr lvl="1"/>
+            <a:r>
+              <a:rPr lang="tr-TR" dirty="0" smtClean="0">
+                <a:latin typeface="Times New Roman" panose="02020603050405020304" pitchFamily="18" charset="0"/>
+                <a:cs typeface="Times New Roman" panose="02020603050405020304" pitchFamily="18" charset="0"/>
+              </a:rPr>
+              <a:t>Satış Sorumlusu</a:t>
+            </a:r>
+          </a:p>
+          <a:p>
+            <a:pPr lvl="2"/>
+            <a:r>
+              <a:rPr lang="tr-TR" dirty="0" smtClean="0">
+                <a:latin typeface="Times New Roman" panose="02020603050405020304" pitchFamily="18" charset="0"/>
+                <a:cs typeface="Times New Roman" panose="02020603050405020304" pitchFamily="18" charset="0"/>
+              </a:rPr>
+              <a:t>Kullanıcı Adı: alihan	Şifre: 1234</a:t>
+            </a:r>
+            <a:endParaRPr lang="tr-TR" dirty="0">
+              <a:latin typeface="Times New Roman" panose="02020603050405020304" pitchFamily="18" charset="0"/>
+              <a:cs typeface="Times New Roman" panose="02020603050405020304" pitchFamily="18" charset="0"/>
+            </a:endParaRPr>
+          </a:p>
+          <a:p>
+            <a:pPr lvl="1"/>
+            <a:r>
+              <a:rPr lang="tr-TR" dirty="0" smtClean="0">
+                <a:latin typeface="Times New Roman" panose="02020603050405020304" pitchFamily="18" charset="0"/>
+                <a:cs typeface="Times New Roman" panose="02020603050405020304" pitchFamily="18" charset="0"/>
+              </a:rPr>
+              <a:t>Bölüm Yöneticisi</a:t>
+            </a:r>
+          </a:p>
+          <a:p>
+            <a:pPr lvl="2"/>
+            <a:r>
+              <a:rPr lang="tr-TR" dirty="0" smtClean="0">
+                <a:latin typeface="Times New Roman" panose="02020603050405020304" pitchFamily="18" charset="0"/>
+                <a:cs typeface="Times New Roman" panose="02020603050405020304" pitchFamily="18" charset="0"/>
+              </a:rPr>
+              <a:t>Kullanıcı Adı: yilmaz</a:t>
+            </a:r>
+            <a:r>
+              <a:rPr lang="tr-TR" dirty="0">
+                <a:latin typeface="Times New Roman" panose="02020603050405020304" pitchFamily="18" charset="0"/>
+                <a:cs typeface="Times New Roman" panose="02020603050405020304" pitchFamily="18" charset="0"/>
+              </a:rPr>
+              <a:t>	</a:t>
+            </a:r>
+            <a:r>
+              <a:rPr lang="tr-TR" dirty="0" smtClean="0">
+                <a:latin typeface="Times New Roman" panose="02020603050405020304" pitchFamily="18" charset="0"/>
+                <a:cs typeface="Times New Roman" panose="02020603050405020304" pitchFamily="18" charset="0"/>
+              </a:rPr>
+              <a:t>Şifre: 1234</a:t>
+            </a:r>
+          </a:p>
+        </p:txBody>
+      </p:sp>
+      <p:sp>
+        <p:nvSpPr>
+          <p:cNvPr id="4" name="Slayt Numarası Yer Tutucusu 3"/>
           <p:cNvSpPr>
             <a:spLocks noGrp="1"/>
           </p:cNvSpPr>
@@ -7872,20 +9343,13 @@
     </p:spTree>
     <p:extLst>
       <p:ext uri="{BB962C8B-B14F-4D97-AF65-F5344CB8AC3E}">
-        <p14:creationId xmlns:p14="http://schemas.microsoft.com/office/powerpoint/2010/main" val="1117921762"/>
+        <p14:creationId xmlns:p14="http://schemas.microsoft.com/office/powerpoint/2010/main" val="3253957108"/>
       </p:ext>
     </p:extLst>
   </p:cSld>
   <p:clrMapOvr>
     <a:masterClrMapping/>
   </p:clrMapOvr>
-  <p:timing>
-    <p:tnLst>
-      <p:par>
-        <p:cTn id="1" dur="indefinite" restart="never" nodeType="tmRoot"/>
-      </p:par>
-    </p:tnLst>
-  </p:timing>
 </p:sld>
 </file>
 
@@ -7918,13 +9382,13 @@
         </p:nvSpPr>
         <p:spPr>
           <a:xfrm>
-            <a:off x="838200" y="280511"/>
-            <a:ext cx="10515600" cy="662781"/>
+            <a:off x="838200" y="365125"/>
+            <a:ext cx="10515600" cy="869315"/>
           </a:xfrm>
         </p:spPr>
         <p:txBody>
           <a:bodyPr>
-            <a:normAutofit fontScale="90000"/>
+            <a:normAutofit/>
           </a:bodyPr>
           <a:lstStyle/>
           <a:p>
@@ -7933,47 +9397,40 @@
                 <a:latin typeface="Times New Roman" panose="02020603050405020304" pitchFamily="18" charset="0"/>
                 <a:cs typeface="Times New Roman" panose="02020603050405020304" pitchFamily="18" charset="0"/>
               </a:rPr>
-              <a:t>Kiviat Metrics Graph</a:t>
-            </a:r>
-            <a:endParaRPr lang="tr-TR" b="1" dirty="0">
-              <a:latin typeface="Times New Roman" panose="02020603050405020304" pitchFamily="18" charset="0"/>
-              <a:cs typeface="Times New Roman" panose="02020603050405020304" pitchFamily="18" charset="0"/>
-            </a:endParaRPr>
-          </a:p>
-        </p:txBody>
-      </p:sp>
-      <p:pic>
-        <p:nvPicPr>
-          <p:cNvPr id="4" name="İçerik Yer Tutucusu 3"/>
-          <p:cNvPicPr>
-            <a:picLocks noGrp="1" noChangeAspect="1"/>
-          </p:cNvPicPr>
+              <a:t>Gantt Chart</a:t>
+            </a:r>
+            <a:endParaRPr lang="tr-TR" sz="2400" dirty="0"/>
+          </a:p>
+        </p:txBody>
+      </p:sp>
+      <p:graphicFrame>
+        <p:nvGraphicFramePr>
+          <p:cNvPr id="4" name="İçerik Yer Tutucusu 3" descr="Stock Trucking Automation&#10;" title="Stock Trucking Automation"/>
+          <p:cNvGraphicFramePr>
+            <a:graphicFrameLocks noGrp="1"/>
+          </p:cNvGraphicFramePr>
           <p:nvPr>
             <p:ph idx="1"/>
-          </p:nvPr>
-        </p:nvPicPr>
-        <p:blipFill>
-          <a:blip r:embed="rId2">
-            <a:extLst>
-              <a:ext uri="{28A0092B-C50C-407E-A947-70E740481C1C}">
-                <a14:useLocalDpi xmlns:a14="http://schemas.microsoft.com/office/drawing/2010/main" val="0"/>
-              </a:ext>
-            </a:extLst>
-          </a:blip>
-          <a:stretch>
-            <a:fillRect/>
-          </a:stretch>
-        </p:blipFill>
-        <p:spPr>
-          <a:xfrm>
-            <a:off x="838200" y="943292"/>
-            <a:ext cx="10286999" cy="5557691"/>
-          </a:xfrm>
-        </p:spPr>
-      </p:pic>
-      <p:sp>
-        <p:nvSpPr>
-          <p:cNvPr id="6" name="Slayt Numarası Yer Tutucusu 5"/>
+            <p:extLst>
+              <p:ext uri="{D42A27DB-BD31-4B8C-83A1-F6EECF244321}">
+                <p14:modId xmlns:p14="http://schemas.microsoft.com/office/powerpoint/2010/main" val="1174662469"/>
+              </p:ext>
+            </p:extLst>
+          </p:nvPr>
+        </p:nvGraphicFramePr>
+        <p:xfrm>
+          <a:off x="838200" y="1051560"/>
+          <a:ext cx="10942320" cy="5125403"/>
+        </p:xfrm>
+        <a:graphic>
+          <a:graphicData uri="http://schemas.openxmlformats.org/drawingml/2006/chart">
+            <c:chart xmlns:c="http://schemas.openxmlformats.org/drawingml/2006/chart" xmlns:r="http://schemas.openxmlformats.org/officeDocument/2006/relationships" r:id="rId2"/>
+          </a:graphicData>
+        </a:graphic>
+      </p:graphicFrame>
+      <p:sp>
+        <p:nvSpPr>
+          <p:cNvPr id="5" name="Slayt Numarası Yer Tutucusu 4"/>
           <p:cNvSpPr>
             <a:spLocks noGrp="1"/>
           </p:cNvSpPr>
@@ -7997,7 +9454,7 @@
     </p:spTree>
     <p:extLst>
       <p:ext uri="{BB962C8B-B14F-4D97-AF65-F5344CB8AC3E}">
-        <p14:creationId xmlns:p14="http://schemas.microsoft.com/office/powerpoint/2010/main" val="2089052227"/>
+        <p14:creationId xmlns:p14="http://schemas.microsoft.com/office/powerpoint/2010/main" val="1117921762"/>
       </p:ext>
     </p:extLst>
   </p:cSld>
@@ -8043,8 +9500,8 @@
         </p:nvSpPr>
         <p:spPr>
           <a:xfrm>
-            <a:off x="259080" y="410845"/>
-            <a:ext cx="3973874" cy="457835"/>
+            <a:off x="838200" y="280511"/>
+            <a:ext cx="10515600" cy="662781"/>
           </a:xfrm>
         </p:spPr>
         <p:txBody>
@@ -8058,7 +9515,7 @@
                 <a:latin typeface="Times New Roman" panose="02020603050405020304" pitchFamily="18" charset="0"/>
                 <a:cs typeface="Times New Roman" panose="02020603050405020304" pitchFamily="18" charset="0"/>
               </a:rPr>
-              <a:t>Block Histogram</a:t>
+              <a:t>Kiviat Metrics Graph</a:t>
             </a:r>
             <a:endParaRPr lang="tr-TR" b="1" dirty="0">
               <a:latin typeface="Times New Roman" panose="02020603050405020304" pitchFamily="18" charset="0"/>
@@ -8078,24 +9535,27 @@
           </p:nvPr>
         </p:nvPicPr>
         <p:blipFill>
-          <a:blip r:embed="rId2"/>
+          <a:blip r:embed="rId2">
+            <a:extLst>
+              <a:ext uri="{28A0092B-C50C-407E-A947-70E740481C1C}">
+                <a14:useLocalDpi xmlns:a14="http://schemas.microsoft.com/office/drawing/2010/main" val="0"/>
+              </a:ext>
+            </a:extLst>
+          </a:blip>
           <a:stretch>
             <a:fillRect/>
           </a:stretch>
         </p:blipFill>
         <p:spPr>
           <a:xfrm>
-            <a:off x="4232954" y="0"/>
-            <a:ext cx="7959046" cy="6674045"/>
+            <a:off x="838200" y="943292"/>
+            <a:ext cx="10286999" cy="5557691"/>
           </a:xfrm>
-          <a:prstGeom prst="rect">
-            <a:avLst/>
-          </a:prstGeom>
         </p:spPr>
       </p:pic>
       <p:sp>
         <p:nvSpPr>
-          <p:cNvPr id="5" name="Slayt Numarası Yer Tutucusu 4"/>
+          <p:cNvPr id="6" name="Slayt Numarası Yer Tutucusu 5"/>
           <p:cNvSpPr>
             <a:spLocks noGrp="1"/>
           </p:cNvSpPr>
@@ -8119,7 +9579,7 @@
     </p:spTree>
     <p:extLst>
       <p:ext uri="{BB962C8B-B14F-4D97-AF65-F5344CB8AC3E}">
-        <p14:creationId xmlns:p14="http://schemas.microsoft.com/office/powerpoint/2010/main" val="3589374254"/>
+        <p14:creationId xmlns:p14="http://schemas.microsoft.com/office/powerpoint/2010/main" val="2089052227"/>
       </p:ext>
     </p:extLst>
   </p:cSld>
@@ -8165,24 +9625,24 @@
         </p:nvSpPr>
         <p:spPr>
           <a:xfrm>
-            <a:off x="838200" y="365125"/>
-            <a:ext cx="10515600" cy="777875"/>
+            <a:off x="259080" y="410845"/>
+            <a:ext cx="3973874" cy="457835"/>
           </a:xfrm>
         </p:spPr>
         <p:txBody>
           <a:bodyPr>
-            <a:normAutofit/>
+            <a:normAutofit fontScale="90000"/>
           </a:bodyPr>
           <a:lstStyle/>
           <a:p>
             <a:r>
-              <a:rPr lang="tr-TR" sz="4000" b="1" dirty="0" smtClean="0">
-                <a:latin typeface="Times New Roman" panose="02020603050405020304" pitchFamily="18" charset="0"/>
-                <a:cs typeface="Times New Roman" panose="02020603050405020304" pitchFamily="18" charset="0"/>
-              </a:rPr>
-              <a:t>Database Diagram</a:t>
-            </a:r>
-            <a:endParaRPr lang="tr-TR" sz="4000" b="1" dirty="0">
+              <a:rPr lang="tr-TR" b="1" dirty="0" smtClean="0">
+                <a:latin typeface="Times New Roman" panose="02020603050405020304" pitchFamily="18" charset="0"/>
+                <a:cs typeface="Times New Roman" panose="02020603050405020304" pitchFamily="18" charset="0"/>
+              </a:rPr>
+              <a:t>Block Histogram</a:t>
+            </a:r>
+            <a:endParaRPr lang="tr-TR" b="1" dirty="0">
               <a:latin typeface="Times New Roman" panose="02020603050405020304" pitchFamily="18" charset="0"/>
               <a:cs typeface="Times New Roman" panose="02020603050405020304" pitchFamily="18" charset="0"/>
             </a:endParaRPr>
@@ -8200,22 +9660,19 @@
           </p:nvPr>
         </p:nvPicPr>
         <p:blipFill>
-          <a:blip r:embed="rId2">
-            <a:extLst>
-              <a:ext uri="{28A0092B-C50C-407E-A947-70E740481C1C}">
-                <a14:useLocalDpi xmlns:a14="http://schemas.microsoft.com/office/drawing/2010/main" val="0"/>
-              </a:ext>
-            </a:extLst>
-          </a:blip>
+          <a:blip r:embed="rId2"/>
           <a:stretch>
             <a:fillRect/>
           </a:stretch>
         </p:blipFill>
         <p:spPr>
           <a:xfrm>
-            <a:off x="1539240" y="1258437"/>
-            <a:ext cx="9128759" cy="5526878"/>
+            <a:off x="4232954" y="0"/>
+            <a:ext cx="7959046" cy="6674045"/>
           </a:xfrm>
+          <a:prstGeom prst="rect">
+            <a:avLst/>
+          </a:prstGeom>
         </p:spPr>
       </p:pic>
       <p:sp>
@@ -8244,7 +9701,7 @@
     </p:spTree>
     <p:extLst>
       <p:ext uri="{BB962C8B-B14F-4D97-AF65-F5344CB8AC3E}">
-        <p14:creationId xmlns:p14="http://schemas.microsoft.com/office/powerpoint/2010/main" val="2295424827"/>
+        <p14:creationId xmlns:p14="http://schemas.microsoft.com/office/powerpoint/2010/main" val="3589374254"/>
       </p:ext>
     </p:extLst>
   </p:cSld>
@@ -8290,510 +9747,62 @@
         </p:nvSpPr>
         <p:spPr>
           <a:xfrm>
-            <a:off x="838200" y="244103"/>
-            <a:ext cx="10515600" cy="562722"/>
+            <a:off x="838200" y="365125"/>
+            <a:ext cx="10515600" cy="777875"/>
           </a:xfrm>
         </p:spPr>
         <p:txBody>
           <a:bodyPr>
-            <a:normAutofit fontScale="90000"/>
+            <a:normAutofit/>
           </a:bodyPr>
           <a:lstStyle/>
           <a:p>
             <a:r>
-              <a:rPr lang="tr-TR" dirty="0" smtClean="0">
-                <a:latin typeface="Times New Roman" panose="02020603050405020304" pitchFamily="18" charset="0"/>
-                <a:cs typeface="Times New Roman" panose="02020603050405020304" pitchFamily="18" charset="0"/>
-              </a:rPr>
-              <a:t>Sınıflar</a:t>
-            </a:r>
-            <a:endParaRPr lang="tr-TR" dirty="0">
+              <a:rPr lang="tr-TR" sz="4000" b="1" dirty="0" smtClean="0">
+                <a:latin typeface="Times New Roman" panose="02020603050405020304" pitchFamily="18" charset="0"/>
+                <a:cs typeface="Times New Roman" panose="02020603050405020304" pitchFamily="18" charset="0"/>
+              </a:rPr>
+              <a:t>Database Diagram</a:t>
+            </a:r>
+            <a:endParaRPr lang="tr-TR" sz="4000" b="1" dirty="0">
               <a:latin typeface="Times New Roman" panose="02020603050405020304" pitchFamily="18" charset="0"/>
               <a:cs typeface="Times New Roman" panose="02020603050405020304" pitchFamily="18" charset="0"/>
             </a:endParaRPr>
           </a:p>
         </p:txBody>
       </p:sp>
-      <p:sp>
-        <p:nvSpPr>
-          <p:cNvPr id="3" name="İçerik Yer Tutucusu 2"/>
-          <p:cNvSpPr>
-            <a:spLocks noGrp="1"/>
-          </p:cNvSpPr>
+      <p:pic>
+        <p:nvPicPr>
+          <p:cNvPr id="4" name="İçerik Yer Tutucusu 3"/>
+          <p:cNvPicPr>
+            <a:picLocks noGrp="1" noChangeAspect="1"/>
+          </p:cNvPicPr>
           <p:nvPr>
             <p:ph idx="1"/>
           </p:nvPr>
-        </p:nvSpPr>
+        </p:nvPicPr>
+        <p:blipFill>
+          <a:blip r:embed="rId2">
+            <a:extLst>
+              <a:ext uri="{28A0092B-C50C-407E-A947-70E740481C1C}">
+                <a14:useLocalDpi xmlns:a14="http://schemas.microsoft.com/office/drawing/2010/main" val="0"/>
+              </a:ext>
+            </a:extLst>
+          </a:blip>
+          <a:stretch>
+            <a:fillRect/>
+          </a:stretch>
+        </p:blipFill>
         <p:spPr>
           <a:xfrm>
-            <a:off x="838200" y="806825"/>
-            <a:ext cx="10515600" cy="5914650"/>
+            <a:off x="1539240" y="1258437"/>
+            <a:ext cx="9128759" cy="5526878"/>
           </a:xfrm>
         </p:spPr>
-        <p:txBody>
-          <a:bodyPr>
-            <a:normAutofit fontScale="92500" lnSpcReduction="10000"/>
-          </a:bodyPr>
-          <a:lstStyle/>
-          <a:p>
-            <a:pPr marL="342900" indent="-342900">
-              <a:buFont typeface="+mj-lt"/>
-              <a:buAutoNum type="arabicPeriod"/>
-            </a:pPr>
-            <a:r>
-              <a:rPr lang="tr-TR" sz="1800" dirty="0" smtClean="0">
-                <a:latin typeface="Times New Roman" panose="02020603050405020304" pitchFamily="18" charset="0"/>
-                <a:cs typeface="Times New Roman" panose="02020603050405020304" pitchFamily="18" charset="0"/>
-              </a:rPr>
-              <a:t>Controller Package</a:t>
-            </a:r>
-          </a:p>
-          <a:p>
-            <a:pPr lvl="1"/>
-            <a:r>
-              <a:rPr lang="tr-TR" sz="1600" dirty="0" smtClean="0">
-                <a:latin typeface="Times New Roman" panose="02020603050405020304" pitchFamily="18" charset="0"/>
-                <a:cs typeface="Times New Roman" panose="02020603050405020304" pitchFamily="18" charset="0"/>
-              </a:rPr>
-              <a:t>AdminScreenController: Yönetici ve Satış Sorumlusunun kullandığı ekranın kontrol etmekte kullanılır.</a:t>
-            </a:r>
-          </a:p>
-          <a:p>
-            <a:pPr lvl="1"/>
-            <a:r>
-              <a:rPr lang="tr-TR" sz="1600" dirty="0" smtClean="0">
-                <a:latin typeface="Times New Roman" panose="02020603050405020304" pitchFamily="18" charset="0"/>
-                <a:cs typeface="Times New Roman" panose="02020603050405020304" pitchFamily="18" charset="0"/>
-              </a:rPr>
-              <a:t>DepartmentManagerController: Bölüm Yöneticisinin kullandığı </a:t>
-            </a:r>
-            <a:r>
-              <a:rPr lang="tr-TR" sz="1600" dirty="0">
-                <a:latin typeface="Times New Roman" panose="02020603050405020304" pitchFamily="18" charset="0"/>
-                <a:cs typeface="Times New Roman" panose="02020603050405020304" pitchFamily="18" charset="0"/>
-              </a:rPr>
-              <a:t>ekranın kontrol etmekte kullanılır</a:t>
-            </a:r>
-            <a:r>
-              <a:rPr lang="tr-TR" sz="1600" dirty="0" smtClean="0">
-                <a:latin typeface="Times New Roman" panose="02020603050405020304" pitchFamily="18" charset="0"/>
-                <a:cs typeface="Times New Roman" panose="02020603050405020304" pitchFamily="18" charset="0"/>
-              </a:rPr>
-              <a:t>.</a:t>
-            </a:r>
-          </a:p>
-          <a:p>
-            <a:pPr lvl="1"/>
-            <a:r>
-              <a:rPr lang="tr-TR" sz="1600" dirty="0" smtClean="0">
-                <a:latin typeface="Times New Roman" panose="02020603050405020304" pitchFamily="18" charset="0"/>
-                <a:cs typeface="Times New Roman" panose="02020603050405020304" pitchFamily="18" charset="0"/>
-              </a:rPr>
-              <a:t>Report: Rapor çıktılarının kontrol edildiği ve ekrana basıldığı sınıf</a:t>
-            </a:r>
-          </a:p>
-          <a:p>
-            <a:pPr lvl="1"/>
-            <a:r>
-              <a:rPr lang="tr-TR" sz="1600" dirty="0" smtClean="0">
-                <a:latin typeface="Times New Roman" panose="02020603050405020304" pitchFamily="18" charset="0"/>
-                <a:cs typeface="Times New Roman" panose="02020603050405020304" pitchFamily="18" charset="0"/>
-              </a:rPr>
-              <a:t>SignInController: Giriş Ekranını kontrol etmek için kullanılan sınıf</a:t>
-            </a:r>
-          </a:p>
-          <a:p>
-            <a:pPr lvl="1"/>
-            <a:r>
-              <a:rPr lang="tr-TR" sz="1600" dirty="0" smtClean="0">
-                <a:latin typeface="Times New Roman" panose="02020603050405020304" pitchFamily="18" charset="0"/>
-                <a:cs typeface="Times New Roman" panose="02020603050405020304" pitchFamily="18" charset="0"/>
-              </a:rPr>
-              <a:t>SignUpController: Kayıt Ekranını kontrol etmek için kullanılan sınıf</a:t>
-            </a:r>
-            <a:endParaRPr lang="tr-TR" sz="1600" dirty="0">
-              <a:latin typeface="Times New Roman" panose="02020603050405020304" pitchFamily="18" charset="0"/>
-              <a:cs typeface="Times New Roman" panose="02020603050405020304" pitchFamily="18" charset="0"/>
-            </a:endParaRPr>
-          </a:p>
-          <a:p>
-            <a:pPr marL="342900" indent="-342900">
-              <a:buFont typeface="+mj-lt"/>
-              <a:buAutoNum type="arabicPeriod"/>
-            </a:pPr>
-            <a:r>
-              <a:rPr lang="tr-TR" sz="1800" dirty="0" smtClean="0">
-                <a:latin typeface="Times New Roman" panose="02020603050405020304" pitchFamily="18" charset="0"/>
-                <a:cs typeface="Times New Roman" panose="02020603050405020304" pitchFamily="18" charset="0"/>
-              </a:rPr>
-              <a:t>Model Packages</a:t>
-            </a:r>
-            <a:endParaRPr lang="tr-TR" sz="1800" dirty="0">
-              <a:latin typeface="Times New Roman" panose="02020603050405020304" pitchFamily="18" charset="0"/>
-              <a:cs typeface="Times New Roman" panose="02020603050405020304" pitchFamily="18" charset="0"/>
-            </a:endParaRPr>
-          </a:p>
-          <a:p>
-            <a:pPr lvl="1"/>
-            <a:r>
-              <a:rPr lang="tr-TR" sz="1600" dirty="0" smtClean="0">
-                <a:latin typeface="Times New Roman" panose="02020603050405020304" pitchFamily="18" charset="0"/>
-                <a:cs typeface="Times New Roman" panose="02020603050405020304" pitchFamily="18" charset="0"/>
-              </a:rPr>
-              <a:t>DBHelper: Tüm veritabanı işlemlerinin yönetildiği sınıf</a:t>
-            </a:r>
-          </a:p>
-          <a:p>
-            <a:pPr lvl="1"/>
-            <a:r>
-              <a:rPr lang="tr-TR" sz="1600" dirty="0" smtClean="0">
-                <a:latin typeface="Times New Roman" panose="02020603050405020304" pitchFamily="18" charset="0"/>
-                <a:cs typeface="Times New Roman" panose="02020603050405020304" pitchFamily="18" charset="0"/>
-              </a:rPr>
-              <a:t>TreeTableViewer: Tüm nesneleri ekrana TreeTableView bileşenlerine eklemek ve yönetmekte kullanılan sınıf</a:t>
-            </a:r>
-          </a:p>
-          <a:p>
-            <a:pPr lvl="1"/>
-            <a:r>
-              <a:rPr lang="tr-TR" sz="1600" dirty="0" smtClean="0">
-                <a:latin typeface="Times New Roman" panose="02020603050405020304" pitchFamily="18" charset="0"/>
-                <a:cs typeface="Times New Roman" panose="02020603050405020304" pitchFamily="18" charset="0"/>
-              </a:rPr>
-              <a:t>Assign: Zimmetleri taşımakta kullanılan nesnenin sınıfı</a:t>
-            </a:r>
-          </a:p>
-          <a:p>
-            <a:pPr lvl="1"/>
-            <a:r>
-              <a:rPr lang="tr-TR" sz="1600" dirty="0" smtClean="0">
-                <a:latin typeface="Times New Roman" panose="02020603050405020304" pitchFamily="18" charset="0"/>
-                <a:cs typeface="Times New Roman" panose="02020603050405020304" pitchFamily="18" charset="0"/>
-              </a:rPr>
-              <a:t>Personnel: Personelleri </a:t>
-            </a:r>
-            <a:r>
-              <a:rPr lang="tr-TR" sz="1600" dirty="0">
-                <a:latin typeface="Times New Roman" panose="02020603050405020304" pitchFamily="18" charset="0"/>
-                <a:cs typeface="Times New Roman" panose="02020603050405020304" pitchFamily="18" charset="0"/>
-              </a:rPr>
-              <a:t>taşımakta kullanılan nesnenin </a:t>
-            </a:r>
-            <a:r>
-              <a:rPr lang="tr-TR" sz="1600" dirty="0" smtClean="0">
-                <a:latin typeface="Times New Roman" panose="02020603050405020304" pitchFamily="18" charset="0"/>
-                <a:cs typeface="Times New Roman" panose="02020603050405020304" pitchFamily="18" charset="0"/>
-              </a:rPr>
-              <a:t>sınıfı</a:t>
-            </a:r>
-          </a:p>
-          <a:p>
-            <a:pPr lvl="1"/>
-            <a:r>
-              <a:rPr lang="tr-TR" sz="1600" dirty="0" smtClean="0">
-                <a:latin typeface="Times New Roman" panose="02020603050405020304" pitchFamily="18" charset="0"/>
-                <a:cs typeface="Times New Roman" panose="02020603050405020304" pitchFamily="18" charset="0"/>
-              </a:rPr>
-              <a:t>Product: Ürünleri </a:t>
-            </a:r>
-            <a:r>
-              <a:rPr lang="tr-TR" sz="1600" dirty="0">
-                <a:latin typeface="Times New Roman" panose="02020603050405020304" pitchFamily="18" charset="0"/>
-                <a:cs typeface="Times New Roman" panose="02020603050405020304" pitchFamily="18" charset="0"/>
-              </a:rPr>
-              <a:t>taşımakta kullanılan nesnenin </a:t>
-            </a:r>
-            <a:r>
-              <a:rPr lang="tr-TR" sz="1600" dirty="0" smtClean="0">
-                <a:latin typeface="Times New Roman" panose="02020603050405020304" pitchFamily="18" charset="0"/>
-                <a:cs typeface="Times New Roman" panose="02020603050405020304" pitchFamily="18" charset="0"/>
-              </a:rPr>
-              <a:t>sınıfı</a:t>
-            </a:r>
-          </a:p>
-          <a:p>
-            <a:pPr lvl="1"/>
-            <a:r>
-              <a:rPr lang="tr-TR" sz="1600" dirty="0" smtClean="0">
-                <a:latin typeface="Times New Roman" panose="02020603050405020304" pitchFamily="18" charset="0"/>
-                <a:cs typeface="Times New Roman" panose="02020603050405020304" pitchFamily="18" charset="0"/>
-              </a:rPr>
-              <a:t>BuyStock: Satın alınacak olan ürünleri </a:t>
-            </a:r>
-            <a:r>
-              <a:rPr lang="tr-TR" sz="1600" dirty="0">
-                <a:latin typeface="Times New Roman" panose="02020603050405020304" pitchFamily="18" charset="0"/>
-                <a:cs typeface="Times New Roman" panose="02020603050405020304" pitchFamily="18" charset="0"/>
-              </a:rPr>
-              <a:t>taşımakta kullanılan nesnenin </a:t>
-            </a:r>
-            <a:r>
-              <a:rPr lang="tr-TR" sz="1600" dirty="0" smtClean="0">
-                <a:latin typeface="Times New Roman" panose="02020603050405020304" pitchFamily="18" charset="0"/>
-                <a:cs typeface="Times New Roman" panose="02020603050405020304" pitchFamily="18" charset="0"/>
-              </a:rPr>
-              <a:t>sınıfı</a:t>
-            </a:r>
-          </a:p>
-          <a:p>
-            <a:pPr lvl="1"/>
-            <a:r>
-              <a:rPr lang="tr-TR" sz="1600" dirty="0" smtClean="0">
-                <a:latin typeface="Times New Roman" panose="02020603050405020304" pitchFamily="18" charset="0"/>
-                <a:cs typeface="Times New Roman" panose="02020603050405020304" pitchFamily="18" charset="0"/>
-              </a:rPr>
-              <a:t>Department: Bölümleri </a:t>
-            </a:r>
-            <a:r>
-              <a:rPr lang="tr-TR" sz="1600" dirty="0">
-                <a:latin typeface="Times New Roman" panose="02020603050405020304" pitchFamily="18" charset="0"/>
-                <a:cs typeface="Times New Roman" panose="02020603050405020304" pitchFamily="18" charset="0"/>
-              </a:rPr>
-              <a:t>taşımakta kullanılan nesnenin </a:t>
-            </a:r>
-            <a:r>
-              <a:rPr lang="tr-TR" sz="1600" dirty="0" smtClean="0">
-                <a:latin typeface="Times New Roman" panose="02020603050405020304" pitchFamily="18" charset="0"/>
-                <a:cs typeface="Times New Roman" panose="02020603050405020304" pitchFamily="18" charset="0"/>
-              </a:rPr>
-              <a:t>sınıfı</a:t>
-            </a:r>
-          </a:p>
-          <a:p>
-            <a:pPr lvl="1"/>
-            <a:r>
-              <a:rPr lang="tr-TR" sz="1600" dirty="0" smtClean="0">
-                <a:latin typeface="Times New Roman" panose="02020603050405020304" pitchFamily="18" charset="0"/>
-                <a:cs typeface="Times New Roman" panose="02020603050405020304" pitchFamily="18" charset="0"/>
-              </a:rPr>
-              <a:t>Job: İşleri </a:t>
-            </a:r>
-            <a:r>
-              <a:rPr lang="tr-TR" sz="1600" dirty="0">
-                <a:latin typeface="Times New Roman" panose="02020603050405020304" pitchFamily="18" charset="0"/>
-                <a:cs typeface="Times New Roman" panose="02020603050405020304" pitchFamily="18" charset="0"/>
-              </a:rPr>
-              <a:t>taşımakta kullanılan nesnenin sınıfı</a:t>
-            </a:r>
-          </a:p>
-          <a:p>
-            <a:pPr lvl="1"/>
-            <a:r>
-              <a:rPr lang="tr-TR" sz="1600" dirty="0" smtClean="0">
-                <a:latin typeface="Times New Roman" panose="02020603050405020304" pitchFamily="18" charset="0"/>
-                <a:cs typeface="Times New Roman" panose="02020603050405020304" pitchFamily="18" charset="0"/>
-              </a:rPr>
-              <a:t>Company: Şirketleri </a:t>
-            </a:r>
-            <a:r>
-              <a:rPr lang="tr-TR" sz="1600" dirty="0">
-                <a:latin typeface="Times New Roman" panose="02020603050405020304" pitchFamily="18" charset="0"/>
-                <a:cs typeface="Times New Roman" panose="02020603050405020304" pitchFamily="18" charset="0"/>
-              </a:rPr>
-              <a:t>taşımakta kullanılan nesnenin </a:t>
-            </a:r>
-            <a:r>
-              <a:rPr lang="tr-TR" sz="1600" dirty="0" smtClean="0">
-                <a:latin typeface="Times New Roman" panose="02020603050405020304" pitchFamily="18" charset="0"/>
-                <a:cs typeface="Times New Roman" panose="02020603050405020304" pitchFamily="18" charset="0"/>
-              </a:rPr>
-              <a:t>sınıfı</a:t>
-            </a:r>
-          </a:p>
-          <a:p>
-            <a:pPr lvl="1"/>
-            <a:r>
-              <a:rPr lang="tr-TR" sz="1600" dirty="0" smtClean="0">
-                <a:latin typeface="Times New Roman" panose="02020603050405020304" pitchFamily="18" charset="0"/>
-                <a:cs typeface="Times New Roman" panose="02020603050405020304" pitchFamily="18" charset="0"/>
-              </a:rPr>
-              <a:t>AssignTreeTable: Zimmetleri basit olarak ekrandaki </a:t>
-            </a:r>
-            <a:r>
-              <a:rPr lang="tr-TR" sz="1600" dirty="0">
-                <a:latin typeface="Times New Roman" panose="02020603050405020304" pitchFamily="18" charset="0"/>
-                <a:cs typeface="Times New Roman" panose="02020603050405020304" pitchFamily="18" charset="0"/>
-              </a:rPr>
-              <a:t>ilgili </a:t>
-            </a:r>
-            <a:r>
-              <a:rPr lang="tr-TR" sz="1600" dirty="0" smtClean="0">
-                <a:latin typeface="Times New Roman" panose="02020603050405020304" pitchFamily="18" charset="0"/>
-                <a:cs typeface="Times New Roman" panose="02020603050405020304" pitchFamily="18" charset="0"/>
-              </a:rPr>
-              <a:t>TreeTableView nesnesine eklemek ve o nesneyi taşımak için kullanılan sınıf</a:t>
-            </a:r>
-          </a:p>
-          <a:p>
-            <a:pPr lvl="1"/>
-            <a:r>
-              <a:rPr lang="tr-TR" sz="1600" dirty="0" smtClean="0">
-                <a:latin typeface="Times New Roman" panose="02020603050405020304" pitchFamily="18" charset="0"/>
-                <a:cs typeface="Times New Roman" panose="02020603050405020304" pitchFamily="18" charset="0"/>
-              </a:rPr>
-              <a:t>AssignFullTreeTable :Zimmetleri tüm özellikli </a:t>
-            </a:r>
-            <a:r>
-              <a:rPr lang="tr-TR" sz="1600" dirty="0">
-                <a:latin typeface="Times New Roman" panose="02020603050405020304" pitchFamily="18" charset="0"/>
-                <a:cs typeface="Times New Roman" panose="02020603050405020304" pitchFamily="18" charset="0"/>
-              </a:rPr>
-              <a:t>olarak ekrandaki ilgili </a:t>
-            </a:r>
-            <a:r>
-              <a:rPr lang="tr-TR" sz="1600" dirty="0" smtClean="0">
-                <a:latin typeface="Times New Roman" panose="02020603050405020304" pitchFamily="18" charset="0"/>
-                <a:cs typeface="Times New Roman" panose="02020603050405020304" pitchFamily="18" charset="0"/>
-              </a:rPr>
-              <a:t>TreeTableView </a:t>
-            </a:r>
-            <a:r>
-              <a:rPr lang="tr-TR" sz="1600" dirty="0">
-                <a:latin typeface="Times New Roman" panose="02020603050405020304" pitchFamily="18" charset="0"/>
-                <a:cs typeface="Times New Roman" panose="02020603050405020304" pitchFamily="18" charset="0"/>
-              </a:rPr>
-              <a:t>nesnesine eklemek ve o nesneyi taşımak için kullanılan </a:t>
-            </a:r>
-            <a:r>
-              <a:rPr lang="tr-TR" sz="1600" dirty="0" smtClean="0">
-                <a:latin typeface="Times New Roman" panose="02020603050405020304" pitchFamily="18" charset="0"/>
-                <a:cs typeface="Times New Roman" panose="02020603050405020304" pitchFamily="18" charset="0"/>
-              </a:rPr>
-              <a:t>sınıf</a:t>
-            </a:r>
-          </a:p>
-          <a:p>
-            <a:pPr lvl="1"/>
-            <a:r>
-              <a:rPr lang="tr-TR" sz="1600" dirty="0" smtClean="0">
-                <a:latin typeface="Times New Roman" panose="02020603050405020304" pitchFamily="18" charset="0"/>
-                <a:cs typeface="Times New Roman" panose="02020603050405020304" pitchFamily="18" charset="0"/>
-              </a:rPr>
-              <a:t>PersonnelTreeTable: Personelleri ekrandaki</a:t>
-            </a:r>
-            <a:r>
-              <a:rPr lang="tr-TR" sz="1600" dirty="0">
-                <a:latin typeface="Times New Roman" panose="02020603050405020304" pitchFamily="18" charset="0"/>
-                <a:cs typeface="Times New Roman" panose="02020603050405020304" pitchFamily="18" charset="0"/>
-              </a:rPr>
-              <a:t> </a:t>
-            </a:r>
-            <a:r>
-              <a:rPr lang="tr-TR" sz="1600" dirty="0" smtClean="0">
-                <a:latin typeface="Times New Roman" panose="02020603050405020304" pitchFamily="18" charset="0"/>
-                <a:cs typeface="Times New Roman" panose="02020603050405020304" pitchFamily="18" charset="0"/>
-              </a:rPr>
-              <a:t>ilgili </a:t>
-            </a:r>
-            <a:r>
-              <a:rPr lang="tr-TR" sz="1600" dirty="0">
-                <a:latin typeface="Times New Roman" panose="02020603050405020304" pitchFamily="18" charset="0"/>
-                <a:cs typeface="Times New Roman" panose="02020603050405020304" pitchFamily="18" charset="0"/>
-              </a:rPr>
-              <a:t>TreeTableView nesnesine eklemek ve o nesneyi taşımak için kullanılan sınıf</a:t>
-            </a:r>
-          </a:p>
-          <a:p>
-            <a:pPr lvl="1"/>
-            <a:r>
-              <a:rPr lang="tr-TR" sz="1600" dirty="0" smtClean="0">
-                <a:latin typeface="Times New Roman" panose="02020603050405020304" pitchFamily="18" charset="0"/>
-                <a:cs typeface="Times New Roman" panose="02020603050405020304" pitchFamily="18" charset="0"/>
-              </a:rPr>
-              <a:t>ProductTreeTable: Ürünleri ekrandaki ilgili TreeTableView </a:t>
-            </a:r>
-            <a:r>
-              <a:rPr lang="tr-TR" sz="1600" dirty="0">
-                <a:latin typeface="Times New Roman" panose="02020603050405020304" pitchFamily="18" charset="0"/>
-                <a:cs typeface="Times New Roman" panose="02020603050405020304" pitchFamily="18" charset="0"/>
-              </a:rPr>
-              <a:t>nesnesine eklemek ve o nesneyi taşımak için kullanılan </a:t>
-            </a:r>
-            <a:r>
-              <a:rPr lang="tr-TR" sz="1600" dirty="0" smtClean="0">
-                <a:latin typeface="Times New Roman" panose="02020603050405020304" pitchFamily="18" charset="0"/>
-                <a:cs typeface="Times New Roman" panose="02020603050405020304" pitchFamily="18" charset="0"/>
-              </a:rPr>
-              <a:t>sınıf</a:t>
-            </a:r>
-          </a:p>
-          <a:p>
-            <a:pPr lvl="1"/>
-            <a:r>
-              <a:rPr lang="tr-TR" sz="1600" dirty="0" smtClean="0">
-                <a:latin typeface="Times New Roman" panose="02020603050405020304" pitchFamily="18" charset="0"/>
-                <a:cs typeface="Times New Roman" panose="02020603050405020304" pitchFamily="18" charset="0"/>
-              </a:rPr>
-              <a:t>BuyStockTreeTable: Satın alıncak ürünleri </a:t>
-            </a:r>
-            <a:r>
-              <a:rPr lang="tr-TR" sz="1600" dirty="0">
-                <a:latin typeface="Times New Roman" panose="02020603050405020304" pitchFamily="18" charset="0"/>
-                <a:cs typeface="Times New Roman" panose="02020603050405020304" pitchFamily="18" charset="0"/>
-              </a:rPr>
-              <a:t>ekrandaki ilgili TreeTableView nesnesine eklemek ve o nesneyi taşımak için kullanılan </a:t>
-            </a:r>
-            <a:r>
-              <a:rPr lang="tr-TR" sz="1600" dirty="0" smtClean="0">
-                <a:latin typeface="Times New Roman" panose="02020603050405020304" pitchFamily="18" charset="0"/>
-                <a:cs typeface="Times New Roman" panose="02020603050405020304" pitchFamily="18" charset="0"/>
-              </a:rPr>
-              <a:t>sınıf</a:t>
-            </a:r>
-          </a:p>
-          <a:p>
-            <a:pPr lvl="1"/>
-            <a:endParaRPr lang="tr-TR" sz="1400" dirty="0"/>
-          </a:p>
-          <a:p>
-            <a:pPr lvl="1"/>
-            <a:endParaRPr lang="tr-TR" sz="1400" dirty="0"/>
-          </a:p>
-          <a:p>
-            <a:pPr lvl="1"/>
-            <a:endParaRPr lang="tr-TR" sz="1400" dirty="0"/>
-          </a:p>
-          <a:p>
-            <a:pPr lvl="1"/>
-            <a:endParaRPr lang="tr-TR" sz="1400" dirty="0"/>
-          </a:p>
-          <a:p>
-            <a:pPr lvl="1"/>
-            <a:endParaRPr lang="tr-TR" sz="1400" dirty="0" smtClean="0"/>
-          </a:p>
-          <a:p>
-            <a:pPr lvl="1"/>
-            <a:endParaRPr lang="tr-TR" sz="1400" dirty="0"/>
-          </a:p>
-          <a:p>
-            <a:pPr lvl="1"/>
-            <a:endParaRPr lang="tr-TR" sz="1400" dirty="0"/>
-          </a:p>
-          <a:p>
-            <a:pPr lvl="1"/>
-            <a:endParaRPr lang="tr-TR" sz="1400" dirty="0"/>
-          </a:p>
-          <a:p>
-            <a:pPr lvl="1"/>
-            <a:endParaRPr lang="tr-TR" sz="1400" dirty="0"/>
-          </a:p>
-          <a:p>
-            <a:pPr lvl="1"/>
-            <a:endParaRPr lang="tr-TR" sz="1400" dirty="0" smtClean="0"/>
-          </a:p>
-          <a:p>
-            <a:pPr lvl="1"/>
-            <a:endParaRPr lang="tr-TR" sz="1400" dirty="0" smtClean="0"/>
-          </a:p>
-          <a:p>
-            <a:pPr lvl="1"/>
-            <a:endParaRPr lang="tr-TR" dirty="0"/>
-          </a:p>
-        </p:txBody>
-      </p:sp>
-      <p:sp>
-        <p:nvSpPr>
-          <p:cNvPr id="4" name="Slayt Numarası Yer Tutucusu 3"/>
+      </p:pic>
+      <p:sp>
+        <p:nvSpPr>
+          <p:cNvPr id="5" name="Slayt Numarası Yer Tutucusu 4"/>
           <p:cNvSpPr>
             <a:spLocks noGrp="1"/>
           </p:cNvSpPr>
@@ -8817,7 +9826,7 @@
     </p:spTree>
     <p:extLst>
       <p:ext uri="{BB962C8B-B14F-4D97-AF65-F5344CB8AC3E}">
-        <p14:creationId xmlns:p14="http://schemas.microsoft.com/office/powerpoint/2010/main" val="347627592"/>
+        <p14:creationId xmlns:p14="http://schemas.microsoft.com/office/powerpoint/2010/main" val="2295424827"/>
       </p:ext>
     </p:extLst>
   </p:cSld>
@@ -8853,210 +9862,33 @@
       </p:grpSpPr>
       <p:sp>
         <p:nvSpPr>
-          <p:cNvPr id="3" name="İçerik Yer Tutucusu 2"/>
-          <p:cNvSpPr>
-            <a:spLocks noGrp="1"/>
-          </p:cNvSpPr>
-          <p:nvPr>
-            <p:ph idx="1"/>
+          <p:cNvPr id="2" name="Unvan 1"/>
+          <p:cNvSpPr>
+            <a:spLocks noGrp="1"/>
+          </p:cNvSpPr>
+          <p:nvPr>
+            <p:ph type="title"/>
           </p:nvPr>
         </p:nvSpPr>
         <p:spPr>
           <a:xfrm>
-            <a:off x="838200" y="295836"/>
-            <a:ext cx="10515600" cy="5809130"/>
+            <a:off x="838200" y="244103"/>
+            <a:ext cx="10515600" cy="562722"/>
           </a:xfrm>
         </p:spPr>
         <p:txBody>
-          <a:bodyPr/>
+          <a:bodyPr>
+            <a:normAutofit fontScale="90000"/>
+          </a:bodyPr>
           <a:lstStyle/>
           <a:p>
-            <a:pPr marL="342900" indent="-342900">
-              <a:buFont typeface="+mj-lt"/>
-              <a:buAutoNum type="arabicPeriod" startAt="3"/>
-            </a:pPr>
-            <a:r>
-              <a:rPr lang="tr-TR" sz="1700" dirty="0" smtClean="0">
-                <a:latin typeface="Times New Roman" panose="02020603050405020304" pitchFamily="18" charset="0"/>
-                <a:cs typeface="Times New Roman" panose="02020603050405020304" pitchFamily="18" charset="0"/>
-              </a:rPr>
-              <a:t>View Packages</a:t>
-            </a:r>
-          </a:p>
-          <a:p>
-            <a:pPr lvl="1"/>
-            <a:r>
-              <a:rPr lang="tr-TR" sz="1500" dirty="0" smtClean="0">
-                <a:latin typeface="Times New Roman" panose="02020603050405020304" pitchFamily="18" charset="0"/>
-                <a:cs typeface="Times New Roman" panose="02020603050405020304" pitchFamily="18" charset="0"/>
-              </a:rPr>
-              <a:t>AccessFXML: Tüm ekranlar arası geçişleri ve ekrana hatayı veya bir mesajı yazdırmak için kullanılan sınıf.</a:t>
-            </a:r>
-          </a:p>
-          <a:p>
-            <a:pPr lvl="1"/>
-            <a:r>
-              <a:rPr lang="tr-TR" sz="1500" dirty="0" smtClean="0">
-                <a:latin typeface="Times New Roman" panose="02020603050405020304" pitchFamily="18" charset="0"/>
-                <a:cs typeface="Times New Roman" panose="02020603050405020304" pitchFamily="18" charset="0"/>
-              </a:rPr>
-              <a:t>StockTruckingAutomation: İlk açılışı yöneten sınıf</a:t>
-            </a:r>
-          </a:p>
-          <a:p>
-            <a:pPr lvl="1"/>
-            <a:r>
-              <a:rPr lang="tr-TR" sz="1500" dirty="0" smtClean="0">
-                <a:latin typeface="Times New Roman" panose="02020603050405020304" pitchFamily="18" charset="0"/>
-                <a:cs typeface="Times New Roman" panose="02020603050405020304" pitchFamily="18" charset="0"/>
-              </a:rPr>
-              <a:t>AdminScreen.fxml: Yönetici ve Satış Sorumlusunun kullandığı ekranın fxml dosyası.</a:t>
-            </a:r>
-          </a:p>
-          <a:p>
-            <a:pPr lvl="1"/>
-            <a:r>
-              <a:rPr lang="tr-TR" sz="1500" dirty="0" smtClean="0">
-                <a:latin typeface="Times New Roman" panose="02020603050405020304" pitchFamily="18" charset="0"/>
-                <a:cs typeface="Times New Roman" panose="02020603050405020304" pitchFamily="18" charset="0"/>
-              </a:rPr>
-              <a:t>DepartmentManagerScreen.fxml:</a:t>
-            </a:r>
-            <a:r>
-              <a:rPr lang="tr-TR" sz="1500" dirty="0">
-                <a:latin typeface="Times New Roman" panose="02020603050405020304" pitchFamily="18" charset="0"/>
-                <a:cs typeface="Times New Roman" panose="02020603050405020304" pitchFamily="18" charset="0"/>
-              </a:rPr>
-              <a:t> </a:t>
-            </a:r>
-            <a:r>
-              <a:rPr lang="tr-TR" sz="1500" dirty="0" smtClean="0">
-                <a:latin typeface="Times New Roman" panose="02020603050405020304" pitchFamily="18" charset="0"/>
-                <a:cs typeface="Times New Roman" panose="02020603050405020304" pitchFamily="18" charset="0"/>
-              </a:rPr>
-              <a:t>Bölüm Yönetecisinin kullandığı </a:t>
-            </a:r>
-            <a:r>
-              <a:rPr lang="tr-TR" sz="1500" dirty="0">
-                <a:latin typeface="Times New Roman" panose="02020603050405020304" pitchFamily="18" charset="0"/>
-                <a:cs typeface="Times New Roman" panose="02020603050405020304" pitchFamily="18" charset="0"/>
-              </a:rPr>
-              <a:t>ekranın fxml dosyası</a:t>
-            </a:r>
-            <a:r>
-              <a:rPr lang="tr-TR" sz="1500" dirty="0" smtClean="0">
-                <a:latin typeface="Times New Roman" panose="02020603050405020304" pitchFamily="18" charset="0"/>
-                <a:cs typeface="Times New Roman" panose="02020603050405020304" pitchFamily="18" charset="0"/>
-              </a:rPr>
-              <a:t>.</a:t>
-            </a:r>
-          </a:p>
-          <a:p>
-            <a:pPr lvl="1"/>
-            <a:r>
-              <a:rPr lang="tr-TR" sz="1500" dirty="0" smtClean="0">
-                <a:latin typeface="Times New Roman" panose="02020603050405020304" pitchFamily="18" charset="0"/>
-                <a:cs typeface="Times New Roman" panose="02020603050405020304" pitchFamily="18" charset="0"/>
-              </a:rPr>
-              <a:t>SignIn.fxml: Giriş Ekranı olarak kullanılan </a:t>
-            </a:r>
-            <a:r>
-              <a:rPr lang="tr-TR" sz="1500" dirty="0">
-                <a:latin typeface="Times New Roman" panose="02020603050405020304" pitchFamily="18" charset="0"/>
-                <a:cs typeface="Times New Roman" panose="02020603050405020304" pitchFamily="18" charset="0"/>
-              </a:rPr>
-              <a:t>ekranın fxml dosyası</a:t>
-            </a:r>
-            <a:r>
-              <a:rPr lang="tr-TR" sz="1500" dirty="0" smtClean="0">
-                <a:latin typeface="Times New Roman" panose="02020603050405020304" pitchFamily="18" charset="0"/>
-                <a:cs typeface="Times New Roman" panose="02020603050405020304" pitchFamily="18" charset="0"/>
-              </a:rPr>
-              <a:t>.</a:t>
-            </a:r>
-          </a:p>
-          <a:p>
-            <a:pPr lvl="1"/>
-            <a:r>
-              <a:rPr lang="tr-TR" sz="1500" dirty="0" smtClean="0">
-                <a:latin typeface="Times New Roman" panose="02020603050405020304" pitchFamily="18" charset="0"/>
-                <a:cs typeface="Times New Roman" panose="02020603050405020304" pitchFamily="18" charset="0"/>
-              </a:rPr>
-              <a:t>SignUp.fxml: Kayıt Ekranı olarak kullanılan ekranın fxml dosyası</a:t>
-            </a:r>
-          </a:p>
-          <a:p>
-            <a:pPr lvl="1"/>
-            <a:r>
-              <a:rPr lang="tr-TR" sz="1500" dirty="0" smtClean="0">
-                <a:latin typeface="Times New Roman" panose="02020603050405020304" pitchFamily="18" charset="0"/>
-                <a:cs typeface="Times New Roman" panose="02020603050405020304" pitchFamily="18" charset="0"/>
-              </a:rPr>
-              <a:t>AssignReport.jrxml: Raporlama ekranı olarak kullanılan JasperReport</a:t>
-            </a:r>
-            <a:r>
-              <a:rPr lang="tr-TR" sz="1500" dirty="0">
-                <a:latin typeface="Times New Roman" panose="02020603050405020304" pitchFamily="18" charset="0"/>
-                <a:cs typeface="Times New Roman" panose="02020603050405020304" pitchFamily="18" charset="0"/>
-              </a:rPr>
-              <a:t> </a:t>
-            </a:r>
-            <a:r>
-              <a:rPr lang="tr-TR" sz="1500" dirty="0" smtClean="0">
-                <a:latin typeface="Times New Roman" panose="02020603050405020304" pitchFamily="18" charset="0"/>
-                <a:cs typeface="Times New Roman" panose="02020603050405020304" pitchFamily="18" charset="0"/>
-              </a:rPr>
-              <a:t>nesnesi</a:t>
-            </a:r>
-          </a:p>
-          <a:p>
-            <a:pPr lvl="1"/>
-            <a:r>
-              <a:rPr lang="tr-TR" sz="1500" dirty="0" smtClean="0">
-                <a:latin typeface="Times New Roman" panose="02020603050405020304" pitchFamily="18" charset="0"/>
-                <a:cs typeface="Times New Roman" panose="02020603050405020304" pitchFamily="18" charset="0"/>
-              </a:rPr>
-              <a:t>AssignReport.jasper: Raporlama ekranı olarak kullanılan nesnenin yönetim ekranı</a:t>
-            </a:r>
-          </a:p>
-          <a:p>
-            <a:pPr lvl="1"/>
-            <a:r>
-              <a:rPr lang="tr-TR" sz="1500" dirty="0" smtClean="0">
-                <a:latin typeface="Times New Roman" panose="02020603050405020304" pitchFamily="18" charset="0"/>
-                <a:cs typeface="Times New Roman" panose="02020603050405020304" pitchFamily="18" charset="0"/>
-              </a:rPr>
-              <a:t>style.css: Ekranları daha estetik göstermekte kullanılan CSS dosyası</a:t>
-            </a:r>
-          </a:p>
-          <a:p>
-            <a:pPr marL="457200" indent="-457200">
-              <a:buFont typeface="+mj-lt"/>
-              <a:buAutoNum type="arabicPeriod" startAt="4"/>
-            </a:pPr>
-            <a:r>
-              <a:rPr lang="tr-TR" sz="1700" dirty="0" smtClean="0">
-                <a:latin typeface="Times New Roman" panose="02020603050405020304" pitchFamily="18" charset="0"/>
-                <a:cs typeface="Times New Roman" panose="02020603050405020304" pitchFamily="18" charset="0"/>
-              </a:rPr>
-              <a:t>View.Pictures</a:t>
-            </a:r>
-            <a:endParaRPr lang="tr-TR" sz="1700" dirty="0">
-              <a:latin typeface="Times New Roman" panose="02020603050405020304" pitchFamily="18" charset="0"/>
-              <a:cs typeface="Times New Roman" panose="02020603050405020304" pitchFamily="18" charset="0"/>
-            </a:endParaRPr>
-          </a:p>
-          <a:p>
-            <a:pPr lvl="1"/>
-            <a:r>
-              <a:rPr lang="tr-TR" sz="1500" dirty="0" smtClean="0">
-                <a:latin typeface="Times New Roman" panose="02020603050405020304" pitchFamily="18" charset="0"/>
-                <a:cs typeface="Times New Roman" panose="02020603050405020304" pitchFamily="18" charset="0"/>
-              </a:rPr>
-              <a:t>report.png: Rapor sayfasının üstünde gözüken resim</a:t>
-            </a:r>
-          </a:p>
-          <a:p>
+            <a:r>
+              <a:rPr lang="tr-TR" dirty="0" smtClean="0">
+                <a:latin typeface="Times New Roman" panose="02020603050405020304" pitchFamily="18" charset="0"/>
+                <a:cs typeface="Times New Roman" panose="02020603050405020304" pitchFamily="18" charset="0"/>
+              </a:rPr>
+              <a:t>Sınıflar</a:t>
+            </a:r>
             <a:endParaRPr lang="tr-TR" dirty="0">
               <a:latin typeface="Times New Roman" panose="02020603050405020304" pitchFamily="18" charset="0"/>
               <a:cs typeface="Times New Roman" panose="02020603050405020304" pitchFamily="18" charset="0"/>
@@ -9066,6 +9898,483 @@
       </p:sp>
       <p:sp>
         <p:nvSpPr>
+          <p:cNvPr id="3" name="İçerik Yer Tutucusu 2"/>
+          <p:cNvSpPr>
+            <a:spLocks noGrp="1"/>
+          </p:cNvSpPr>
+          <p:nvPr>
+            <p:ph idx="1"/>
+          </p:nvPr>
+        </p:nvSpPr>
+        <p:spPr>
+          <a:xfrm>
+            <a:off x="838200" y="806825"/>
+            <a:ext cx="10515600" cy="5914650"/>
+          </a:xfrm>
+        </p:spPr>
+        <p:txBody>
+          <a:bodyPr>
+            <a:normAutofit fontScale="92500" lnSpcReduction="10000"/>
+          </a:bodyPr>
+          <a:lstStyle/>
+          <a:p>
+            <a:pPr marL="342900" indent="-342900">
+              <a:buFont typeface="+mj-lt"/>
+              <a:buAutoNum type="arabicPeriod"/>
+            </a:pPr>
+            <a:r>
+              <a:rPr lang="tr-TR" sz="1800" dirty="0" smtClean="0">
+                <a:latin typeface="Times New Roman" panose="02020603050405020304" pitchFamily="18" charset="0"/>
+                <a:cs typeface="Times New Roman" panose="02020603050405020304" pitchFamily="18" charset="0"/>
+              </a:rPr>
+              <a:t>Controller Package</a:t>
+            </a:r>
+          </a:p>
+          <a:p>
+            <a:pPr lvl="1"/>
+            <a:r>
+              <a:rPr lang="tr-TR" sz="1600" dirty="0" smtClean="0">
+                <a:latin typeface="Times New Roman" panose="02020603050405020304" pitchFamily="18" charset="0"/>
+                <a:cs typeface="Times New Roman" panose="02020603050405020304" pitchFamily="18" charset="0"/>
+              </a:rPr>
+              <a:t>AdminScreenController: Yönetici ve Satış Sorumlusunun kullandığı ekranın kontrol etmekte kullanılır.</a:t>
+            </a:r>
+          </a:p>
+          <a:p>
+            <a:pPr lvl="1"/>
+            <a:r>
+              <a:rPr lang="tr-TR" sz="1600" dirty="0" smtClean="0">
+                <a:latin typeface="Times New Roman" panose="02020603050405020304" pitchFamily="18" charset="0"/>
+                <a:cs typeface="Times New Roman" panose="02020603050405020304" pitchFamily="18" charset="0"/>
+              </a:rPr>
+              <a:t>DepartmentManagerController: Bölüm Yöneticisinin kullandığı </a:t>
+            </a:r>
+            <a:r>
+              <a:rPr lang="tr-TR" sz="1600" dirty="0">
+                <a:latin typeface="Times New Roman" panose="02020603050405020304" pitchFamily="18" charset="0"/>
+                <a:cs typeface="Times New Roman" panose="02020603050405020304" pitchFamily="18" charset="0"/>
+              </a:rPr>
+              <a:t>ekranın kontrol etmekte kullanılır</a:t>
+            </a:r>
+            <a:r>
+              <a:rPr lang="tr-TR" sz="1600" dirty="0" smtClean="0">
+                <a:latin typeface="Times New Roman" panose="02020603050405020304" pitchFamily="18" charset="0"/>
+                <a:cs typeface="Times New Roman" panose="02020603050405020304" pitchFamily="18" charset="0"/>
+              </a:rPr>
+              <a:t>.</a:t>
+            </a:r>
+          </a:p>
+          <a:p>
+            <a:pPr lvl="1"/>
+            <a:r>
+              <a:rPr lang="tr-TR" sz="1600" dirty="0" smtClean="0">
+                <a:latin typeface="Times New Roman" panose="02020603050405020304" pitchFamily="18" charset="0"/>
+                <a:cs typeface="Times New Roman" panose="02020603050405020304" pitchFamily="18" charset="0"/>
+              </a:rPr>
+              <a:t>Report: Rapor çıktılarının kontrol edildiği ve ekrana basıldığı sınıf</a:t>
+            </a:r>
+          </a:p>
+          <a:p>
+            <a:pPr lvl="1"/>
+            <a:r>
+              <a:rPr lang="tr-TR" sz="1600" dirty="0" smtClean="0">
+                <a:latin typeface="Times New Roman" panose="02020603050405020304" pitchFamily="18" charset="0"/>
+                <a:cs typeface="Times New Roman" panose="02020603050405020304" pitchFamily="18" charset="0"/>
+              </a:rPr>
+              <a:t>SignInController: Giriş Ekranını kontrol etmek için kullanılan sınıf</a:t>
+            </a:r>
+          </a:p>
+          <a:p>
+            <a:pPr lvl="1"/>
+            <a:r>
+              <a:rPr lang="tr-TR" sz="1600" dirty="0" smtClean="0">
+                <a:latin typeface="Times New Roman" panose="02020603050405020304" pitchFamily="18" charset="0"/>
+                <a:cs typeface="Times New Roman" panose="02020603050405020304" pitchFamily="18" charset="0"/>
+              </a:rPr>
+              <a:t>SignUpController: Kayıt Ekranını kontrol etmek için kullanılan sınıf</a:t>
+            </a:r>
+            <a:endParaRPr lang="tr-TR" sz="1600" dirty="0">
+              <a:latin typeface="Times New Roman" panose="02020603050405020304" pitchFamily="18" charset="0"/>
+              <a:cs typeface="Times New Roman" panose="02020603050405020304" pitchFamily="18" charset="0"/>
+            </a:endParaRPr>
+          </a:p>
+          <a:p>
+            <a:pPr marL="342900" indent="-342900">
+              <a:buFont typeface="+mj-lt"/>
+              <a:buAutoNum type="arabicPeriod"/>
+            </a:pPr>
+            <a:r>
+              <a:rPr lang="tr-TR" sz="1800" dirty="0" smtClean="0">
+                <a:latin typeface="Times New Roman" panose="02020603050405020304" pitchFamily="18" charset="0"/>
+                <a:cs typeface="Times New Roman" panose="02020603050405020304" pitchFamily="18" charset="0"/>
+              </a:rPr>
+              <a:t>Model Packages</a:t>
+            </a:r>
+            <a:endParaRPr lang="tr-TR" sz="1800" dirty="0">
+              <a:latin typeface="Times New Roman" panose="02020603050405020304" pitchFamily="18" charset="0"/>
+              <a:cs typeface="Times New Roman" panose="02020603050405020304" pitchFamily="18" charset="0"/>
+            </a:endParaRPr>
+          </a:p>
+          <a:p>
+            <a:pPr lvl="1"/>
+            <a:r>
+              <a:rPr lang="tr-TR" sz="1600" dirty="0" smtClean="0">
+                <a:latin typeface="Times New Roman" panose="02020603050405020304" pitchFamily="18" charset="0"/>
+                <a:cs typeface="Times New Roman" panose="02020603050405020304" pitchFamily="18" charset="0"/>
+              </a:rPr>
+              <a:t>DBHelper: Tüm veritabanı işlemlerinin yönetildiği sınıf</a:t>
+            </a:r>
+          </a:p>
+          <a:p>
+            <a:pPr lvl="1"/>
+            <a:r>
+              <a:rPr lang="tr-TR" sz="1600" dirty="0" smtClean="0">
+                <a:latin typeface="Times New Roman" panose="02020603050405020304" pitchFamily="18" charset="0"/>
+                <a:cs typeface="Times New Roman" panose="02020603050405020304" pitchFamily="18" charset="0"/>
+              </a:rPr>
+              <a:t>TreeTableViewer: Tüm nesneleri ekrana TreeTableView bileşenlerine eklemek ve yönetmekte kullanılan sınıf</a:t>
+            </a:r>
+          </a:p>
+          <a:p>
+            <a:pPr lvl="1"/>
+            <a:r>
+              <a:rPr lang="tr-TR" sz="1600" dirty="0" smtClean="0">
+                <a:latin typeface="Times New Roman" panose="02020603050405020304" pitchFamily="18" charset="0"/>
+                <a:cs typeface="Times New Roman" panose="02020603050405020304" pitchFamily="18" charset="0"/>
+              </a:rPr>
+              <a:t>Assign: Zimmetleri taşımakta kullanılan nesnenin sınıfı</a:t>
+            </a:r>
+          </a:p>
+          <a:p>
+            <a:pPr lvl="1"/>
+            <a:r>
+              <a:rPr lang="tr-TR" sz="1600" dirty="0" smtClean="0">
+                <a:latin typeface="Times New Roman" panose="02020603050405020304" pitchFamily="18" charset="0"/>
+                <a:cs typeface="Times New Roman" panose="02020603050405020304" pitchFamily="18" charset="0"/>
+              </a:rPr>
+              <a:t>Personnel: Personelleri </a:t>
+            </a:r>
+            <a:r>
+              <a:rPr lang="tr-TR" sz="1600" dirty="0">
+                <a:latin typeface="Times New Roman" panose="02020603050405020304" pitchFamily="18" charset="0"/>
+                <a:cs typeface="Times New Roman" panose="02020603050405020304" pitchFamily="18" charset="0"/>
+              </a:rPr>
+              <a:t>taşımakta kullanılan nesnenin </a:t>
+            </a:r>
+            <a:r>
+              <a:rPr lang="tr-TR" sz="1600" dirty="0" smtClean="0">
+                <a:latin typeface="Times New Roman" panose="02020603050405020304" pitchFamily="18" charset="0"/>
+                <a:cs typeface="Times New Roman" panose="02020603050405020304" pitchFamily="18" charset="0"/>
+              </a:rPr>
+              <a:t>sınıfı</a:t>
+            </a:r>
+          </a:p>
+          <a:p>
+            <a:pPr lvl="1"/>
+            <a:r>
+              <a:rPr lang="tr-TR" sz="1600" dirty="0" smtClean="0">
+                <a:latin typeface="Times New Roman" panose="02020603050405020304" pitchFamily="18" charset="0"/>
+                <a:cs typeface="Times New Roman" panose="02020603050405020304" pitchFamily="18" charset="0"/>
+              </a:rPr>
+              <a:t>Product: Ürünleri </a:t>
+            </a:r>
+            <a:r>
+              <a:rPr lang="tr-TR" sz="1600" dirty="0">
+                <a:latin typeface="Times New Roman" panose="02020603050405020304" pitchFamily="18" charset="0"/>
+                <a:cs typeface="Times New Roman" panose="02020603050405020304" pitchFamily="18" charset="0"/>
+              </a:rPr>
+              <a:t>taşımakta kullanılan nesnenin </a:t>
+            </a:r>
+            <a:r>
+              <a:rPr lang="tr-TR" sz="1600" dirty="0" smtClean="0">
+                <a:latin typeface="Times New Roman" panose="02020603050405020304" pitchFamily="18" charset="0"/>
+                <a:cs typeface="Times New Roman" panose="02020603050405020304" pitchFamily="18" charset="0"/>
+              </a:rPr>
+              <a:t>sınıfı</a:t>
+            </a:r>
+          </a:p>
+          <a:p>
+            <a:pPr lvl="1"/>
+            <a:r>
+              <a:rPr lang="tr-TR" sz="1600" dirty="0" smtClean="0">
+                <a:latin typeface="Times New Roman" panose="02020603050405020304" pitchFamily="18" charset="0"/>
+                <a:cs typeface="Times New Roman" panose="02020603050405020304" pitchFamily="18" charset="0"/>
+              </a:rPr>
+              <a:t>BuyStock: Satın alınacak olan ürünleri </a:t>
+            </a:r>
+            <a:r>
+              <a:rPr lang="tr-TR" sz="1600" dirty="0">
+                <a:latin typeface="Times New Roman" panose="02020603050405020304" pitchFamily="18" charset="0"/>
+                <a:cs typeface="Times New Roman" panose="02020603050405020304" pitchFamily="18" charset="0"/>
+              </a:rPr>
+              <a:t>taşımakta kullanılan nesnenin </a:t>
+            </a:r>
+            <a:r>
+              <a:rPr lang="tr-TR" sz="1600" dirty="0" smtClean="0">
+                <a:latin typeface="Times New Roman" panose="02020603050405020304" pitchFamily="18" charset="0"/>
+                <a:cs typeface="Times New Roman" panose="02020603050405020304" pitchFamily="18" charset="0"/>
+              </a:rPr>
+              <a:t>sınıfı</a:t>
+            </a:r>
+          </a:p>
+          <a:p>
+            <a:pPr lvl="1"/>
+            <a:r>
+              <a:rPr lang="tr-TR" sz="1600" dirty="0" smtClean="0">
+                <a:latin typeface="Times New Roman" panose="02020603050405020304" pitchFamily="18" charset="0"/>
+                <a:cs typeface="Times New Roman" panose="02020603050405020304" pitchFamily="18" charset="0"/>
+              </a:rPr>
+              <a:t>Department: Bölümleri </a:t>
+            </a:r>
+            <a:r>
+              <a:rPr lang="tr-TR" sz="1600" dirty="0">
+                <a:latin typeface="Times New Roman" panose="02020603050405020304" pitchFamily="18" charset="0"/>
+                <a:cs typeface="Times New Roman" panose="02020603050405020304" pitchFamily="18" charset="0"/>
+              </a:rPr>
+              <a:t>taşımakta kullanılan nesnenin </a:t>
+            </a:r>
+            <a:r>
+              <a:rPr lang="tr-TR" sz="1600" dirty="0" smtClean="0">
+                <a:latin typeface="Times New Roman" panose="02020603050405020304" pitchFamily="18" charset="0"/>
+                <a:cs typeface="Times New Roman" panose="02020603050405020304" pitchFamily="18" charset="0"/>
+              </a:rPr>
+              <a:t>sınıfı</a:t>
+            </a:r>
+          </a:p>
+          <a:p>
+            <a:pPr lvl="1"/>
+            <a:r>
+              <a:rPr lang="tr-TR" sz="1600" dirty="0" smtClean="0">
+                <a:latin typeface="Times New Roman" panose="02020603050405020304" pitchFamily="18" charset="0"/>
+                <a:cs typeface="Times New Roman" panose="02020603050405020304" pitchFamily="18" charset="0"/>
+              </a:rPr>
+              <a:t>Job: İşleri </a:t>
+            </a:r>
+            <a:r>
+              <a:rPr lang="tr-TR" sz="1600" dirty="0">
+                <a:latin typeface="Times New Roman" panose="02020603050405020304" pitchFamily="18" charset="0"/>
+                <a:cs typeface="Times New Roman" panose="02020603050405020304" pitchFamily="18" charset="0"/>
+              </a:rPr>
+              <a:t>taşımakta kullanılan nesnenin sınıfı</a:t>
+            </a:r>
+          </a:p>
+          <a:p>
+            <a:pPr lvl="1"/>
+            <a:r>
+              <a:rPr lang="tr-TR" sz="1600" dirty="0" smtClean="0">
+                <a:latin typeface="Times New Roman" panose="02020603050405020304" pitchFamily="18" charset="0"/>
+                <a:cs typeface="Times New Roman" panose="02020603050405020304" pitchFamily="18" charset="0"/>
+              </a:rPr>
+              <a:t>Company: Şirketleri </a:t>
+            </a:r>
+            <a:r>
+              <a:rPr lang="tr-TR" sz="1600" dirty="0">
+                <a:latin typeface="Times New Roman" panose="02020603050405020304" pitchFamily="18" charset="0"/>
+                <a:cs typeface="Times New Roman" panose="02020603050405020304" pitchFamily="18" charset="0"/>
+              </a:rPr>
+              <a:t>taşımakta kullanılan nesnenin </a:t>
+            </a:r>
+            <a:r>
+              <a:rPr lang="tr-TR" sz="1600" dirty="0" smtClean="0">
+                <a:latin typeface="Times New Roman" panose="02020603050405020304" pitchFamily="18" charset="0"/>
+                <a:cs typeface="Times New Roman" panose="02020603050405020304" pitchFamily="18" charset="0"/>
+              </a:rPr>
+              <a:t>sınıfı</a:t>
+            </a:r>
+          </a:p>
+          <a:p>
+            <a:pPr lvl="1"/>
+            <a:r>
+              <a:rPr lang="tr-TR" sz="1600" dirty="0" smtClean="0">
+                <a:latin typeface="Times New Roman" panose="02020603050405020304" pitchFamily="18" charset="0"/>
+                <a:cs typeface="Times New Roman" panose="02020603050405020304" pitchFamily="18" charset="0"/>
+              </a:rPr>
+              <a:t>AssignTreeTable: Zimmetleri basit olarak ekrandaki </a:t>
+            </a:r>
+            <a:r>
+              <a:rPr lang="tr-TR" sz="1600" dirty="0">
+                <a:latin typeface="Times New Roman" panose="02020603050405020304" pitchFamily="18" charset="0"/>
+                <a:cs typeface="Times New Roman" panose="02020603050405020304" pitchFamily="18" charset="0"/>
+              </a:rPr>
+              <a:t>ilgili </a:t>
+            </a:r>
+            <a:r>
+              <a:rPr lang="tr-TR" sz="1600" dirty="0" smtClean="0">
+                <a:latin typeface="Times New Roman" panose="02020603050405020304" pitchFamily="18" charset="0"/>
+                <a:cs typeface="Times New Roman" panose="02020603050405020304" pitchFamily="18" charset="0"/>
+              </a:rPr>
+              <a:t>TreeTableView nesnesine eklemek ve o nesneyi taşımak için kullanılan sınıf</a:t>
+            </a:r>
+          </a:p>
+          <a:p>
+            <a:pPr lvl="1"/>
+            <a:r>
+              <a:rPr lang="tr-TR" sz="1600" dirty="0" smtClean="0">
+                <a:latin typeface="Times New Roman" panose="02020603050405020304" pitchFamily="18" charset="0"/>
+                <a:cs typeface="Times New Roman" panose="02020603050405020304" pitchFamily="18" charset="0"/>
+              </a:rPr>
+              <a:t>AssignFullTreeTable :Zimmetleri tüm özellikli </a:t>
+            </a:r>
+            <a:r>
+              <a:rPr lang="tr-TR" sz="1600" dirty="0">
+                <a:latin typeface="Times New Roman" panose="02020603050405020304" pitchFamily="18" charset="0"/>
+                <a:cs typeface="Times New Roman" panose="02020603050405020304" pitchFamily="18" charset="0"/>
+              </a:rPr>
+              <a:t>olarak ekrandaki ilgili </a:t>
+            </a:r>
+            <a:r>
+              <a:rPr lang="tr-TR" sz="1600" dirty="0" smtClean="0">
+                <a:latin typeface="Times New Roman" panose="02020603050405020304" pitchFamily="18" charset="0"/>
+                <a:cs typeface="Times New Roman" panose="02020603050405020304" pitchFamily="18" charset="0"/>
+              </a:rPr>
+              <a:t>TreeTableView </a:t>
+            </a:r>
+            <a:r>
+              <a:rPr lang="tr-TR" sz="1600" dirty="0">
+                <a:latin typeface="Times New Roman" panose="02020603050405020304" pitchFamily="18" charset="0"/>
+                <a:cs typeface="Times New Roman" panose="02020603050405020304" pitchFamily="18" charset="0"/>
+              </a:rPr>
+              <a:t>nesnesine eklemek ve o nesneyi taşımak için kullanılan </a:t>
+            </a:r>
+            <a:r>
+              <a:rPr lang="tr-TR" sz="1600" dirty="0" smtClean="0">
+                <a:latin typeface="Times New Roman" panose="02020603050405020304" pitchFamily="18" charset="0"/>
+                <a:cs typeface="Times New Roman" panose="02020603050405020304" pitchFamily="18" charset="0"/>
+              </a:rPr>
+              <a:t>sınıf</a:t>
+            </a:r>
+          </a:p>
+          <a:p>
+            <a:pPr lvl="1"/>
+            <a:r>
+              <a:rPr lang="tr-TR" sz="1600" dirty="0" smtClean="0">
+                <a:latin typeface="Times New Roman" panose="02020603050405020304" pitchFamily="18" charset="0"/>
+                <a:cs typeface="Times New Roman" panose="02020603050405020304" pitchFamily="18" charset="0"/>
+              </a:rPr>
+              <a:t>PersonnelTreeTable: Personelleri ekrandaki</a:t>
+            </a:r>
+            <a:r>
+              <a:rPr lang="tr-TR" sz="1600" dirty="0">
+                <a:latin typeface="Times New Roman" panose="02020603050405020304" pitchFamily="18" charset="0"/>
+                <a:cs typeface="Times New Roman" panose="02020603050405020304" pitchFamily="18" charset="0"/>
+              </a:rPr>
+              <a:t> </a:t>
+            </a:r>
+            <a:r>
+              <a:rPr lang="tr-TR" sz="1600" dirty="0" smtClean="0">
+                <a:latin typeface="Times New Roman" panose="02020603050405020304" pitchFamily="18" charset="0"/>
+                <a:cs typeface="Times New Roman" panose="02020603050405020304" pitchFamily="18" charset="0"/>
+              </a:rPr>
+              <a:t>ilgili </a:t>
+            </a:r>
+            <a:r>
+              <a:rPr lang="tr-TR" sz="1600" dirty="0">
+                <a:latin typeface="Times New Roman" panose="02020603050405020304" pitchFamily="18" charset="0"/>
+                <a:cs typeface="Times New Roman" panose="02020603050405020304" pitchFamily="18" charset="0"/>
+              </a:rPr>
+              <a:t>TreeTableView nesnesine eklemek ve o nesneyi taşımak için kullanılan sınıf</a:t>
+            </a:r>
+          </a:p>
+          <a:p>
+            <a:pPr lvl="1"/>
+            <a:r>
+              <a:rPr lang="tr-TR" sz="1600" dirty="0" smtClean="0">
+                <a:latin typeface="Times New Roman" panose="02020603050405020304" pitchFamily="18" charset="0"/>
+                <a:cs typeface="Times New Roman" panose="02020603050405020304" pitchFamily="18" charset="0"/>
+              </a:rPr>
+              <a:t>ProductTreeTable: Ürünleri ekrandaki ilgili TreeTableView </a:t>
+            </a:r>
+            <a:r>
+              <a:rPr lang="tr-TR" sz="1600" dirty="0">
+                <a:latin typeface="Times New Roman" panose="02020603050405020304" pitchFamily="18" charset="0"/>
+                <a:cs typeface="Times New Roman" panose="02020603050405020304" pitchFamily="18" charset="0"/>
+              </a:rPr>
+              <a:t>nesnesine eklemek ve o nesneyi taşımak için kullanılan </a:t>
+            </a:r>
+            <a:r>
+              <a:rPr lang="tr-TR" sz="1600" dirty="0" smtClean="0">
+                <a:latin typeface="Times New Roman" panose="02020603050405020304" pitchFamily="18" charset="0"/>
+                <a:cs typeface="Times New Roman" panose="02020603050405020304" pitchFamily="18" charset="0"/>
+              </a:rPr>
+              <a:t>sınıf</a:t>
+            </a:r>
+          </a:p>
+          <a:p>
+            <a:pPr lvl="1"/>
+            <a:r>
+              <a:rPr lang="tr-TR" sz="1600" dirty="0" smtClean="0">
+                <a:latin typeface="Times New Roman" panose="02020603050405020304" pitchFamily="18" charset="0"/>
+                <a:cs typeface="Times New Roman" panose="02020603050405020304" pitchFamily="18" charset="0"/>
+              </a:rPr>
+              <a:t>BuyStockTreeTable: Satın alıncak ürünleri </a:t>
+            </a:r>
+            <a:r>
+              <a:rPr lang="tr-TR" sz="1600" dirty="0">
+                <a:latin typeface="Times New Roman" panose="02020603050405020304" pitchFamily="18" charset="0"/>
+                <a:cs typeface="Times New Roman" panose="02020603050405020304" pitchFamily="18" charset="0"/>
+              </a:rPr>
+              <a:t>ekrandaki ilgili TreeTableView nesnesine eklemek ve o nesneyi taşımak için kullanılan </a:t>
+            </a:r>
+            <a:r>
+              <a:rPr lang="tr-TR" sz="1600" dirty="0" smtClean="0">
+                <a:latin typeface="Times New Roman" panose="02020603050405020304" pitchFamily="18" charset="0"/>
+                <a:cs typeface="Times New Roman" panose="02020603050405020304" pitchFamily="18" charset="0"/>
+              </a:rPr>
+              <a:t>sınıf</a:t>
+            </a:r>
+          </a:p>
+          <a:p>
+            <a:pPr lvl="1"/>
+            <a:endParaRPr lang="tr-TR" sz="1400" dirty="0"/>
+          </a:p>
+          <a:p>
+            <a:pPr lvl="1"/>
+            <a:endParaRPr lang="tr-TR" sz="1400" dirty="0"/>
+          </a:p>
+          <a:p>
+            <a:pPr lvl="1"/>
+            <a:endParaRPr lang="tr-TR" sz="1400" dirty="0"/>
+          </a:p>
+          <a:p>
+            <a:pPr lvl="1"/>
+            <a:endParaRPr lang="tr-TR" sz="1400" dirty="0"/>
+          </a:p>
+          <a:p>
+            <a:pPr lvl="1"/>
+            <a:endParaRPr lang="tr-TR" sz="1400" dirty="0" smtClean="0"/>
+          </a:p>
+          <a:p>
+            <a:pPr lvl="1"/>
+            <a:endParaRPr lang="tr-TR" sz="1400" dirty="0"/>
+          </a:p>
+          <a:p>
+            <a:pPr lvl="1"/>
+            <a:endParaRPr lang="tr-TR" sz="1400" dirty="0"/>
+          </a:p>
+          <a:p>
+            <a:pPr lvl="1"/>
+            <a:endParaRPr lang="tr-TR" sz="1400" dirty="0"/>
+          </a:p>
+          <a:p>
+            <a:pPr lvl="1"/>
+            <a:endParaRPr lang="tr-TR" sz="1400" dirty="0"/>
+          </a:p>
+          <a:p>
+            <a:pPr lvl="1"/>
+            <a:endParaRPr lang="tr-TR" sz="1400" dirty="0" smtClean="0"/>
+          </a:p>
+          <a:p>
+            <a:pPr lvl="1"/>
+            <a:endParaRPr lang="tr-TR" sz="1400" dirty="0" smtClean="0"/>
+          </a:p>
+          <a:p>
+            <a:pPr lvl="1"/>
+            <a:endParaRPr lang="tr-TR" dirty="0"/>
+          </a:p>
+        </p:txBody>
+      </p:sp>
+      <p:sp>
+        <p:nvSpPr>
           <p:cNvPr id="4" name="Slayt Numarası Yer Tutucusu 3"/>
           <p:cNvSpPr>
             <a:spLocks noGrp="1"/>
@@ -9090,7 +10399,7 @@
     </p:spTree>
     <p:extLst>
       <p:ext uri="{BB962C8B-B14F-4D97-AF65-F5344CB8AC3E}">
-        <p14:creationId xmlns:p14="http://schemas.microsoft.com/office/powerpoint/2010/main" val="807237571"/>
+        <p14:creationId xmlns:p14="http://schemas.microsoft.com/office/powerpoint/2010/main" val="347627592"/>
       </p:ext>
     </p:extLst>
   </p:cSld>
